--- a/OPC UA and Industry 4.0.pptx
+++ b/OPC UA and Industry 4.0.pptx
@@ -12,12 +12,17 @@
     <p:sldId id="261" r:id="rId6"/>
     <p:sldId id="259" r:id="rId7"/>
     <p:sldId id="262" r:id="rId8"/>
-    <p:sldId id="263" r:id="rId9"/>
-    <p:sldId id="264" r:id="rId10"/>
-    <p:sldId id="265" r:id="rId11"/>
-    <p:sldId id="266" r:id="rId12"/>
-    <p:sldId id="267" r:id="rId13"/>
-    <p:sldId id="268" r:id="rId14"/>
+    <p:sldId id="269" r:id="rId9"/>
+    <p:sldId id="271" r:id="rId10"/>
+    <p:sldId id="272" r:id="rId11"/>
+    <p:sldId id="263" r:id="rId12"/>
+    <p:sldId id="264" r:id="rId13"/>
+    <p:sldId id="265" r:id="rId14"/>
+    <p:sldId id="266" r:id="rId15"/>
+    <p:sldId id="267" r:id="rId16"/>
+    <p:sldId id="270" r:id="rId17"/>
+    <p:sldId id="268" r:id="rId18"/>
+    <p:sldId id="273" r:id="rId19"/>
   </p:sldIdLst>
   <p:sldSz cx="12192000" cy="6858000"/>
   <p:notesSz cx="6858000" cy="9144000"/>
@@ -459,7 +464,7 @@
           <a:p>
             <a:fld id="{4DE82A70-5764-42AD-AA4E-C5FC14A955B5}" type="datetimeFigureOut">
               <a:rPr lang="bg-BG" smtClean="0"/>
-              <a:t>17.11.2021 г.</a:t>
+              <a:t>22.11.2021 г.</a:t>
             </a:fld>
             <a:endParaRPr lang="bg-BG"/>
           </a:p>
@@ -1547,7 +1552,7 @@
           <a:p>
             <a:fld id="{4DE82A70-5764-42AD-AA4E-C5FC14A955B5}" type="datetimeFigureOut">
               <a:rPr lang="bg-BG" smtClean="0"/>
-              <a:t>17.11.2021 г.</a:t>
+              <a:t>22.11.2021 г.</a:t>
             </a:fld>
             <a:endParaRPr lang="bg-BG"/>
           </a:p>
@@ -2527,7 +2532,7 @@
           <a:p>
             <a:fld id="{4DE82A70-5764-42AD-AA4E-C5FC14A955B5}" type="datetimeFigureOut">
               <a:rPr lang="bg-BG" smtClean="0"/>
-              <a:t>17.11.2021 г.</a:t>
+              <a:t>22.11.2021 г.</a:t>
             </a:fld>
             <a:endParaRPr lang="bg-BG"/>
           </a:p>
@@ -3661,7 +3666,7 @@
           <a:p>
             <a:fld id="{4DE82A70-5764-42AD-AA4E-C5FC14A955B5}" type="datetimeFigureOut">
               <a:rPr lang="bg-BG" smtClean="0"/>
-              <a:t>17.11.2021 г.</a:t>
+              <a:t>22.11.2021 г.</a:t>
             </a:fld>
             <a:endParaRPr lang="bg-BG"/>
           </a:p>
@@ -4694,7 +4699,7 @@
           <a:p>
             <a:fld id="{4DE82A70-5764-42AD-AA4E-C5FC14A955B5}" type="datetimeFigureOut">
               <a:rPr lang="bg-BG" smtClean="0"/>
-              <a:t>17.11.2021 г.</a:t>
+              <a:t>22.11.2021 г.</a:t>
             </a:fld>
             <a:endParaRPr lang="bg-BG"/>
           </a:p>
@@ -5354,7 +5359,7 @@
           <a:p>
             <a:fld id="{4DE82A70-5764-42AD-AA4E-C5FC14A955B5}" type="datetimeFigureOut">
               <a:rPr lang="bg-BG" smtClean="0"/>
-              <a:t>17.11.2021 г.</a:t>
+              <a:t>22.11.2021 г.</a:t>
             </a:fld>
             <a:endParaRPr lang="bg-BG"/>
           </a:p>
@@ -6215,7 +6220,7 @@
           <a:p>
             <a:fld id="{4DE82A70-5764-42AD-AA4E-C5FC14A955B5}" type="datetimeFigureOut">
               <a:rPr lang="bg-BG" smtClean="0"/>
-              <a:t>17.11.2021 г.</a:t>
+              <a:t>22.11.2021 г.</a:t>
             </a:fld>
             <a:endParaRPr lang="bg-BG"/>
           </a:p>
@@ -6405,7 +6410,7 @@
           <a:p>
             <a:fld id="{4DE82A70-5764-42AD-AA4E-C5FC14A955B5}" type="datetimeFigureOut">
               <a:rPr lang="bg-BG" smtClean="0"/>
-              <a:t>17.11.2021 г.</a:t>
+              <a:t>22.11.2021 г.</a:t>
             </a:fld>
             <a:endParaRPr lang="bg-BG"/>
           </a:p>
@@ -7377,7 +7382,7 @@
           <a:p>
             <a:fld id="{4DE82A70-5764-42AD-AA4E-C5FC14A955B5}" type="datetimeFigureOut">
               <a:rPr lang="bg-BG" smtClean="0"/>
-              <a:t>17.11.2021 г.</a:t>
+              <a:t>22.11.2021 г.</a:t>
             </a:fld>
             <a:endParaRPr lang="bg-BG"/>
           </a:p>
@@ -7588,7 +7593,7 @@
           <a:p>
             <a:fld id="{4DE82A70-5764-42AD-AA4E-C5FC14A955B5}" type="datetimeFigureOut">
               <a:rPr lang="bg-BG" smtClean="0"/>
-              <a:t>17.11.2021 г.</a:t>
+              <a:t>22.11.2021 г.</a:t>
             </a:fld>
             <a:endParaRPr lang="bg-BG"/>
           </a:p>
@@ -8622,7 +8627,7 @@
           <a:p>
             <a:fld id="{4DE82A70-5764-42AD-AA4E-C5FC14A955B5}" type="datetimeFigureOut">
               <a:rPr lang="bg-BG" smtClean="0"/>
-              <a:t>17.11.2021 г.</a:t>
+              <a:t>22.11.2021 г.</a:t>
             </a:fld>
             <a:endParaRPr lang="bg-BG"/>
           </a:p>
@@ -8894,7 +8899,7 @@
           <a:p>
             <a:fld id="{4DE82A70-5764-42AD-AA4E-C5FC14A955B5}" type="datetimeFigureOut">
               <a:rPr lang="bg-BG" smtClean="0"/>
-              <a:t>17.11.2021 г.</a:t>
+              <a:t>22.11.2021 г.</a:t>
             </a:fld>
             <a:endParaRPr lang="bg-BG"/>
           </a:p>
@@ -9304,7 +9309,7 @@
           <a:p>
             <a:fld id="{4DE82A70-5764-42AD-AA4E-C5FC14A955B5}" type="datetimeFigureOut">
               <a:rPr lang="bg-BG" smtClean="0"/>
-              <a:t>17.11.2021 г.</a:t>
+              <a:t>22.11.2021 г.</a:t>
             </a:fld>
             <a:endParaRPr lang="bg-BG"/>
           </a:p>
@@ -9431,7 +9436,7 @@
           <a:p>
             <a:fld id="{4DE82A70-5764-42AD-AA4E-C5FC14A955B5}" type="datetimeFigureOut">
               <a:rPr lang="bg-BG" smtClean="0"/>
-              <a:t>17.11.2021 г.</a:t>
+              <a:t>22.11.2021 г.</a:t>
             </a:fld>
             <a:endParaRPr lang="bg-BG"/>
           </a:p>
@@ -9526,7 +9531,7 @@
           <a:p>
             <a:fld id="{4DE82A70-5764-42AD-AA4E-C5FC14A955B5}" type="datetimeFigureOut">
               <a:rPr lang="bg-BG" smtClean="0"/>
-              <a:t>17.11.2021 г.</a:t>
+              <a:t>22.11.2021 г.</a:t>
             </a:fld>
             <a:endParaRPr lang="bg-BG"/>
           </a:p>
@@ -10607,7 +10612,7 @@
           <a:p>
             <a:fld id="{4DE82A70-5764-42AD-AA4E-C5FC14A955B5}" type="datetimeFigureOut">
               <a:rPr lang="bg-BG" smtClean="0"/>
-              <a:t>17.11.2021 г.</a:t>
+              <a:t>22.11.2021 г.</a:t>
             </a:fld>
             <a:endParaRPr lang="bg-BG"/>
           </a:p>
@@ -11715,7 +11720,7 @@
           <a:p>
             <a:fld id="{4DE82A70-5764-42AD-AA4E-C5FC14A955B5}" type="datetimeFigureOut">
               <a:rPr lang="bg-BG" smtClean="0"/>
-              <a:t>17.11.2021 г.</a:t>
+              <a:t>22.11.2021 г.</a:t>
             </a:fld>
             <a:endParaRPr lang="bg-BG"/>
           </a:p>
@@ -12712,7 +12717,7 @@
           <a:p>
             <a:fld id="{4DE82A70-5764-42AD-AA4E-C5FC14A955B5}" type="datetimeFigureOut">
               <a:rPr lang="bg-BG" smtClean="0"/>
-              <a:t>17.11.2021 г.</a:t>
+              <a:t>22.11.2021 г.</a:t>
             </a:fld>
             <a:endParaRPr lang="bg-BG"/>
           </a:p>
@@ -13287,7 +13292,7 @@
                 <a16:creationId xmlns:a16="http://schemas.microsoft.com/office/drawing/2014/main" id="{D22D1B95-2B54-43E9-85D9-B489F6C5DD0F}"/>
               </a:ext>
               <a:ext uri="{C183D7F6-B498-43B3-948B-1728B52AA6E4}">
-                <adec:decorative xmlns="" xmlns:adec="http://schemas.microsoft.com/office/drawing/2017/decorative" val="1"/>
+                <adec:decorative xmlns:adec="http://schemas.microsoft.com/office/drawing/2017/decorative" val="1"/>
               </a:ext>
             </a:extLst>
           </p:cNvPr>
@@ -13451,7 +13456,7 @@
                 <a16:creationId xmlns:a16="http://schemas.microsoft.com/office/drawing/2014/main" id="{7D0F3F6D-A49D-4406-8D61-1C4F8D792F04}"/>
               </a:ext>
               <a:ext uri="{C183D7F6-B498-43B3-948B-1728B52AA6E4}">
-                <adec:decorative xmlns="" xmlns:adec="http://schemas.microsoft.com/office/drawing/2017/decorative" val="1"/>
+                <adec:decorative xmlns:adec="http://schemas.microsoft.com/office/drawing/2017/decorative" val="1"/>
               </a:ext>
             </a:extLst>
           </p:cNvPr>
@@ -13652,7 +13657,7 @@
                 <a16:creationId xmlns:a16="http://schemas.microsoft.com/office/drawing/2014/main" id="{D953A318-DA8D-4405-9536-D889E45C5E3E}"/>
               </a:ext>
               <a:ext uri="{C183D7F6-B498-43B3-948B-1728B52AA6E4}">
-                <adec:decorative xmlns="" xmlns:adec="http://schemas.microsoft.com/office/drawing/2017/decorative" val="1"/>
+                <adec:decorative xmlns:adec="http://schemas.microsoft.com/office/drawing/2017/decorative" val="1"/>
               </a:ext>
             </a:extLst>
           </p:cNvPr>
@@ -13731,7 +13736,7 @@
                 <a16:creationId xmlns:a16="http://schemas.microsoft.com/office/drawing/2014/main" id="{9E382A3D-2F90-475C-8DF2-F666FEA3425B}"/>
               </a:ext>
               <a:ext uri="{C183D7F6-B498-43B3-948B-1728B52AA6E4}">
-                <adec:decorative xmlns="" xmlns:adec="http://schemas.microsoft.com/office/drawing/2017/decorative" val="1"/>
+                <adec:decorative xmlns:adec="http://schemas.microsoft.com/office/drawing/2017/decorative" val="1"/>
               </a:ext>
             </a:extLst>
           </p:cNvPr>
@@ -14062,6 +14067,1414 @@
           <p:cNvPr id="2" name="Заглавие 1">
             <a:extLst>
               <a:ext uri="{FF2B5EF4-FFF2-40B4-BE49-F238E27FC236}">
+                <a16:creationId xmlns:a16="http://schemas.microsoft.com/office/drawing/2014/main" id="{AEB9108C-3255-495A-834E-A5961A181A0A}"/>
+              </a:ext>
+            </a:extLst>
+          </p:cNvPr>
+          <p:cNvSpPr>
+            <a:spLocks noGrp="1"/>
+          </p:cNvSpPr>
+          <p:nvPr>
+            <p:ph type="title"/>
+          </p:nvPr>
+        </p:nvSpPr>
+        <p:spPr>
+          <a:xfrm>
+            <a:off x="1062406" y="2111605"/>
+            <a:ext cx="2793158" cy="501192"/>
+          </a:xfrm>
+        </p:spPr>
+        <p:txBody>
+          <a:bodyPr/>
+          <a:lstStyle/>
+          <a:p>
+            <a:r>
+              <a:rPr lang="en-US" dirty="0">
+                <a:latin typeface="Arial" panose="020B0604020202020204" pitchFamily="34" charset="0"/>
+                <a:cs typeface="Arial" panose="020B0604020202020204" pitchFamily="34" charset="0"/>
+              </a:rPr>
+              <a:t>OPC UA protocols</a:t>
+            </a:r>
+            <a:endParaRPr lang="bg-BG" dirty="0">
+              <a:latin typeface="Arial" panose="020B0604020202020204" pitchFamily="34" charset="0"/>
+              <a:cs typeface="Arial" panose="020B0604020202020204" pitchFamily="34" charset="0"/>
+            </a:endParaRPr>
+          </a:p>
+        </p:txBody>
+      </p:sp>
+      <p:pic>
+        <p:nvPicPr>
+          <p:cNvPr id="6" name="Контейнер за съдържание 5">
+            <a:extLst>
+              <a:ext uri="{FF2B5EF4-FFF2-40B4-BE49-F238E27FC236}">
+                <a16:creationId xmlns:a16="http://schemas.microsoft.com/office/drawing/2014/main" id="{7E969031-7D9F-47A6-AC15-8BE3C55AEF6F}"/>
+              </a:ext>
+            </a:extLst>
+          </p:cNvPr>
+          <p:cNvPicPr>
+            <a:picLocks noGrp="1" noChangeAspect="1"/>
+          </p:cNvPicPr>
+          <p:nvPr>
+            <p:ph idx="1"/>
+          </p:nvPr>
+        </p:nvPicPr>
+        <p:blipFill>
+          <a:blip r:embed="rId2">
+            <a:extLst>
+              <a:ext uri="{28A0092B-C50C-407E-A947-70E740481C1C}">
+                <a14:useLocalDpi xmlns:a14="http://schemas.microsoft.com/office/drawing/2010/main" val="0"/>
+              </a:ext>
+            </a:extLst>
+          </a:blip>
+          <a:stretch>
+            <a:fillRect/>
+          </a:stretch>
+        </p:blipFill>
+        <p:spPr>
+          <a:xfrm>
+            <a:off x="5213960" y="2689103"/>
+            <a:ext cx="6211326" cy="2033725"/>
+          </a:xfrm>
+        </p:spPr>
+      </p:pic>
+      <p:sp>
+        <p:nvSpPr>
+          <p:cNvPr id="4" name="Текстов контейнер 3">
+            <a:extLst>
+              <a:ext uri="{FF2B5EF4-FFF2-40B4-BE49-F238E27FC236}">
+                <a16:creationId xmlns:a16="http://schemas.microsoft.com/office/drawing/2014/main" id="{CC343627-FD1D-47C3-8CD9-6BD1A7014D33}"/>
+              </a:ext>
+            </a:extLst>
+          </p:cNvPr>
+          <p:cNvSpPr>
+            <a:spLocks noGrp="1"/>
+          </p:cNvSpPr>
+          <p:nvPr>
+            <p:ph type="body" sz="half" idx="2"/>
+          </p:nvPr>
+        </p:nvSpPr>
+        <p:spPr>
+          <a:xfrm>
+            <a:off x="1155815" y="2931737"/>
+            <a:ext cx="2964560" cy="1857079"/>
+          </a:xfrm>
+        </p:spPr>
+        <p:txBody>
+          <a:bodyPr/>
+          <a:lstStyle/>
+          <a:p>
+            <a:pPr marL="342900" indent="-342900">
+              <a:buClr>
+                <a:schemeClr val="bg1"/>
+              </a:buClr>
+              <a:buFont typeface="+mj-lt"/>
+              <a:buAutoNum type="arabicPeriod"/>
+            </a:pPr>
+            <a:r>
+              <a:rPr lang="en-US" sz="1600" dirty="0">
+                <a:solidFill>
+                  <a:schemeClr val="bg1"/>
+                </a:solidFill>
+                <a:latin typeface="Arial" panose="020B0604020202020204" pitchFamily="34" charset="0"/>
+                <a:cs typeface="Arial" panose="020B0604020202020204" pitchFamily="34" charset="0"/>
+              </a:rPr>
+              <a:t>OPC UA Binary</a:t>
+            </a:r>
+          </a:p>
+          <a:p>
+            <a:pPr marL="342900" indent="-342900">
+              <a:buClr>
+                <a:schemeClr val="bg1"/>
+              </a:buClr>
+              <a:buFont typeface="+mj-lt"/>
+              <a:buAutoNum type="arabicPeriod"/>
+            </a:pPr>
+            <a:r>
+              <a:rPr lang="en-US" sz="1600" dirty="0">
+                <a:solidFill>
+                  <a:schemeClr val="bg1"/>
+                </a:solidFill>
+                <a:latin typeface="Arial" panose="020B0604020202020204" pitchFamily="34" charset="0"/>
+                <a:cs typeface="Arial" panose="020B0604020202020204" pitchFamily="34" charset="0"/>
+              </a:rPr>
+              <a:t>HTTPS with UA Binary encoded attachment</a:t>
+            </a:r>
+          </a:p>
+          <a:p>
+            <a:pPr marL="342900" indent="-342900">
+              <a:buClr>
+                <a:schemeClr val="bg1"/>
+              </a:buClr>
+              <a:buFont typeface="+mj-lt"/>
+              <a:buAutoNum type="arabicPeriod"/>
+            </a:pPr>
+            <a:r>
+              <a:rPr lang="en-US" sz="1600" dirty="0">
+                <a:solidFill>
+                  <a:schemeClr val="bg1"/>
+                </a:solidFill>
+                <a:latin typeface="Arial" panose="020B0604020202020204" pitchFamily="34" charset="0"/>
+                <a:cs typeface="Arial" panose="020B0604020202020204" pitchFamily="34" charset="0"/>
+              </a:rPr>
+              <a:t>HTTPS/SOAP with XML encoded messages</a:t>
+            </a:r>
+          </a:p>
+          <a:p>
+            <a:pPr marL="342900" indent="-342900">
+              <a:buFont typeface="+mj-lt"/>
+              <a:buAutoNum type="arabicPeriod"/>
+            </a:pPr>
+            <a:endParaRPr lang="bg-BG" dirty="0"/>
+          </a:p>
+        </p:txBody>
+      </p:sp>
+    </p:spTree>
+    <p:extLst>
+      <p:ext uri="{BB962C8B-B14F-4D97-AF65-F5344CB8AC3E}">
+        <p14:creationId xmlns:p14="http://schemas.microsoft.com/office/powerpoint/2010/main" val="2592137493"/>
+      </p:ext>
+    </p:extLst>
+  </p:cSld>
+  <p:clrMapOvr>
+    <a:masterClrMapping/>
+  </p:clrMapOvr>
+</p:sld>
+</file>
+
+<file path=ppt/slides/slide11.xml><?xml version="1.0" encoding="utf-8"?>
+<p:sld xmlns:a="http://schemas.openxmlformats.org/drawingml/2006/main" xmlns:r="http://schemas.openxmlformats.org/officeDocument/2006/relationships" xmlns:p="http://schemas.openxmlformats.org/presentationml/2006/main">
+  <p:cSld>
+    <p:spTree>
+      <p:nvGrpSpPr>
+        <p:cNvPr id="1" name=""/>
+        <p:cNvGrpSpPr/>
+        <p:nvPr/>
+      </p:nvGrpSpPr>
+      <p:grpSpPr>
+        <a:xfrm>
+          <a:off x="0" y="0"/>
+          <a:ext cx="0" cy="0"/>
+          <a:chOff x="0" y="0"/>
+          <a:chExt cx="0" cy="0"/>
+        </a:xfrm>
+      </p:grpSpPr>
+      <p:sp>
+        <p:nvSpPr>
+          <p:cNvPr id="2" name="Заглавие 1">
+            <a:extLst>
+              <a:ext uri="{FF2B5EF4-FFF2-40B4-BE49-F238E27FC236}">
+                <a16:creationId xmlns:a16="http://schemas.microsoft.com/office/drawing/2014/main" id="{03848D0A-8A46-40AB-B8BA-C07470FDB2CC}"/>
+              </a:ext>
+            </a:extLst>
+          </p:cNvPr>
+          <p:cNvSpPr>
+            <a:spLocks noGrp="1"/>
+          </p:cNvSpPr>
+          <p:nvPr>
+            <p:ph type="title"/>
+          </p:nvPr>
+        </p:nvSpPr>
+        <p:spPr>
+          <a:xfrm>
+            <a:off x="894858" y="1706252"/>
+            <a:ext cx="3313350" cy="525544"/>
+          </a:xfrm>
+        </p:spPr>
+        <p:txBody>
+          <a:bodyPr/>
+          <a:lstStyle/>
+          <a:p>
+            <a:r>
+              <a:rPr lang="en-US" dirty="0">
+                <a:latin typeface="Arial" panose="020B0604020202020204" pitchFamily="34" charset="0"/>
+                <a:cs typeface="Arial" panose="020B0604020202020204" pitchFamily="34" charset="0"/>
+              </a:rPr>
+              <a:t>OPC UA Specifications</a:t>
+            </a:r>
+            <a:endParaRPr lang="bg-BG" dirty="0">
+              <a:latin typeface="Arial" panose="020B0604020202020204" pitchFamily="34" charset="0"/>
+              <a:cs typeface="Arial" panose="020B0604020202020204" pitchFamily="34" charset="0"/>
+            </a:endParaRPr>
+          </a:p>
+        </p:txBody>
+      </p:sp>
+      <p:pic>
+        <p:nvPicPr>
+          <p:cNvPr id="6" name="Контейнер за съдържание 5" descr="Картина, която съдържа стрелка&#10;&#10;Описанието е генерирано автоматично">
+            <a:extLst>
+              <a:ext uri="{FF2B5EF4-FFF2-40B4-BE49-F238E27FC236}">
+                <a16:creationId xmlns:a16="http://schemas.microsoft.com/office/drawing/2014/main" id="{D2CF188C-188C-48D8-8CE8-98FBE3446177}"/>
+              </a:ext>
+            </a:extLst>
+          </p:cNvPr>
+          <p:cNvPicPr>
+            <a:picLocks noGrp="1" noChangeAspect="1"/>
+          </p:cNvPicPr>
+          <p:nvPr>
+            <p:ph idx="1"/>
+          </p:nvPr>
+        </p:nvPicPr>
+        <p:blipFill>
+          <a:blip r:embed="rId2">
+            <a:extLst>
+              <a:ext uri="{28A0092B-C50C-407E-A947-70E740481C1C}">
+                <a14:useLocalDpi xmlns:a14="http://schemas.microsoft.com/office/drawing/2010/main" val="0"/>
+              </a:ext>
+            </a:extLst>
+          </a:blip>
+          <a:stretch>
+            <a:fillRect/>
+          </a:stretch>
+        </p:blipFill>
+        <p:spPr>
+          <a:xfrm>
+            <a:off x="5788058" y="1389276"/>
+            <a:ext cx="2493540" cy="1159496"/>
+          </a:xfrm>
+        </p:spPr>
+      </p:pic>
+      <p:sp>
+        <p:nvSpPr>
+          <p:cNvPr id="4" name="Текстов контейнер 3">
+            <a:extLst>
+              <a:ext uri="{FF2B5EF4-FFF2-40B4-BE49-F238E27FC236}">
+                <a16:creationId xmlns:a16="http://schemas.microsoft.com/office/drawing/2014/main" id="{FE1F8B46-7D21-49A1-B6F1-F42E323F1418}"/>
+              </a:ext>
+            </a:extLst>
+          </p:cNvPr>
+          <p:cNvSpPr>
+            <a:spLocks noGrp="1"/>
+          </p:cNvSpPr>
+          <p:nvPr>
+            <p:ph type="body" sz="half" idx="2"/>
+          </p:nvPr>
+        </p:nvSpPr>
+        <p:spPr>
+          <a:xfrm>
+            <a:off x="1036948" y="2441542"/>
+            <a:ext cx="3171260" cy="3583337"/>
+          </a:xfrm>
+        </p:spPr>
+        <p:txBody>
+          <a:bodyPr/>
+          <a:lstStyle/>
+          <a:p>
+            <a:pPr marL="342900" indent="-342900">
+              <a:buClr>
+                <a:schemeClr val="bg1"/>
+              </a:buClr>
+              <a:buFont typeface="+mj-lt"/>
+              <a:buAutoNum type="arabicPeriod"/>
+            </a:pPr>
+            <a:r>
+              <a:rPr lang="en-US" sz="1600" dirty="0">
+                <a:solidFill>
+                  <a:schemeClr val="bg1"/>
+                </a:solidFill>
+                <a:latin typeface="Arial" panose="020B0604020202020204" pitchFamily="34" charset="0"/>
+                <a:cs typeface="Arial" panose="020B0604020202020204" pitchFamily="34" charset="0"/>
+              </a:rPr>
+              <a:t>Information model</a:t>
+            </a:r>
+          </a:p>
+          <a:p>
+            <a:pPr marL="342900" indent="-342900">
+              <a:buClr>
+                <a:schemeClr val="bg1"/>
+              </a:buClr>
+              <a:buAutoNum type="arabicPeriod"/>
+            </a:pPr>
+            <a:r>
+              <a:rPr lang="en-US" sz="1600" dirty="0">
+                <a:solidFill>
+                  <a:schemeClr val="bg1"/>
+                </a:solidFill>
+                <a:latin typeface="Arial" panose="020B0604020202020204" pitchFamily="34" charset="0"/>
+                <a:cs typeface="Arial" panose="020B0604020202020204" pitchFamily="34" charset="0"/>
+              </a:rPr>
+              <a:t>Communication architectures</a:t>
+            </a:r>
+          </a:p>
+          <a:p>
+            <a:pPr marL="342900" indent="-342900">
+              <a:buClr>
+                <a:schemeClr val="bg1"/>
+              </a:buClr>
+              <a:buAutoNum type="arabicPeriod"/>
+            </a:pPr>
+            <a:r>
+              <a:rPr lang="en-US" sz="1600" dirty="0">
+                <a:solidFill>
+                  <a:schemeClr val="bg1"/>
+                </a:solidFill>
+                <a:latin typeface="Arial" panose="020B0604020202020204" pitchFamily="34" charset="0"/>
+                <a:cs typeface="Arial" panose="020B0604020202020204" pitchFamily="34" charset="0"/>
+              </a:rPr>
+              <a:t>Security</a:t>
+            </a:r>
+          </a:p>
+          <a:p>
+            <a:pPr marL="342900" indent="-342900">
+              <a:buClr>
+                <a:schemeClr val="bg1"/>
+              </a:buClr>
+              <a:buAutoNum type="arabicPeriod"/>
+            </a:pPr>
+            <a:r>
+              <a:rPr lang="en-US" sz="1600" dirty="0">
+                <a:solidFill>
+                  <a:schemeClr val="bg1"/>
+                </a:solidFill>
+                <a:latin typeface="Arial" panose="020B0604020202020204" pitchFamily="34" charset="0"/>
+                <a:cs typeface="Arial" panose="020B0604020202020204" pitchFamily="34" charset="0"/>
+              </a:rPr>
+              <a:t>Historical access</a:t>
+            </a:r>
+          </a:p>
+          <a:p>
+            <a:pPr marL="342900" indent="-342900">
+              <a:buClr>
+                <a:schemeClr val="bg1"/>
+              </a:buClr>
+              <a:buAutoNum type="arabicPeriod"/>
+            </a:pPr>
+            <a:r>
+              <a:rPr lang="en-US" sz="1600" dirty="0">
+                <a:solidFill>
+                  <a:schemeClr val="bg1"/>
+                </a:solidFill>
+                <a:latin typeface="Arial" panose="020B0604020202020204" pitchFamily="34" charset="0"/>
+                <a:cs typeface="Arial" panose="020B0604020202020204" pitchFamily="34" charset="0"/>
+              </a:rPr>
+              <a:t>Alarms and Events</a:t>
+            </a:r>
+          </a:p>
+          <a:p>
+            <a:pPr marL="342900" indent="-342900">
+              <a:buClr>
+                <a:schemeClr val="bg1"/>
+              </a:buClr>
+              <a:buAutoNum type="arabicPeriod"/>
+            </a:pPr>
+            <a:r>
+              <a:rPr lang="en-US" sz="1600" dirty="0">
+                <a:solidFill>
+                  <a:schemeClr val="bg1"/>
+                </a:solidFill>
+                <a:latin typeface="Arial" panose="020B0604020202020204" pitchFamily="34" charset="0"/>
+                <a:cs typeface="Arial" panose="020B0604020202020204" pitchFamily="34" charset="0"/>
+              </a:rPr>
+              <a:t>Programs</a:t>
+            </a:r>
+          </a:p>
+          <a:p>
+            <a:pPr marL="342900" indent="-342900">
+              <a:buAutoNum type="arabicPeriod"/>
+            </a:pPr>
+            <a:endParaRPr lang="en-US" dirty="0"/>
+          </a:p>
+          <a:p>
+            <a:pPr marL="342900" indent="-342900">
+              <a:buAutoNum type="arabicPeriod"/>
+            </a:pPr>
+            <a:endParaRPr lang="bg-BG" dirty="0"/>
+          </a:p>
+        </p:txBody>
+      </p:sp>
+      <p:sp>
+        <p:nvSpPr>
+          <p:cNvPr id="7" name="Текстово поле 6">
+            <a:extLst>
+              <a:ext uri="{FF2B5EF4-FFF2-40B4-BE49-F238E27FC236}">
+                <a16:creationId xmlns:a16="http://schemas.microsoft.com/office/drawing/2014/main" id="{39AB4D9C-7A19-4630-BA58-0A1479AEAAFB}"/>
+              </a:ext>
+            </a:extLst>
+          </p:cNvPr>
+          <p:cNvSpPr txBox="1"/>
+          <p:nvPr/>
+        </p:nvSpPr>
+        <p:spPr>
+          <a:xfrm>
+            <a:off x="5788058" y="2678130"/>
+            <a:ext cx="6202837" cy="369332"/>
+          </a:xfrm>
+          <a:prstGeom prst="rect">
+            <a:avLst/>
+          </a:prstGeom>
+          <a:noFill/>
+        </p:spPr>
+        <p:txBody>
+          <a:bodyPr wrap="square" rtlCol="0">
+            <a:spAutoFit/>
+          </a:bodyPr>
+          <a:lstStyle/>
+          <a:p>
+            <a:r>
+              <a:rPr lang="en-US" sz="1800" dirty="0">
+                <a:solidFill>
+                  <a:srgbClr val="A31515"/>
+                </a:solidFill>
+                <a:latin typeface="Consolas" panose="020B0609020204030204" pitchFamily="49" charset="0"/>
+              </a:rPr>
+              <a:t>"ns=2;s=/</a:t>
+            </a:r>
+            <a:r>
+              <a:rPr lang="en-US" sz="1800" dirty="0" err="1">
+                <a:solidFill>
+                  <a:srgbClr val="A31515"/>
+                </a:solidFill>
+                <a:latin typeface="Consolas" panose="020B0609020204030204" pitchFamily="49" charset="0"/>
+              </a:rPr>
+              <a:t>FloorOne</a:t>
+            </a:r>
+            <a:r>
+              <a:rPr lang="en-US" sz="1800" dirty="0">
+                <a:solidFill>
+                  <a:srgbClr val="A31515"/>
+                </a:solidFill>
+                <a:latin typeface="Consolas" panose="020B0609020204030204" pitchFamily="49" charset="0"/>
+              </a:rPr>
+              <a:t>/Machines/Pump"</a:t>
+            </a:r>
+            <a:endParaRPr lang="bg-BG" dirty="0">
+              <a:solidFill>
+                <a:schemeClr val="accent1">
+                  <a:lumMod val="50000"/>
+                </a:schemeClr>
+              </a:solidFill>
+            </a:endParaRPr>
+          </a:p>
+        </p:txBody>
+      </p:sp>
+      <p:pic>
+        <p:nvPicPr>
+          <p:cNvPr id="9" name="Картина 8">
+            <a:extLst>
+              <a:ext uri="{FF2B5EF4-FFF2-40B4-BE49-F238E27FC236}">
+                <a16:creationId xmlns:a16="http://schemas.microsoft.com/office/drawing/2014/main" id="{06AB24CF-2966-4F17-B32E-21E0EE08D337}"/>
+              </a:ext>
+            </a:extLst>
+          </p:cNvPr>
+          <p:cNvPicPr>
+            <a:picLocks noChangeAspect="1"/>
+          </p:cNvPicPr>
+          <p:nvPr/>
+        </p:nvPicPr>
+        <p:blipFill>
+          <a:blip r:embed="rId3">
+            <a:extLst>
+              <a:ext uri="{28A0092B-C50C-407E-A947-70E740481C1C}">
+                <a14:useLocalDpi xmlns:a14="http://schemas.microsoft.com/office/drawing/2010/main" val="0"/>
+              </a:ext>
+            </a:extLst>
+          </a:blip>
+          <a:stretch>
+            <a:fillRect/>
+          </a:stretch>
+        </p:blipFill>
+        <p:spPr>
+          <a:xfrm>
+            <a:off x="6507859" y="3457009"/>
+            <a:ext cx="2774480" cy="2567870"/>
+          </a:xfrm>
+          <a:prstGeom prst="rect">
+            <a:avLst/>
+          </a:prstGeom>
+        </p:spPr>
+      </p:pic>
+    </p:spTree>
+    <p:extLst>
+      <p:ext uri="{BB962C8B-B14F-4D97-AF65-F5344CB8AC3E}">
+        <p14:creationId xmlns:p14="http://schemas.microsoft.com/office/powerpoint/2010/main" val="598402807"/>
+      </p:ext>
+    </p:extLst>
+  </p:cSld>
+  <p:clrMapOvr>
+    <a:masterClrMapping/>
+  </p:clrMapOvr>
+</p:sld>
+</file>
+
+<file path=ppt/slides/slide12.xml><?xml version="1.0" encoding="utf-8"?>
+<p:sld xmlns:a="http://schemas.openxmlformats.org/drawingml/2006/main" xmlns:r="http://schemas.openxmlformats.org/officeDocument/2006/relationships" xmlns:p="http://schemas.openxmlformats.org/presentationml/2006/main">
+  <p:cSld>
+    <p:spTree>
+      <p:nvGrpSpPr>
+        <p:cNvPr id="1" name=""/>
+        <p:cNvGrpSpPr/>
+        <p:nvPr/>
+      </p:nvGrpSpPr>
+      <p:grpSpPr>
+        <a:xfrm>
+          <a:off x="0" y="0"/>
+          <a:ext cx="0" cy="0"/>
+          <a:chOff x="0" y="0"/>
+          <a:chExt cx="0" cy="0"/>
+        </a:xfrm>
+      </p:grpSpPr>
+      <p:sp>
+        <p:nvSpPr>
+          <p:cNvPr id="2" name="Заглавие 1">
+            <a:extLst>
+              <a:ext uri="{FF2B5EF4-FFF2-40B4-BE49-F238E27FC236}">
+                <a16:creationId xmlns:a16="http://schemas.microsoft.com/office/drawing/2014/main" id="{39BDA70E-9B87-4696-B2F6-76C1B41EAEA2}"/>
+              </a:ext>
+            </a:extLst>
+          </p:cNvPr>
+          <p:cNvSpPr>
+            <a:spLocks noGrp="1"/>
+          </p:cNvSpPr>
+          <p:nvPr>
+            <p:ph type="title"/>
+          </p:nvPr>
+        </p:nvSpPr>
+        <p:spPr/>
+        <p:txBody>
+          <a:bodyPr/>
+          <a:lstStyle/>
+          <a:p>
+            <a:pPr algn="ctr"/>
+            <a:r>
+              <a:rPr lang="en-US" dirty="0">
+                <a:latin typeface="Arial" panose="020B0604020202020204" pitchFamily="34" charset="0"/>
+                <a:cs typeface="Arial" panose="020B0604020202020204" pitchFamily="34" charset="0"/>
+              </a:rPr>
+              <a:t>Communication architectures</a:t>
+            </a:r>
+            <a:endParaRPr lang="bg-BG" dirty="0">
+              <a:latin typeface="Arial" panose="020B0604020202020204" pitchFamily="34" charset="0"/>
+              <a:cs typeface="Arial" panose="020B0604020202020204" pitchFamily="34" charset="0"/>
+            </a:endParaRPr>
+          </a:p>
+        </p:txBody>
+      </p:sp>
+      <p:sp>
+        <p:nvSpPr>
+          <p:cNvPr id="3" name="Текстов контейнер 2">
+            <a:extLst>
+              <a:ext uri="{FF2B5EF4-FFF2-40B4-BE49-F238E27FC236}">
+                <a16:creationId xmlns:a16="http://schemas.microsoft.com/office/drawing/2014/main" id="{3B24B4E3-1B21-4C58-8F4D-F18533236479}"/>
+              </a:ext>
+            </a:extLst>
+          </p:cNvPr>
+          <p:cNvSpPr>
+            <a:spLocks noGrp="1"/>
+          </p:cNvSpPr>
+          <p:nvPr>
+            <p:ph type="body" idx="1"/>
+          </p:nvPr>
+        </p:nvSpPr>
+        <p:spPr>
+          <a:xfrm>
+            <a:off x="1459019" y="2513533"/>
+            <a:ext cx="4097790" cy="798839"/>
+          </a:xfrm>
+        </p:spPr>
+        <p:txBody>
+          <a:bodyPr/>
+          <a:lstStyle/>
+          <a:p>
+            <a:r>
+              <a:rPr lang="en-US" dirty="0"/>
+              <a:t>Pub/Sub model (notifications)</a:t>
+            </a:r>
+            <a:endParaRPr lang="bg-BG" dirty="0"/>
+          </a:p>
+        </p:txBody>
+      </p:sp>
+      <p:sp>
+        <p:nvSpPr>
+          <p:cNvPr id="5" name="Текстов контейнер 4">
+            <a:extLst>
+              <a:ext uri="{FF2B5EF4-FFF2-40B4-BE49-F238E27FC236}">
+                <a16:creationId xmlns:a16="http://schemas.microsoft.com/office/drawing/2014/main" id="{1EC8F997-478A-4F38-B1F3-0C9CFACE2C59}"/>
+              </a:ext>
+            </a:extLst>
+          </p:cNvPr>
+          <p:cNvSpPr>
+            <a:spLocks noGrp="1"/>
+          </p:cNvSpPr>
+          <p:nvPr>
+            <p:ph type="body" sz="quarter" idx="3"/>
+          </p:nvPr>
+        </p:nvSpPr>
+        <p:spPr>
+          <a:xfrm>
+            <a:off x="6362451" y="2589464"/>
+            <a:ext cx="4825159" cy="576262"/>
+          </a:xfrm>
+        </p:spPr>
+        <p:txBody>
+          <a:bodyPr/>
+          <a:lstStyle/>
+          <a:p>
+            <a:r>
+              <a:rPr lang="en-US" dirty="0"/>
+              <a:t>Client/Server model (session)</a:t>
+            </a:r>
+            <a:endParaRPr lang="bg-BG" dirty="0"/>
+          </a:p>
+        </p:txBody>
+      </p:sp>
+      <p:pic>
+        <p:nvPicPr>
+          <p:cNvPr id="10" name="Контейнер за съдържание 9">
+            <a:extLst>
+              <a:ext uri="{FF2B5EF4-FFF2-40B4-BE49-F238E27FC236}">
+                <a16:creationId xmlns:a16="http://schemas.microsoft.com/office/drawing/2014/main" id="{A0480346-C03A-41BC-9303-41B59388AD19}"/>
+              </a:ext>
+            </a:extLst>
+          </p:cNvPr>
+          <p:cNvPicPr>
+            <a:picLocks noGrp="1" noChangeAspect="1"/>
+          </p:cNvPicPr>
+          <p:nvPr>
+            <p:ph sz="quarter" idx="4"/>
+          </p:nvPr>
+        </p:nvPicPr>
+        <p:blipFill>
+          <a:blip r:embed="rId2" cstate="hqprint">
+            <a:extLst>
+              <a:ext uri="{28A0092B-C50C-407E-A947-70E740481C1C}">
+                <a14:useLocalDpi xmlns:a14="http://schemas.microsoft.com/office/drawing/2010/main" val="0"/>
+              </a:ext>
+            </a:extLst>
+          </a:blip>
+          <a:stretch>
+            <a:fillRect/>
+          </a:stretch>
+        </p:blipFill>
+        <p:spPr>
+          <a:xfrm>
+            <a:off x="3424292" y="3623648"/>
+            <a:ext cx="935914" cy="816204"/>
+          </a:xfrm>
+        </p:spPr>
+      </p:pic>
+      <p:pic>
+        <p:nvPicPr>
+          <p:cNvPr id="11" name="Контейнер за съдържание 9">
+            <a:extLst>
+              <a:ext uri="{FF2B5EF4-FFF2-40B4-BE49-F238E27FC236}">
+                <a16:creationId xmlns:a16="http://schemas.microsoft.com/office/drawing/2014/main" id="{2240FE23-443C-4F0A-8B71-5B17D3402497}"/>
+              </a:ext>
+            </a:extLst>
+          </p:cNvPr>
+          <p:cNvPicPr>
+            <a:picLocks noChangeAspect="1"/>
+          </p:cNvPicPr>
+          <p:nvPr/>
+        </p:nvPicPr>
+        <p:blipFill>
+          <a:blip r:embed="rId2" cstate="hqprint">
+            <a:extLst>
+              <a:ext uri="{28A0092B-C50C-407E-A947-70E740481C1C}">
+                <a14:useLocalDpi xmlns:a14="http://schemas.microsoft.com/office/drawing/2010/main" val="0"/>
+              </a:ext>
+            </a:extLst>
+          </a:blip>
+          <a:stretch>
+            <a:fillRect/>
+          </a:stretch>
+        </p:blipFill>
+        <p:spPr>
+          <a:xfrm>
+            <a:off x="3424292" y="5365301"/>
+            <a:ext cx="935914" cy="816204"/>
+          </a:xfrm>
+          <a:prstGeom prst="rect">
+            <a:avLst/>
+          </a:prstGeom>
+        </p:spPr>
+      </p:pic>
+      <p:pic>
+        <p:nvPicPr>
+          <p:cNvPr id="12" name="Контейнер за съдържание 9">
+            <a:extLst>
+              <a:ext uri="{FF2B5EF4-FFF2-40B4-BE49-F238E27FC236}">
+                <a16:creationId xmlns:a16="http://schemas.microsoft.com/office/drawing/2014/main" id="{E08D0E3A-65B2-4487-814C-5338945C4701}"/>
+              </a:ext>
+            </a:extLst>
+          </p:cNvPr>
+          <p:cNvPicPr>
+            <a:picLocks noChangeAspect="1"/>
+          </p:cNvPicPr>
+          <p:nvPr/>
+        </p:nvPicPr>
+        <p:blipFill>
+          <a:blip r:embed="rId2" cstate="hqprint">
+            <a:extLst>
+              <a:ext uri="{28A0092B-C50C-407E-A947-70E740481C1C}">
+                <a14:useLocalDpi xmlns:a14="http://schemas.microsoft.com/office/drawing/2010/main" val="0"/>
+              </a:ext>
+            </a:extLst>
+          </a:blip>
+          <a:stretch>
+            <a:fillRect/>
+          </a:stretch>
+        </p:blipFill>
+        <p:spPr>
+          <a:xfrm>
+            <a:off x="891517" y="3678239"/>
+            <a:ext cx="935914" cy="816204"/>
+          </a:xfrm>
+          <a:prstGeom prst="rect">
+            <a:avLst/>
+          </a:prstGeom>
+        </p:spPr>
+      </p:pic>
+      <p:pic>
+        <p:nvPicPr>
+          <p:cNvPr id="13" name="Контейнер за съдържание 9">
+            <a:extLst>
+              <a:ext uri="{FF2B5EF4-FFF2-40B4-BE49-F238E27FC236}">
+                <a16:creationId xmlns:a16="http://schemas.microsoft.com/office/drawing/2014/main" id="{2A415F35-308D-45C0-A048-091F832C5A19}"/>
+              </a:ext>
+            </a:extLst>
+          </p:cNvPr>
+          <p:cNvPicPr>
+            <a:picLocks noChangeAspect="1"/>
+          </p:cNvPicPr>
+          <p:nvPr/>
+        </p:nvPicPr>
+        <p:blipFill>
+          <a:blip r:embed="rId2" cstate="hqprint">
+            <a:extLst>
+              <a:ext uri="{28A0092B-C50C-407E-A947-70E740481C1C}">
+                <a14:useLocalDpi xmlns:a14="http://schemas.microsoft.com/office/drawing/2010/main" val="0"/>
+              </a:ext>
+            </a:extLst>
+          </a:blip>
+          <a:stretch>
+            <a:fillRect/>
+          </a:stretch>
+        </p:blipFill>
+        <p:spPr>
+          <a:xfrm>
+            <a:off x="891517" y="5365301"/>
+            <a:ext cx="935914" cy="816204"/>
+          </a:xfrm>
+          <a:prstGeom prst="rect">
+            <a:avLst/>
+          </a:prstGeom>
+        </p:spPr>
+      </p:pic>
+      <p:pic>
+        <p:nvPicPr>
+          <p:cNvPr id="15" name="Контейнер за съдържание 9">
+            <a:extLst>
+              <a:ext uri="{FF2B5EF4-FFF2-40B4-BE49-F238E27FC236}">
+                <a16:creationId xmlns:a16="http://schemas.microsoft.com/office/drawing/2014/main" id="{6465A873-A63D-4D1B-BAAA-6CECFD0BC527}"/>
+              </a:ext>
+            </a:extLst>
+          </p:cNvPr>
+          <p:cNvPicPr>
+            <a:picLocks noChangeAspect="1"/>
+          </p:cNvPicPr>
+          <p:nvPr/>
+        </p:nvPicPr>
+        <p:blipFill>
+          <a:blip r:embed="rId2" cstate="hqprint">
+            <a:extLst>
+              <a:ext uri="{28A0092B-C50C-407E-A947-70E740481C1C}">
+                <a14:useLocalDpi xmlns:a14="http://schemas.microsoft.com/office/drawing/2010/main" val="0"/>
+              </a:ext>
+            </a:extLst>
+          </a:blip>
+          <a:stretch>
+            <a:fillRect/>
+          </a:stretch>
+        </p:blipFill>
+        <p:spPr>
+          <a:xfrm>
+            <a:off x="6329319" y="4439852"/>
+            <a:ext cx="935914" cy="816204"/>
+          </a:xfrm>
+          <a:prstGeom prst="rect">
+            <a:avLst/>
+          </a:prstGeom>
+        </p:spPr>
+      </p:pic>
+      <p:cxnSp>
+        <p:nvCxnSpPr>
+          <p:cNvPr id="17" name="Съединител &quot;права стрелка&quot; 16">
+            <a:extLst>
+              <a:ext uri="{FF2B5EF4-FFF2-40B4-BE49-F238E27FC236}">
+                <a16:creationId xmlns:a16="http://schemas.microsoft.com/office/drawing/2014/main" id="{3C6E4FE2-AE8D-4FFE-A039-428BF2016029}"/>
+              </a:ext>
+            </a:extLst>
+          </p:cNvPr>
+          <p:cNvCxnSpPr>
+            <a:cxnSpLocks/>
+          </p:cNvCxnSpPr>
+          <p:nvPr/>
+        </p:nvCxnSpPr>
+        <p:spPr>
+          <a:xfrm flipV="1">
+            <a:off x="7258941" y="4796559"/>
+            <a:ext cx="2657426" cy="32643"/>
+          </a:xfrm>
+          <a:prstGeom prst="straightConnector1">
+            <a:avLst/>
+          </a:prstGeom>
+          <a:ln>
+            <a:tailEnd type="triangle"/>
+          </a:ln>
+        </p:spPr>
+        <p:style>
+          <a:lnRef idx="1">
+            <a:schemeClr val="dk1"/>
+          </a:lnRef>
+          <a:fillRef idx="0">
+            <a:schemeClr val="dk1"/>
+          </a:fillRef>
+          <a:effectRef idx="0">
+            <a:schemeClr val="dk1"/>
+          </a:effectRef>
+          <a:fontRef idx="minor">
+            <a:schemeClr val="tx1"/>
+          </a:fontRef>
+        </p:style>
+      </p:cxnSp>
+      <p:cxnSp>
+        <p:nvCxnSpPr>
+          <p:cNvPr id="20" name="Съединител &quot;права стрелка&quot; 19">
+            <a:extLst>
+              <a:ext uri="{FF2B5EF4-FFF2-40B4-BE49-F238E27FC236}">
+                <a16:creationId xmlns:a16="http://schemas.microsoft.com/office/drawing/2014/main" id="{17D8456E-B145-4919-BD5A-BCD6B2D2647F}"/>
+              </a:ext>
+            </a:extLst>
+          </p:cNvPr>
+          <p:cNvCxnSpPr/>
+          <p:nvPr/>
+        </p:nvCxnSpPr>
+        <p:spPr>
+          <a:xfrm flipV="1">
+            <a:off x="2997724" y="4182835"/>
+            <a:ext cx="448175" cy="408019"/>
+          </a:xfrm>
+          <a:prstGeom prst="straightConnector1">
+            <a:avLst/>
+          </a:prstGeom>
+          <a:ln>
+            <a:tailEnd type="triangle"/>
+          </a:ln>
+        </p:spPr>
+        <p:style>
+          <a:lnRef idx="1">
+            <a:schemeClr val="dk1"/>
+          </a:lnRef>
+          <a:fillRef idx="0">
+            <a:schemeClr val="dk1"/>
+          </a:fillRef>
+          <a:effectRef idx="0">
+            <a:schemeClr val="dk1"/>
+          </a:effectRef>
+          <a:fontRef idx="minor">
+            <a:schemeClr val="tx1"/>
+          </a:fontRef>
+        </p:style>
+      </p:cxnSp>
+      <p:cxnSp>
+        <p:nvCxnSpPr>
+          <p:cNvPr id="22" name="Съединител &quot;права стрелка&quot; 21">
+            <a:extLst>
+              <a:ext uri="{FF2B5EF4-FFF2-40B4-BE49-F238E27FC236}">
+                <a16:creationId xmlns:a16="http://schemas.microsoft.com/office/drawing/2014/main" id="{B07A168D-7486-464D-8026-A1C0FFF6444B}"/>
+              </a:ext>
+            </a:extLst>
+          </p:cNvPr>
+          <p:cNvCxnSpPr/>
+          <p:nvPr/>
+        </p:nvCxnSpPr>
+        <p:spPr>
+          <a:xfrm flipH="1" flipV="1">
+            <a:off x="1732773" y="4182835"/>
+            <a:ext cx="473897" cy="408019"/>
+          </a:xfrm>
+          <a:prstGeom prst="straightConnector1">
+            <a:avLst/>
+          </a:prstGeom>
+          <a:ln>
+            <a:tailEnd type="triangle"/>
+          </a:ln>
+        </p:spPr>
+        <p:style>
+          <a:lnRef idx="1">
+            <a:schemeClr val="dk1"/>
+          </a:lnRef>
+          <a:fillRef idx="0">
+            <a:schemeClr val="dk1"/>
+          </a:fillRef>
+          <a:effectRef idx="0">
+            <a:schemeClr val="dk1"/>
+          </a:effectRef>
+          <a:fontRef idx="minor">
+            <a:schemeClr val="tx1"/>
+          </a:fontRef>
+        </p:style>
+      </p:cxnSp>
+      <p:cxnSp>
+        <p:nvCxnSpPr>
+          <p:cNvPr id="24" name="Съединител &quot;права стрелка&quot; 23">
+            <a:extLst>
+              <a:ext uri="{FF2B5EF4-FFF2-40B4-BE49-F238E27FC236}">
+                <a16:creationId xmlns:a16="http://schemas.microsoft.com/office/drawing/2014/main" id="{6D2374B3-8DD4-4288-AB5B-2C90738CE168}"/>
+              </a:ext>
+            </a:extLst>
+          </p:cNvPr>
+          <p:cNvCxnSpPr/>
+          <p:nvPr/>
+        </p:nvCxnSpPr>
+        <p:spPr>
+          <a:xfrm>
+            <a:off x="3056668" y="5310315"/>
+            <a:ext cx="389231" cy="267875"/>
+          </a:xfrm>
+          <a:prstGeom prst="straightConnector1">
+            <a:avLst/>
+          </a:prstGeom>
+          <a:ln>
+            <a:tailEnd type="triangle"/>
+          </a:ln>
+        </p:spPr>
+        <p:style>
+          <a:lnRef idx="1">
+            <a:schemeClr val="dk1"/>
+          </a:lnRef>
+          <a:fillRef idx="0">
+            <a:schemeClr val="dk1"/>
+          </a:fillRef>
+          <a:effectRef idx="0">
+            <a:schemeClr val="dk1"/>
+          </a:effectRef>
+          <a:fontRef idx="minor">
+            <a:schemeClr val="tx1"/>
+          </a:fontRef>
+        </p:style>
+      </p:cxnSp>
+      <p:cxnSp>
+        <p:nvCxnSpPr>
+          <p:cNvPr id="26" name="Съединител &quot;права стрелка&quot; 25">
+            <a:extLst>
+              <a:ext uri="{FF2B5EF4-FFF2-40B4-BE49-F238E27FC236}">
+                <a16:creationId xmlns:a16="http://schemas.microsoft.com/office/drawing/2014/main" id="{8598BB49-63BD-49E4-8034-F31306A7B6DD}"/>
+              </a:ext>
+            </a:extLst>
+          </p:cNvPr>
+          <p:cNvCxnSpPr/>
+          <p:nvPr/>
+        </p:nvCxnSpPr>
+        <p:spPr>
+          <a:xfrm flipH="1">
+            <a:off x="1722802" y="5256056"/>
+            <a:ext cx="472253" cy="322134"/>
+          </a:xfrm>
+          <a:prstGeom prst="straightConnector1">
+            <a:avLst/>
+          </a:prstGeom>
+          <a:ln>
+            <a:tailEnd type="triangle"/>
+          </a:ln>
+        </p:spPr>
+        <p:style>
+          <a:lnRef idx="1">
+            <a:schemeClr val="dk1"/>
+          </a:lnRef>
+          <a:fillRef idx="0">
+            <a:schemeClr val="dk1"/>
+          </a:fillRef>
+          <a:effectRef idx="0">
+            <a:schemeClr val="dk1"/>
+          </a:effectRef>
+          <a:fontRef idx="minor">
+            <a:schemeClr val="tx1"/>
+          </a:fontRef>
+        </p:style>
+      </p:cxnSp>
+      <p:sp>
+        <p:nvSpPr>
+          <p:cNvPr id="27" name="Текстово поле 26">
+            <a:extLst>
+              <a:ext uri="{FF2B5EF4-FFF2-40B4-BE49-F238E27FC236}">
+                <a16:creationId xmlns:a16="http://schemas.microsoft.com/office/drawing/2014/main" id="{41741B2D-73D4-4DF0-8C7A-52EC242E390E}"/>
+              </a:ext>
+            </a:extLst>
+          </p:cNvPr>
+          <p:cNvSpPr txBox="1"/>
+          <p:nvPr/>
+        </p:nvSpPr>
+        <p:spPr>
+          <a:xfrm>
+            <a:off x="8003357" y="4386844"/>
+            <a:ext cx="1190919" cy="369332"/>
+          </a:xfrm>
+          <a:prstGeom prst="rect">
+            <a:avLst/>
+          </a:prstGeom>
+          <a:noFill/>
+        </p:spPr>
+        <p:txBody>
+          <a:bodyPr wrap="square" rtlCol="0">
+            <a:spAutoFit/>
+          </a:bodyPr>
+          <a:lstStyle/>
+          <a:p>
+            <a:r>
+              <a:rPr lang="en-US" dirty="0"/>
+              <a:t>session</a:t>
+            </a:r>
+            <a:endParaRPr lang="bg-BG" dirty="0"/>
+          </a:p>
+        </p:txBody>
+      </p:sp>
+      <p:sp>
+        <p:nvSpPr>
+          <p:cNvPr id="28" name="Текстово поле 27">
+            <a:extLst>
+              <a:ext uri="{FF2B5EF4-FFF2-40B4-BE49-F238E27FC236}">
+                <a16:creationId xmlns:a16="http://schemas.microsoft.com/office/drawing/2014/main" id="{0F863635-A51B-41DA-8731-7C47B2E0423D}"/>
+              </a:ext>
+            </a:extLst>
+          </p:cNvPr>
+          <p:cNvSpPr txBox="1"/>
+          <p:nvPr/>
+        </p:nvSpPr>
+        <p:spPr>
+          <a:xfrm>
+            <a:off x="6347696" y="4109391"/>
+            <a:ext cx="1065229" cy="338554"/>
+          </a:xfrm>
+          <a:prstGeom prst="rect">
+            <a:avLst/>
+          </a:prstGeom>
+          <a:noFill/>
+        </p:spPr>
+        <p:txBody>
+          <a:bodyPr wrap="square" rtlCol="0">
+            <a:spAutoFit/>
+          </a:bodyPr>
+          <a:lstStyle/>
+          <a:p>
+            <a:r>
+              <a:rPr lang="en-US" sz="1600" dirty="0"/>
+              <a:t>client</a:t>
+            </a:r>
+            <a:endParaRPr lang="bg-BG" sz="1600" dirty="0"/>
+          </a:p>
+        </p:txBody>
+      </p:sp>
+      <p:sp>
+        <p:nvSpPr>
+          <p:cNvPr id="29" name="Текстово поле 28">
+            <a:extLst>
+              <a:ext uri="{FF2B5EF4-FFF2-40B4-BE49-F238E27FC236}">
+                <a16:creationId xmlns:a16="http://schemas.microsoft.com/office/drawing/2014/main" id="{429B3F93-D47D-4C99-984F-41D5D98893F0}"/>
+              </a:ext>
+            </a:extLst>
+          </p:cNvPr>
+          <p:cNvSpPr txBox="1"/>
+          <p:nvPr/>
+        </p:nvSpPr>
+        <p:spPr>
+          <a:xfrm>
+            <a:off x="10105930" y="3924725"/>
+            <a:ext cx="947191" cy="338554"/>
+          </a:xfrm>
+          <a:prstGeom prst="rect">
+            <a:avLst/>
+          </a:prstGeom>
+          <a:noFill/>
+        </p:spPr>
+        <p:txBody>
+          <a:bodyPr wrap="square" rtlCol="0">
+            <a:spAutoFit/>
+          </a:bodyPr>
+          <a:lstStyle/>
+          <a:p>
+            <a:r>
+              <a:rPr lang="en-US" sz="1600" dirty="0"/>
+              <a:t>server</a:t>
+            </a:r>
+            <a:endParaRPr lang="bg-BG" sz="1600" dirty="0"/>
+          </a:p>
+        </p:txBody>
+      </p:sp>
+      <p:sp>
+        <p:nvSpPr>
+          <p:cNvPr id="30" name="Текстово поле 29">
+            <a:extLst>
+              <a:ext uri="{FF2B5EF4-FFF2-40B4-BE49-F238E27FC236}">
+                <a16:creationId xmlns:a16="http://schemas.microsoft.com/office/drawing/2014/main" id="{EB12CCFA-4AE6-4F1C-9EC2-633550A20D1F}"/>
+              </a:ext>
+            </a:extLst>
+          </p:cNvPr>
+          <p:cNvSpPr txBox="1"/>
+          <p:nvPr/>
+        </p:nvSpPr>
+        <p:spPr>
+          <a:xfrm>
+            <a:off x="2205806" y="4240430"/>
+            <a:ext cx="947191" cy="338554"/>
+          </a:xfrm>
+          <a:prstGeom prst="rect">
+            <a:avLst/>
+          </a:prstGeom>
+          <a:noFill/>
+        </p:spPr>
+        <p:txBody>
+          <a:bodyPr wrap="square" rtlCol="0">
+            <a:spAutoFit/>
+          </a:bodyPr>
+          <a:lstStyle/>
+          <a:p>
+            <a:r>
+              <a:rPr lang="en-US" sz="1600" dirty="0"/>
+              <a:t>server</a:t>
+            </a:r>
+            <a:endParaRPr lang="bg-BG" sz="1600" dirty="0"/>
+          </a:p>
+        </p:txBody>
+      </p:sp>
+      <p:sp>
+        <p:nvSpPr>
+          <p:cNvPr id="31" name="Текстово поле 30">
+            <a:extLst>
+              <a:ext uri="{FF2B5EF4-FFF2-40B4-BE49-F238E27FC236}">
+                <a16:creationId xmlns:a16="http://schemas.microsoft.com/office/drawing/2014/main" id="{2419B365-D004-4DF4-889F-62FA790A727A}"/>
+              </a:ext>
+            </a:extLst>
+          </p:cNvPr>
+          <p:cNvSpPr txBox="1"/>
+          <p:nvPr/>
+        </p:nvSpPr>
+        <p:spPr>
+          <a:xfrm>
+            <a:off x="3410701" y="3279997"/>
+            <a:ext cx="1065229" cy="338554"/>
+          </a:xfrm>
+          <a:prstGeom prst="rect">
+            <a:avLst/>
+          </a:prstGeom>
+          <a:noFill/>
+        </p:spPr>
+        <p:txBody>
+          <a:bodyPr wrap="square" rtlCol="0">
+            <a:spAutoFit/>
+          </a:bodyPr>
+          <a:lstStyle/>
+          <a:p>
+            <a:r>
+              <a:rPr lang="en-US" sz="1600" dirty="0"/>
+              <a:t>client</a:t>
+            </a:r>
+            <a:endParaRPr lang="bg-BG" sz="1600" dirty="0"/>
+          </a:p>
+        </p:txBody>
+      </p:sp>
+      <p:sp>
+        <p:nvSpPr>
+          <p:cNvPr id="32" name="Текстово поле 31">
+            <a:extLst>
+              <a:ext uri="{FF2B5EF4-FFF2-40B4-BE49-F238E27FC236}">
+                <a16:creationId xmlns:a16="http://schemas.microsoft.com/office/drawing/2014/main" id="{0AD50565-C278-4C6E-B2FB-F014B0F6E1F1}"/>
+              </a:ext>
+            </a:extLst>
+          </p:cNvPr>
+          <p:cNvSpPr txBox="1"/>
+          <p:nvPr/>
+        </p:nvSpPr>
+        <p:spPr>
+          <a:xfrm>
+            <a:off x="3570079" y="5092742"/>
+            <a:ext cx="1065229" cy="338554"/>
+          </a:xfrm>
+          <a:prstGeom prst="rect">
+            <a:avLst/>
+          </a:prstGeom>
+          <a:noFill/>
+        </p:spPr>
+        <p:txBody>
+          <a:bodyPr wrap="square" rtlCol="0">
+            <a:spAutoFit/>
+          </a:bodyPr>
+          <a:lstStyle/>
+          <a:p>
+            <a:r>
+              <a:rPr lang="en-US" sz="1600" dirty="0"/>
+              <a:t>client</a:t>
+            </a:r>
+            <a:endParaRPr lang="bg-BG" sz="1600" dirty="0"/>
+          </a:p>
+        </p:txBody>
+      </p:sp>
+      <p:sp>
+        <p:nvSpPr>
+          <p:cNvPr id="33" name="Текстово поле 32">
+            <a:extLst>
+              <a:ext uri="{FF2B5EF4-FFF2-40B4-BE49-F238E27FC236}">
+                <a16:creationId xmlns:a16="http://schemas.microsoft.com/office/drawing/2014/main" id="{7167A7A3-4E83-4DF5-A1A9-2CD965B0A9FF}"/>
+              </a:ext>
+            </a:extLst>
+          </p:cNvPr>
+          <p:cNvSpPr txBox="1"/>
+          <p:nvPr/>
+        </p:nvSpPr>
+        <p:spPr>
+          <a:xfrm>
+            <a:off x="955041" y="5058467"/>
+            <a:ext cx="1065229" cy="338554"/>
+          </a:xfrm>
+          <a:prstGeom prst="rect">
+            <a:avLst/>
+          </a:prstGeom>
+          <a:noFill/>
+        </p:spPr>
+        <p:txBody>
+          <a:bodyPr wrap="square" rtlCol="0">
+            <a:spAutoFit/>
+          </a:bodyPr>
+          <a:lstStyle/>
+          <a:p>
+            <a:r>
+              <a:rPr lang="en-US" sz="1600" dirty="0"/>
+              <a:t>client</a:t>
+            </a:r>
+            <a:endParaRPr lang="bg-BG" sz="1600" dirty="0"/>
+          </a:p>
+        </p:txBody>
+      </p:sp>
+      <p:sp>
+        <p:nvSpPr>
+          <p:cNvPr id="34" name="Текстово поле 33">
+            <a:extLst>
+              <a:ext uri="{FF2B5EF4-FFF2-40B4-BE49-F238E27FC236}">
+                <a16:creationId xmlns:a16="http://schemas.microsoft.com/office/drawing/2014/main" id="{B8098005-FFA9-41C4-BC2D-A8CF6587BB49}"/>
+              </a:ext>
+            </a:extLst>
+          </p:cNvPr>
+          <p:cNvSpPr txBox="1"/>
+          <p:nvPr/>
+        </p:nvSpPr>
+        <p:spPr>
+          <a:xfrm>
+            <a:off x="1028018" y="3334256"/>
+            <a:ext cx="1065229" cy="338554"/>
+          </a:xfrm>
+          <a:prstGeom prst="rect">
+            <a:avLst/>
+          </a:prstGeom>
+          <a:noFill/>
+        </p:spPr>
+        <p:txBody>
+          <a:bodyPr wrap="square" rtlCol="0">
+            <a:spAutoFit/>
+          </a:bodyPr>
+          <a:lstStyle/>
+          <a:p>
+            <a:r>
+              <a:rPr lang="en-US" sz="1600" dirty="0"/>
+              <a:t>client</a:t>
+            </a:r>
+            <a:endParaRPr lang="bg-BG" sz="1600" dirty="0"/>
+          </a:p>
+        </p:txBody>
+      </p:sp>
+      <p:pic>
+        <p:nvPicPr>
+          <p:cNvPr id="36" name="Picture 35"/>
+          <p:cNvPicPr>
+            <a:picLocks noChangeAspect="1"/>
+          </p:cNvPicPr>
+          <p:nvPr/>
+        </p:nvPicPr>
+        <p:blipFill>
+          <a:blip r:embed="rId3">
+            <a:extLst>
+              <a:ext uri="{28A0092B-C50C-407E-A947-70E740481C1C}">
+                <a14:useLocalDpi xmlns:a14="http://schemas.microsoft.com/office/drawing/2010/main" val="0"/>
+              </a:ext>
+            </a:extLst>
+          </a:blip>
+          <a:stretch>
+            <a:fillRect/>
+          </a:stretch>
+        </p:blipFill>
+        <p:spPr>
+          <a:xfrm>
+            <a:off x="2156397" y="4609241"/>
+            <a:ext cx="801737" cy="777122"/>
+          </a:xfrm>
+          <a:prstGeom prst="rect">
+            <a:avLst/>
+          </a:prstGeom>
+        </p:spPr>
+      </p:pic>
+      <p:pic>
+        <p:nvPicPr>
+          <p:cNvPr id="38" name="Picture 37"/>
+          <p:cNvPicPr>
+            <a:picLocks noChangeAspect="1"/>
+          </p:cNvPicPr>
+          <p:nvPr/>
+        </p:nvPicPr>
+        <p:blipFill>
+          <a:blip r:embed="rId3">
+            <a:extLst>
+              <a:ext uri="{28A0092B-C50C-407E-A947-70E740481C1C}">
+                <a14:useLocalDpi xmlns:a14="http://schemas.microsoft.com/office/drawing/2010/main" val="0"/>
+              </a:ext>
+            </a:extLst>
+          </a:blip>
+          <a:stretch>
+            <a:fillRect/>
+          </a:stretch>
+        </p:blipFill>
+        <p:spPr>
+          <a:xfrm>
+            <a:off x="10058358" y="4386844"/>
+            <a:ext cx="801737" cy="777122"/>
+          </a:xfrm>
+          <a:prstGeom prst="rect">
+            <a:avLst/>
+          </a:prstGeom>
+        </p:spPr>
+      </p:pic>
+    </p:spTree>
+    <p:extLst>
+      <p:ext uri="{BB962C8B-B14F-4D97-AF65-F5344CB8AC3E}">
+        <p14:creationId xmlns:p14="http://schemas.microsoft.com/office/powerpoint/2010/main" val="1519907125"/>
+      </p:ext>
+    </p:extLst>
+  </p:cSld>
+  <p:clrMapOvr>
+    <a:masterClrMapping/>
+  </p:clrMapOvr>
+</p:sld>
+</file>
+
+<file path=ppt/slides/slide13.xml><?xml version="1.0" encoding="utf-8"?>
+<p:sld xmlns:a="http://schemas.openxmlformats.org/drawingml/2006/main" xmlns:r="http://schemas.openxmlformats.org/officeDocument/2006/relationships" xmlns:p="http://schemas.openxmlformats.org/presentationml/2006/main">
+  <p:cSld>
+    <p:spTree>
+      <p:nvGrpSpPr>
+        <p:cNvPr id="1" name=""/>
+        <p:cNvGrpSpPr/>
+        <p:nvPr/>
+      </p:nvGrpSpPr>
+      <p:grpSpPr>
+        <a:xfrm>
+          <a:off x="0" y="0"/>
+          <a:ext cx="0" cy="0"/>
+          <a:chOff x="0" y="0"/>
+          <a:chExt cx="0" cy="0"/>
+        </a:xfrm>
+      </p:grpSpPr>
+      <p:sp>
+        <p:nvSpPr>
+          <p:cNvPr id="2" name="Заглавие 1">
+            <a:extLst>
+              <a:ext uri="{FF2B5EF4-FFF2-40B4-BE49-F238E27FC236}">
                 <a16:creationId xmlns:a16="http://schemas.microsoft.com/office/drawing/2014/main" id="{FF8E61DC-BB7C-4EF3-A7A0-9FF6586A634B}"/>
               </a:ext>
             </a:extLst>
@@ -14138,17 +15551,10 @@
   <p:clrMapOvr>
     <a:masterClrMapping/>
   </p:clrMapOvr>
-  <p:timing>
-    <p:tnLst>
-      <p:par>
-        <p:cTn id="1" dur="indefinite" restart="never" nodeType="tmRoot"/>
-      </p:par>
-    </p:tnLst>
-  </p:timing>
 </p:sld>
 </file>
 
-<file path=ppt/slides/slide11.xml><?xml version="1.0" encoding="utf-8"?>
+<file path=ppt/slides/slide14.xml><?xml version="1.0" encoding="utf-8"?>
 <p:sld xmlns:a="http://schemas.openxmlformats.org/drawingml/2006/main" xmlns:r="http://schemas.openxmlformats.org/officeDocument/2006/relationships" xmlns:p="http://schemas.openxmlformats.org/presentationml/2006/main">
   <p:cSld>
     <p:spTree>
@@ -14246,17 +15652,10 @@
   <p:clrMapOvr>
     <a:masterClrMapping/>
   </p:clrMapOvr>
-  <p:timing>
-    <p:tnLst>
-      <p:par>
-        <p:cTn id="1" dur="indefinite" restart="never" nodeType="tmRoot"/>
-      </p:par>
-    </p:tnLst>
-  </p:timing>
 </p:sld>
 </file>
 
-<file path=ppt/slides/slide12.xml><?xml version="1.0" encoding="utf-8"?>
+<file path=ppt/slides/slide15.xml><?xml version="1.0" encoding="utf-8"?>
 <p:sld xmlns:a="http://schemas.openxmlformats.org/drawingml/2006/main" xmlns:r="http://schemas.openxmlformats.org/officeDocument/2006/relationships" xmlns:p="http://schemas.openxmlformats.org/presentationml/2006/main">
   <p:cSld>
     <p:spTree>
@@ -14300,14 +15699,7 @@
                 <a:latin typeface="Arial" panose="020B0604020202020204" pitchFamily="34" charset="0"/>
                 <a:cs typeface="Arial" panose="020B0604020202020204" pitchFamily="34" charset="0"/>
               </a:rPr>
-              <a:t>Hirschman project </a:t>
-            </a:r>
-            <a:r>
-              <a:rPr lang="en-US" dirty="0" smtClean="0">
-                <a:latin typeface="Arial" panose="020B0604020202020204" pitchFamily="34" charset="0"/>
-                <a:cs typeface="Arial" panose="020B0604020202020204" pitchFamily="34" charset="0"/>
-              </a:rPr>
-              <a:t>(demo)</a:t>
+              <a:t>Hirschman project (demo)</a:t>
             </a:r>
             <a:endParaRPr lang="bg-BG" dirty="0">
               <a:latin typeface="Arial" panose="020B0604020202020204" pitchFamily="34" charset="0"/>
@@ -14989,17 +16381,186 @@
   <p:clrMapOvr>
     <a:masterClrMapping/>
   </p:clrMapOvr>
-  <p:timing>
-    <p:tnLst>
-      <p:par>
-        <p:cTn id="1" dur="indefinite" restart="never" nodeType="tmRoot"/>
-      </p:par>
-    </p:tnLst>
-  </p:timing>
 </p:sld>
 </file>
 
-<file path=ppt/slides/slide13.xml><?xml version="1.0" encoding="utf-8"?>
+<file path=ppt/slides/slide16.xml><?xml version="1.0" encoding="utf-8"?>
+<p:sld xmlns:a="http://schemas.openxmlformats.org/drawingml/2006/main" xmlns:r="http://schemas.openxmlformats.org/officeDocument/2006/relationships" xmlns:p="http://schemas.openxmlformats.org/presentationml/2006/main">
+  <p:cSld>
+    <p:spTree>
+      <p:nvGrpSpPr>
+        <p:cNvPr id="1" name=""/>
+        <p:cNvGrpSpPr/>
+        <p:nvPr/>
+      </p:nvGrpSpPr>
+      <p:grpSpPr>
+        <a:xfrm>
+          <a:off x="0" y="0"/>
+          <a:ext cx="0" cy="0"/>
+          <a:chOff x="0" y="0"/>
+          <a:chExt cx="0" cy="0"/>
+        </a:xfrm>
+      </p:grpSpPr>
+      <p:sp>
+        <p:nvSpPr>
+          <p:cNvPr id="2" name="Заглавие 1">
+            <a:extLst>
+              <a:ext uri="{FF2B5EF4-FFF2-40B4-BE49-F238E27FC236}">
+                <a16:creationId xmlns:a16="http://schemas.microsoft.com/office/drawing/2014/main" id="{DA312324-62E5-4F74-BADC-A6E6208D8789}"/>
+              </a:ext>
+            </a:extLst>
+          </p:cNvPr>
+          <p:cNvSpPr>
+            <a:spLocks noGrp="1"/>
+          </p:cNvSpPr>
+          <p:nvPr>
+            <p:ph type="title"/>
+          </p:nvPr>
+        </p:nvSpPr>
+        <p:spPr>
+          <a:xfrm>
+            <a:off x="1154955" y="1295400"/>
+            <a:ext cx="2793158" cy="967033"/>
+          </a:xfrm>
+        </p:spPr>
+        <p:txBody>
+          <a:bodyPr/>
+          <a:lstStyle/>
+          <a:p>
+            <a:pPr algn="ctr"/>
+            <a:r>
+              <a:rPr lang="en-US" dirty="0">
+                <a:latin typeface="Arial" panose="020B0604020202020204" pitchFamily="34" charset="0"/>
+                <a:cs typeface="Arial" panose="020B0604020202020204" pitchFamily="34" charset="0"/>
+              </a:rPr>
+              <a:t>Komax Connect Project</a:t>
+            </a:r>
+            <a:endParaRPr lang="bg-BG" dirty="0">
+              <a:latin typeface="Arial" panose="020B0604020202020204" pitchFamily="34" charset="0"/>
+              <a:cs typeface="Arial" panose="020B0604020202020204" pitchFamily="34" charset="0"/>
+            </a:endParaRPr>
+          </a:p>
+        </p:txBody>
+      </p:sp>
+      <p:pic>
+        <p:nvPicPr>
+          <p:cNvPr id="25" name="Контейнер за съдържание 24">
+            <a:extLst>
+              <a:ext uri="{FF2B5EF4-FFF2-40B4-BE49-F238E27FC236}">
+                <a16:creationId xmlns:a16="http://schemas.microsoft.com/office/drawing/2014/main" id="{D593F352-3381-497A-918A-13E4DA2369A8}"/>
+              </a:ext>
+            </a:extLst>
+          </p:cNvPr>
+          <p:cNvPicPr>
+            <a:picLocks noGrp="1" noChangeAspect="1"/>
+          </p:cNvPicPr>
+          <p:nvPr>
+            <p:ph idx="1"/>
+          </p:nvPr>
+        </p:nvPicPr>
+        <p:blipFill>
+          <a:blip r:embed="rId2">
+            <a:extLst>
+              <a:ext uri="{28A0092B-C50C-407E-A947-70E740481C1C}">
+                <a14:useLocalDpi xmlns:a14="http://schemas.microsoft.com/office/drawing/2010/main" val="0"/>
+              </a:ext>
+            </a:extLst>
+          </a:blip>
+          <a:stretch>
+            <a:fillRect/>
+          </a:stretch>
+        </p:blipFill>
+        <p:spPr>
+          <a:xfrm>
+            <a:off x="5518388" y="2337610"/>
+            <a:ext cx="6112887" cy="2701251"/>
+          </a:xfrm>
+        </p:spPr>
+      </p:pic>
+      <p:sp>
+        <p:nvSpPr>
+          <p:cNvPr id="4" name="Текстов контейнер 3">
+            <a:extLst>
+              <a:ext uri="{FF2B5EF4-FFF2-40B4-BE49-F238E27FC236}">
+                <a16:creationId xmlns:a16="http://schemas.microsoft.com/office/drawing/2014/main" id="{1590427F-5578-45C5-846B-BA827311EFE3}"/>
+              </a:ext>
+            </a:extLst>
+          </p:cNvPr>
+          <p:cNvSpPr>
+            <a:spLocks noGrp="1"/>
+          </p:cNvSpPr>
+          <p:nvPr>
+            <p:ph type="body" sz="half" idx="2"/>
+          </p:nvPr>
+        </p:nvSpPr>
+        <p:spPr>
+          <a:xfrm>
+            <a:off x="1154954" y="2582944"/>
+            <a:ext cx="3162522" cy="3441935"/>
+          </a:xfrm>
+        </p:spPr>
+        <p:txBody>
+          <a:bodyPr>
+            <a:noAutofit/>
+          </a:bodyPr>
+          <a:lstStyle/>
+          <a:p>
+            <a:r>
+              <a:rPr lang="en-US" sz="1600" dirty="0">
+                <a:solidFill>
+                  <a:schemeClr val="bg1"/>
+                </a:solidFill>
+                <a:latin typeface="Arial" panose="020B0604020202020204" pitchFamily="34" charset="0"/>
+                <a:cs typeface="Arial" panose="020B0604020202020204" pitchFamily="34" charset="0"/>
+              </a:rPr>
+              <a:t>We already have an initial  connection between CS WIN and the cloud KOMAX system.</a:t>
+            </a:r>
+          </a:p>
+          <a:p>
+            <a:r>
+              <a:rPr lang="en-US" sz="1600" dirty="0">
+                <a:solidFill>
+                  <a:schemeClr val="bg1"/>
+                </a:solidFill>
+                <a:latin typeface="Arial" panose="020B0604020202020204" pitchFamily="34" charset="0"/>
+                <a:cs typeface="Arial" panose="020B0604020202020204" pitchFamily="34" charset="0"/>
+              </a:rPr>
+              <a:t>For this purpose were developed CS WIN COM object which serves as a OPC UA client and OPC UA server which is a Windows service app that running on the same </a:t>
+            </a:r>
+            <a:r>
+              <a:rPr lang="en-US" sz="1600">
+                <a:solidFill>
+                  <a:schemeClr val="bg1"/>
+                </a:solidFill>
+                <a:latin typeface="Arial" panose="020B0604020202020204" pitchFamily="34" charset="0"/>
+                <a:cs typeface="Arial" panose="020B0604020202020204" pitchFamily="34" charset="0"/>
+              </a:rPr>
+              <a:t>PC.</a:t>
+            </a:r>
+            <a:endParaRPr lang="en-US" sz="1600" dirty="0">
+              <a:solidFill>
+                <a:schemeClr val="bg1"/>
+              </a:solidFill>
+              <a:latin typeface="Arial" panose="020B0604020202020204" pitchFamily="34" charset="0"/>
+              <a:cs typeface="Arial" panose="020B0604020202020204" pitchFamily="34" charset="0"/>
+            </a:endParaRPr>
+          </a:p>
+        </p:txBody>
+      </p:sp>
+    </p:spTree>
+    <p:extLst>
+      <p:ext uri="{BB962C8B-B14F-4D97-AF65-F5344CB8AC3E}">
+        <p14:creationId xmlns:p14="http://schemas.microsoft.com/office/powerpoint/2010/main" val="2705067992"/>
+      </p:ext>
+    </p:extLst>
+  </p:cSld>
+  <p:clrMapOvr>
+    <a:masterClrMapping/>
+  </p:clrMapOvr>
+</p:sld>
+</file>
+
+<file path=ppt/slides/slide17.xml><?xml version="1.0" encoding="utf-8"?>
 <p:sld xmlns:a="http://schemas.openxmlformats.org/drawingml/2006/main" xmlns:r="http://schemas.openxmlformats.org/officeDocument/2006/relationships" xmlns:p="http://schemas.openxmlformats.org/presentationml/2006/main">
   <p:cSld>
     <p:spTree>
@@ -15033,16 +16594,12 @@
           <a:p>
             <a:pPr algn="ctr"/>
             <a:r>
-              <a:rPr lang="en-US" dirty="0" smtClean="0">
+              <a:rPr lang="en-US" dirty="0">
                 <a:latin typeface="Arial" panose="020B0604020202020204" pitchFamily="34" charset="0"/>
                 <a:cs typeface="Arial" panose="020B0604020202020204" pitchFamily="34" charset="0"/>
               </a:rPr>
               <a:t>KOMAX Connect Project (demo)</a:t>
             </a:r>
-            <a:endParaRPr lang="en-US" dirty="0">
-              <a:latin typeface="Arial" panose="020B0604020202020204" pitchFamily="34" charset="0"/>
-              <a:cs typeface="Arial" panose="020B0604020202020204" pitchFamily="34" charset="0"/>
-            </a:endParaRPr>
           </a:p>
         </p:txBody>
       </p:sp>
@@ -15173,7 +16730,7 @@
           <a:lstStyle/>
           <a:p>
             <a:r>
-              <a:rPr lang="en-US" sz="1400" dirty="0" smtClean="0">
+              <a:rPr lang="en-US" sz="1400" dirty="0">
                 <a:latin typeface="Arial" panose="020B0604020202020204" pitchFamily="34" charset="0"/>
                 <a:cs typeface="Arial" panose="020B0604020202020204" pitchFamily="34" charset="0"/>
               </a:rPr>
@@ -15256,7 +16813,7 @@
           <a:lstStyle/>
           <a:p>
             <a:r>
-              <a:rPr lang="en-US" sz="1400" dirty="0" smtClean="0">
+              <a:rPr lang="en-US" sz="1400" dirty="0">
                 <a:latin typeface="Arial" panose="020B0604020202020204" pitchFamily="34" charset="0"/>
                 <a:cs typeface="Arial" panose="020B0604020202020204" pitchFamily="34" charset="0"/>
               </a:rPr>
@@ -15265,7 +16822,7 @@
           </a:p>
           <a:p>
             <a:r>
-              <a:rPr lang="en-US" sz="1400" dirty="0" smtClean="0">
+              <a:rPr lang="en-US" sz="1400" dirty="0">
                 <a:latin typeface="Arial" panose="020B0604020202020204" pitchFamily="34" charset="0"/>
                 <a:cs typeface="Arial" panose="020B0604020202020204" pitchFamily="34" charset="0"/>
               </a:rPr>
@@ -15274,7 +16831,7 @@
           </a:p>
           <a:p>
             <a:r>
-              <a:rPr lang="en-US" sz="1400" dirty="0" smtClean="0">
+              <a:rPr lang="en-US" sz="1400" dirty="0">
                 <a:latin typeface="Arial" panose="020B0604020202020204" pitchFamily="34" charset="0"/>
                 <a:cs typeface="Arial" panose="020B0604020202020204" pitchFamily="34" charset="0"/>
               </a:rPr>
@@ -15352,7 +16909,7 @@
           <a:lstStyle/>
           <a:p>
             <a:r>
-              <a:rPr lang="en-US" sz="1400" dirty="0" smtClean="0">
+              <a:rPr lang="en-US" sz="1400" dirty="0">
                 <a:latin typeface="Arial" panose="020B0604020202020204" pitchFamily="34" charset="0"/>
                 <a:cs typeface="Arial" panose="020B0604020202020204" pitchFamily="34" charset="0"/>
               </a:rPr>
@@ -15394,7 +16951,7 @@
           <a:lstStyle/>
           <a:p>
             <a:r>
-              <a:rPr lang="en-US" sz="1400" dirty="0" smtClean="0">
+              <a:rPr lang="en-US" sz="1400" dirty="0">
                 <a:latin typeface="Arial" panose="020B0604020202020204" pitchFamily="34" charset="0"/>
                 <a:cs typeface="Arial" panose="020B0604020202020204" pitchFamily="34" charset="0"/>
               </a:rPr>
@@ -15481,14 +17038,7 @@
                 <a:latin typeface="Arial" panose="020B0604020202020204" pitchFamily="34" charset="0"/>
                 <a:cs typeface="Arial" panose="020B0604020202020204" pitchFamily="34" charset="0"/>
               </a:rPr>
-              <a:t>r</a:t>
-            </a:r>
-            <a:r>
-              <a:rPr lang="en-US" sz="1400" dirty="0" smtClean="0">
-                <a:latin typeface="Arial" panose="020B0604020202020204" pitchFamily="34" charset="0"/>
-                <a:cs typeface="Arial" panose="020B0604020202020204" pitchFamily="34" charset="0"/>
-              </a:rPr>
-              <a:t>ead/write data</a:t>
+              <a:t>read/write data</a:t>
             </a:r>
             <a:endParaRPr lang="bg-BG" sz="1400" dirty="0">
               <a:latin typeface="Arial" panose="020B0604020202020204" pitchFamily="34" charset="0"/>
@@ -15608,7 +17158,7 @@
           <a:lstStyle/>
           <a:p>
             <a:r>
-              <a:rPr lang="en-US" sz="1400" dirty="0" smtClean="0">
+              <a:rPr lang="en-US" sz="1400" dirty="0">
                 <a:latin typeface="Arial" panose="020B0604020202020204" pitchFamily="34" charset="0"/>
                 <a:cs typeface="Arial" panose="020B0604020202020204" pitchFamily="34" charset="0"/>
               </a:rPr>
@@ -15650,7 +17200,7 @@
           <a:lstStyle/>
           <a:p>
             <a:r>
-              <a:rPr lang="en-US" sz="1400" dirty="0" smtClean="0">
+              <a:rPr lang="en-US" sz="1400" dirty="0">
                 <a:latin typeface="Arial" panose="020B0604020202020204" pitchFamily="34" charset="0"/>
                 <a:cs typeface="Arial" panose="020B0604020202020204" pitchFamily="34" charset="0"/>
               </a:rPr>
@@ -15692,7 +17242,7 @@
           <a:lstStyle/>
           <a:p>
             <a:r>
-              <a:rPr lang="en-US" sz="1400" dirty="0" smtClean="0">
+              <a:rPr lang="en-US" sz="1400" dirty="0">
                 <a:latin typeface="Arial" panose="020B0604020202020204" pitchFamily="34" charset="0"/>
                 <a:cs typeface="Arial" panose="020B0604020202020204" pitchFamily="34" charset="0"/>
               </a:rPr>
@@ -15715,13 +17265,121 @@
   <p:clrMapOvr>
     <a:masterClrMapping/>
   </p:clrMapOvr>
-  <p:timing>
-    <p:tnLst>
-      <p:par>
-        <p:cTn id="1" dur="indefinite" restart="never" nodeType="tmRoot"/>
-      </p:par>
-    </p:tnLst>
-  </p:timing>
+</p:sld>
+</file>
+
+<file path=ppt/slides/slide18.xml><?xml version="1.0" encoding="utf-8"?>
+<p:sld xmlns:a="http://schemas.openxmlformats.org/drawingml/2006/main" xmlns:r="http://schemas.openxmlformats.org/officeDocument/2006/relationships" xmlns:p="http://schemas.openxmlformats.org/presentationml/2006/main">
+  <p:cSld>
+    <p:spTree>
+      <p:nvGrpSpPr>
+        <p:cNvPr id="1" name=""/>
+        <p:cNvGrpSpPr/>
+        <p:nvPr/>
+      </p:nvGrpSpPr>
+      <p:grpSpPr>
+        <a:xfrm>
+          <a:off x="0" y="0"/>
+          <a:ext cx="0" cy="0"/>
+          <a:chOff x="0" y="0"/>
+          <a:chExt cx="0" cy="0"/>
+        </a:xfrm>
+      </p:grpSpPr>
+      <p:sp>
+        <p:nvSpPr>
+          <p:cNvPr id="2" name="Заглавие 1">
+            <a:extLst>
+              <a:ext uri="{FF2B5EF4-FFF2-40B4-BE49-F238E27FC236}">
+                <a16:creationId xmlns:a16="http://schemas.microsoft.com/office/drawing/2014/main" id="{09FD8C27-7A43-41A6-8C4F-41D1F1223896}"/>
+              </a:ext>
+            </a:extLst>
+          </p:cNvPr>
+          <p:cNvSpPr>
+            <a:spLocks noGrp="1"/>
+          </p:cNvSpPr>
+          <p:nvPr>
+            <p:ph type="title"/>
+          </p:nvPr>
+        </p:nvSpPr>
+        <p:spPr>
+          <a:xfrm>
+            <a:off x="1154953" y="1734531"/>
+            <a:ext cx="8825660" cy="1318005"/>
+          </a:xfrm>
+        </p:spPr>
+        <p:txBody>
+          <a:bodyPr/>
+          <a:lstStyle/>
+          <a:p>
+            <a:pPr algn="ctr"/>
+            <a:r>
+              <a:rPr lang="en-US" sz="8000" dirty="0">
+                <a:latin typeface="Arial" panose="020B0604020202020204" pitchFamily="34" charset="0"/>
+                <a:cs typeface="Arial" panose="020B0604020202020204" pitchFamily="34" charset="0"/>
+              </a:rPr>
+              <a:t>Thank you</a:t>
+            </a:r>
+            <a:endParaRPr lang="bg-BG" sz="8000" dirty="0">
+              <a:latin typeface="Arial" panose="020B0604020202020204" pitchFamily="34" charset="0"/>
+              <a:cs typeface="Arial" panose="020B0604020202020204" pitchFamily="34" charset="0"/>
+            </a:endParaRPr>
+          </a:p>
+        </p:txBody>
+      </p:sp>
+      <p:sp>
+        <p:nvSpPr>
+          <p:cNvPr id="3" name="Текстов контейнер 2">
+            <a:extLst>
+              <a:ext uri="{FF2B5EF4-FFF2-40B4-BE49-F238E27FC236}">
+                <a16:creationId xmlns:a16="http://schemas.microsoft.com/office/drawing/2014/main" id="{2B0C83CC-0F6B-4F6F-B53F-E16FF3848847}"/>
+              </a:ext>
+            </a:extLst>
+          </p:cNvPr>
+          <p:cNvSpPr>
+            <a:spLocks noGrp="1"/>
+          </p:cNvSpPr>
+          <p:nvPr>
+            <p:ph type="body" idx="1"/>
+          </p:nvPr>
+        </p:nvSpPr>
+        <p:spPr/>
+        <p:txBody>
+          <a:bodyPr>
+            <a:normAutofit/>
+          </a:bodyPr>
+          <a:lstStyle/>
+          <a:p>
+            <a:pPr algn="ctr"/>
+            <a:r>
+              <a:rPr lang="en-US" sz="3200" dirty="0">
+                <a:solidFill>
+                  <a:schemeClr val="tx1"/>
+                </a:solidFill>
+                <a:latin typeface="Arial" panose="020B0604020202020204" pitchFamily="34" charset="0"/>
+                <a:cs typeface="Arial" panose="020B0604020202020204" pitchFamily="34" charset="0"/>
+              </a:rPr>
+              <a:t>By: Velizar Gerasimov</a:t>
+            </a:r>
+            <a:endParaRPr lang="bg-BG" sz="3200" dirty="0">
+              <a:solidFill>
+                <a:schemeClr val="tx1"/>
+              </a:solidFill>
+              <a:latin typeface="Arial" panose="020B0604020202020204" pitchFamily="34" charset="0"/>
+              <a:cs typeface="Arial" panose="020B0604020202020204" pitchFamily="34" charset="0"/>
+            </a:endParaRPr>
+          </a:p>
+        </p:txBody>
+      </p:sp>
+    </p:spTree>
+    <p:extLst>
+      <p:ext uri="{BB962C8B-B14F-4D97-AF65-F5344CB8AC3E}">
+        <p14:creationId xmlns:p14="http://schemas.microsoft.com/office/powerpoint/2010/main" val="4185196975"/>
+      </p:ext>
+    </p:extLst>
+  </p:cSld>
+  <p:clrMapOvr>
+    <a:masterClrMapping/>
+  </p:clrMapOvr>
 </p:sld>
 </file>
 
@@ -15794,10 +17452,15 @@
             <p:ph idx="1"/>
           </p:nvPr>
         </p:nvSpPr>
-        <p:spPr/>
+        <p:spPr>
+          <a:xfrm>
+            <a:off x="1154954" y="2525147"/>
+            <a:ext cx="8825659" cy="3494653"/>
+          </a:xfrm>
+        </p:spPr>
         <p:txBody>
           <a:bodyPr>
-            <a:normAutofit fontScale="92500" lnSpcReduction="10000"/>
+            <a:normAutofit fontScale="70000" lnSpcReduction="20000"/>
           </a:bodyPr>
           <a:lstStyle/>
           <a:p>
@@ -15851,6 +17514,33 @@
                 <a:latin typeface="Arial" panose="020B0604020202020204" pitchFamily="34" charset="0"/>
                 <a:cs typeface="Arial" panose="020B0604020202020204" pitchFamily="34" charset="0"/>
               </a:rPr>
+              <a:t>OEE (Overall Equipment Effectiveness)</a:t>
+            </a:r>
+          </a:p>
+          <a:p>
+            <a:r>
+              <a:rPr lang="en-US" dirty="0">
+                <a:latin typeface="Arial" panose="020B0604020202020204" pitchFamily="34" charset="0"/>
+                <a:cs typeface="Arial" panose="020B0604020202020204" pitchFamily="34" charset="0"/>
+              </a:rPr>
+              <a:t>Smart manufacture</a:t>
+            </a:r>
+          </a:p>
+          <a:p>
+            <a:r>
+              <a:rPr lang="en-US" dirty="0">
+                <a:latin typeface="Arial" panose="020B0604020202020204" pitchFamily="34" charset="0"/>
+                <a:cs typeface="Arial" panose="020B0604020202020204" pitchFamily="34" charset="0"/>
+              </a:rPr>
+              <a:t>OPC UA protocols</a:t>
+            </a:r>
+          </a:p>
+          <a:p>
+            <a:r>
+              <a:rPr lang="en-US" dirty="0">
+                <a:latin typeface="Arial" panose="020B0604020202020204" pitchFamily="34" charset="0"/>
+                <a:cs typeface="Arial" panose="020B0604020202020204" pitchFamily="34" charset="0"/>
+              </a:rPr>
               <a:t>OPC UA specifications</a:t>
             </a:r>
           </a:p>
@@ -15878,19 +17568,8 @@
                 <a:latin typeface="Arial" panose="020B0604020202020204" pitchFamily="34" charset="0"/>
                 <a:cs typeface="Arial" panose="020B0604020202020204" pitchFamily="34" charset="0"/>
               </a:rPr>
-              <a:t>Komax </a:t>
+              <a:t>Komax Connect project demo</a:t>
             </a:r>
-            <a:r>
-              <a:rPr lang="en-US">
-                <a:latin typeface="Arial" panose="020B0604020202020204" pitchFamily="34" charset="0"/>
-                <a:cs typeface="Arial" panose="020B0604020202020204" pitchFamily="34" charset="0"/>
-              </a:rPr>
-              <a:t>Connect project demo</a:t>
-            </a:r>
-            <a:endParaRPr lang="en-US" dirty="0">
-              <a:latin typeface="Arial" panose="020B0604020202020204" pitchFamily="34" charset="0"/>
-              <a:cs typeface="Arial" panose="020B0604020202020204" pitchFamily="34" charset="0"/>
-            </a:endParaRPr>
           </a:p>
           <a:p>
             <a:endParaRPr lang="en-US" dirty="0"/>
@@ -15946,13 +17625,6 @@
   <p:clrMapOvr>
     <a:masterClrMapping/>
   </p:clrMapOvr>
-  <p:timing>
-    <p:tnLst>
-      <p:par>
-        <p:cTn id="1" dur="indefinite" restart="never" nodeType="tmRoot"/>
-      </p:par>
-    </p:tnLst>
-  </p:timing>
 </p:sld>
 </file>
 
@@ -16106,13 +17778,6 @@
   <p:clrMapOvr>
     <a:masterClrMapping/>
   </p:clrMapOvr>
-  <p:timing>
-    <p:tnLst>
-      <p:par>
-        <p:cTn id="1" dur="indefinite" restart="never" nodeType="tmRoot"/>
-      </p:par>
-    </p:tnLst>
-  </p:timing>
 </p:sld>
 </file>
 
@@ -16292,28 +17957,6 @@
               <a:t>It works only on Windows machines and has no so rich features like OPC UA.</a:t>
             </a:r>
           </a:p>
-          <a:p>
-            <a:pPr marL="285750" indent="-285750">
-              <a:buClr>
-                <a:schemeClr val="bg1"/>
-              </a:buClr>
-              <a:buFont typeface="Wingdings" panose="05000000000000000000" pitchFamily="2" charset="2"/>
-              <a:buChar char="Ø"/>
-            </a:pPr>
-            <a:r>
-              <a:rPr lang="en-US" sz="1600" dirty="0">
-                <a:solidFill>
-                  <a:schemeClr val="bg1"/>
-                </a:solidFill>
-                <a:latin typeface="Arial" panose="020B0604020202020204" pitchFamily="34" charset="0"/>
-                <a:cs typeface="Arial" panose="020B0604020202020204" pitchFamily="34" charset="0"/>
-              </a:rPr>
-              <a:t>Cannot works in Internet.</a:t>
-            </a:r>
-          </a:p>
-          <a:p>
-            <a:endParaRPr lang="en-US" dirty="0"/>
-          </a:p>
         </p:txBody>
       </p:sp>
       <p:pic>
@@ -16398,13 +18041,6 @@
   <p:clrMapOvr>
     <a:masterClrMapping/>
   </p:clrMapOvr>
-  <p:timing>
-    <p:tnLst>
-      <p:par>
-        <p:cTn id="1" dur="indefinite" restart="never" nodeType="tmRoot"/>
-      </p:par>
-    </p:tnLst>
-  </p:timing>
 </p:sld>
 </file>
 
@@ -16638,7 +18274,7 @@
                 <a:latin typeface="Arial" panose="020B0604020202020204" pitchFamily="34" charset="0"/>
                 <a:cs typeface="Arial" panose="020B0604020202020204" pitchFamily="34" charset="0"/>
               </a:rPr>
-              <a:t>It relies on TCP/IP protocol stack and uses Https AND OPC binary protocol.</a:t>
+              <a:t>It relies on TCP/IP protocol stack and uses Https and OPC binary protocol.</a:t>
             </a:r>
           </a:p>
           <a:p>
@@ -17128,13 +18764,6 @@
   <p:clrMapOvr>
     <a:masterClrMapping/>
   </p:clrMapOvr>
-  <p:timing>
-    <p:tnLst>
-      <p:par>
-        <p:cTn id="1" dur="indefinite" restart="never" nodeType="tmRoot"/>
-      </p:par>
-    </p:tnLst>
-  </p:timing>
 </p:sld>
 </file>
 
@@ -17657,13 +19286,6 @@
   <p:clrMapOvr>
     <a:masterClrMapping/>
   </p:clrMapOvr>
-  <p:timing>
-    <p:tnLst>
-      <p:par>
-        <p:cTn id="1" dur="indefinite" restart="never" nodeType="tmRoot"/>
-      </p:par>
-    </p:tnLst>
-  </p:timing>
 </p:sld>
 </file>
 
@@ -17786,7 +19408,7 @@
           <a:lstStyle/>
           <a:p>
             <a:r>
-              <a:rPr lang="en-US" sz="1600" dirty="0" smtClean="0">
+              <a:rPr lang="en-US" sz="1600" dirty="0">
                 <a:solidFill>
                   <a:schemeClr val="bg1"/>
                 </a:solidFill>
@@ -17795,17 +19417,10 @@
               </a:rPr>
               <a:t>Industry 4.0 is the latest evolution of manufacturing.</a:t>
             </a:r>
-            <a:endParaRPr lang="en-US" sz="1600" dirty="0">
-              <a:solidFill>
-                <a:schemeClr val="bg1"/>
-              </a:solidFill>
-              <a:latin typeface="Arial" panose="020B0604020202020204" pitchFamily="34" charset="0"/>
-              <a:cs typeface="Arial" panose="020B0604020202020204" pitchFamily="34" charset="0"/>
-            </a:endParaRPr>
           </a:p>
           <a:p>
             <a:r>
-              <a:rPr lang="en-US" sz="1600" dirty="0" smtClean="0">
+              <a:rPr lang="en-US" sz="1600" dirty="0">
                 <a:solidFill>
                   <a:schemeClr val="bg1"/>
                 </a:solidFill>
@@ -17817,16 +19432,6 @@
           </a:p>
           <a:p>
             <a:r>
-              <a:rPr lang="en-US" sz="1600" dirty="0" smtClean="0">
-                <a:solidFill>
-                  <a:schemeClr val="bg1"/>
-                </a:solidFill>
-                <a:latin typeface="Arial" panose="020B0604020202020204" pitchFamily="34" charset="0"/>
-                <a:cs typeface="Arial" panose="020B0604020202020204" pitchFamily="34" charset="0"/>
-              </a:rPr>
-              <a:t>Different kinds of sensors gives </a:t>
-            </a:r>
-            <a:r>
               <a:rPr lang="en-US" sz="1600" dirty="0">
                 <a:solidFill>
                   <a:schemeClr val="bg1"/>
@@ -17834,21 +19439,11 @@
                 <a:latin typeface="Arial" panose="020B0604020202020204" pitchFamily="34" charset="0"/>
                 <a:cs typeface="Arial" panose="020B0604020202020204" pitchFamily="34" charset="0"/>
               </a:rPr>
-              <a:t>the opportunity </a:t>
+              <a:t>Different kinds of sensors gives the opportunity for making of smart factories where every machine action is traced.</a:t>
             </a:r>
-            <a:r>
-              <a:rPr lang="en-US" sz="1600" dirty="0" smtClean="0">
-                <a:solidFill>
-                  <a:schemeClr val="bg1"/>
-                </a:solidFill>
-                <a:latin typeface="Arial" panose="020B0604020202020204" pitchFamily="34" charset="0"/>
-                <a:cs typeface="Arial" panose="020B0604020202020204" pitchFamily="34" charset="0"/>
-              </a:rPr>
-              <a:t>for making of smart factories where every machine action is traced.</a:t>
-            </a:r>
-          </a:p>
-          <a:p>
-            <a:endParaRPr lang="en-US" sz="1600" dirty="0" smtClean="0">
+          </a:p>
+          <a:p>
+            <a:endParaRPr lang="en-US" sz="1600" dirty="0">
               <a:solidFill>
                 <a:schemeClr val="bg1"/>
               </a:solidFill>
@@ -17857,7 +19452,7 @@
             </a:endParaRPr>
           </a:p>
           <a:p>
-            <a:endParaRPr lang="en-US" sz="1600" dirty="0" smtClean="0">
+            <a:endParaRPr lang="en-US" sz="1600" dirty="0">
               <a:solidFill>
                 <a:schemeClr val="bg1"/>
               </a:solidFill>
@@ -17880,13 +19475,6 @@
   <p:clrMapOvr>
     <a:masterClrMapping/>
   </p:clrMapOvr>
-  <p:timing>
-    <p:tnLst>
-      <p:par>
-        <p:cTn id="1" dur="indefinite" restart="never" nodeType="tmRoot"/>
-      </p:par>
-    </p:tnLst>
-  </p:timing>
 </p:sld>
 </file>
 
@@ -17912,7 +19500,7 @@
           <p:cNvPr id="2" name="Заглавие 1">
             <a:extLst>
               <a:ext uri="{FF2B5EF4-FFF2-40B4-BE49-F238E27FC236}">
-                <a16:creationId xmlns:a16="http://schemas.microsoft.com/office/drawing/2014/main" id="{03848D0A-8A46-40AB-B8BA-C07470FDB2CC}"/>
+                <a16:creationId xmlns:a16="http://schemas.microsoft.com/office/drawing/2014/main" id="{9E1399E8-5983-477C-B6B3-28BE668C9600}"/>
               </a:ext>
             </a:extLst>
           </p:cNvPr>
@@ -17925,8 +19513,8 @@
         </p:nvSpPr>
         <p:spPr>
           <a:xfrm>
-            <a:off x="894858" y="1706252"/>
-            <a:ext cx="3313350" cy="525544"/>
+            <a:off x="1154955" y="1295400"/>
+            <a:ext cx="2793158" cy="1183849"/>
           </a:xfrm>
         </p:spPr>
         <p:txBody>
@@ -17938,7 +19526,7 @@
                 <a:latin typeface="Arial" panose="020B0604020202020204" pitchFamily="34" charset="0"/>
                 <a:cs typeface="Arial" panose="020B0604020202020204" pitchFamily="34" charset="0"/>
               </a:rPr>
-              <a:t>OPC UA Specifications</a:t>
+              <a:t>OEE (Overall Equipment Effectiveness)</a:t>
             </a:r>
             <a:endParaRPr lang="bg-BG" dirty="0">
               <a:latin typeface="Arial" panose="020B0604020202020204" pitchFamily="34" charset="0"/>
@@ -17949,10 +19537,10 @@
       </p:sp>
       <p:pic>
         <p:nvPicPr>
-          <p:cNvPr id="6" name="Контейнер за съдържание 5" descr="Картина, която съдържа стрелка&#10;&#10;Описанието е генерирано автоматично">
+          <p:cNvPr id="6" name="Контейнер за съдържание 5" descr="Картина, която съдържа текст, визитка, екранна снимка&#10;&#10;Описанието е генерирано автоматично">
             <a:extLst>
               <a:ext uri="{FF2B5EF4-FFF2-40B4-BE49-F238E27FC236}">
-                <a16:creationId xmlns:a16="http://schemas.microsoft.com/office/drawing/2014/main" id="{D2CF188C-188C-48D8-8CE8-98FBE3446177}"/>
+                <a16:creationId xmlns:a16="http://schemas.microsoft.com/office/drawing/2014/main" id="{9F36048E-3532-4245-BC24-A230CDD3D910}"/>
               </a:ext>
             </a:extLst>
           </p:cNvPr>
@@ -17977,8 +19565,8 @@
         </p:blipFill>
         <p:spPr>
           <a:xfrm>
-            <a:off x="5788058" y="1389276"/>
-            <a:ext cx="2493540" cy="1159496"/>
+            <a:off x="5513573" y="776813"/>
+            <a:ext cx="4761472" cy="2749750"/>
           </a:xfrm>
         </p:spPr>
       </p:pic>
@@ -17987,7 +19575,7 @@
           <p:cNvPr id="4" name="Текстов контейнер 3">
             <a:extLst>
               <a:ext uri="{FF2B5EF4-FFF2-40B4-BE49-F238E27FC236}">
-                <a16:creationId xmlns:a16="http://schemas.microsoft.com/office/drawing/2014/main" id="{FE1F8B46-7D21-49A1-B6F1-F42E323F1418}"/>
+                <a16:creationId xmlns:a16="http://schemas.microsoft.com/office/drawing/2014/main" id="{91B1919B-592E-4D72-8823-6C23A08318C4}"/>
               </a:ext>
             </a:extLst>
           </p:cNvPr>
@@ -18000,96 +19588,39 @@
         </p:nvSpPr>
         <p:spPr>
           <a:xfrm>
-            <a:off x="1036948" y="2441542"/>
-            <a:ext cx="3171260" cy="3583337"/>
+            <a:off x="1154954" y="2724346"/>
+            <a:ext cx="3275644" cy="2611225"/>
           </a:xfrm>
         </p:spPr>
         <p:txBody>
-          <a:bodyPr/>
+          <a:bodyPr>
+            <a:normAutofit/>
+          </a:bodyPr>
           <a:lstStyle/>
           <a:p>
-            <a:pPr marL="342900" indent="-342900">
-              <a:buClr>
-                <a:schemeClr val="bg1"/>
-              </a:buClr>
-              <a:buFont typeface="+mj-lt"/>
-              <a:buAutoNum type="arabicPeriod"/>
-            </a:pPr>
             <a:r>
-              <a:rPr lang="en-US" sz="1600" dirty="0">
+              <a:rPr lang="en-US" sz="1800" dirty="0">
                 <a:solidFill>
                   <a:schemeClr val="bg1"/>
                 </a:solidFill>
                 <a:latin typeface="Arial" panose="020B0604020202020204" pitchFamily="34" charset="0"/>
                 <a:cs typeface="Arial" panose="020B0604020202020204" pitchFamily="34" charset="0"/>
               </a:rPr>
-              <a:t>Information model</a:t>
+              <a:t>It’s a gold standard for measuring manufacturing productivity.</a:t>
             </a:r>
           </a:p>
           <a:p>
-            <a:pPr marL="342900" indent="-342900">
-              <a:buClr>
-                <a:schemeClr val="bg1"/>
-              </a:buClr>
-              <a:buAutoNum type="arabicPeriod"/>
-            </a:pPr>
             <a:r>
-              <a:rPr lang="en-US" sz="1600" dirty="0">
+              <a:rPr lang="en-US" sz="1800" dirty="0">
                 <a:solidFill>
                   <a:schemeClr val="bg1"/>
                 </a:solidFill>
                 <a:latin typeface="Arial" panose="020B0604020202020204" pitchFamily="34" charset="0"/>
                 <a:cs typeface="Arial" panose="020B0604020202020204" pitchFamily="34" charset="0"/>
               </a:rPr>
-              <a:t>Communication architectures</a:t>
+              <a:t>By measuring of OEE and the underlying losses, we can get important insights on how to systematically improve our manufacturing process.</a:t>
             </a:r>
-          </a:p>
-          <a:p>
-            <a:pPr marL="342900" indent="-342900">
-              <a:buClr>
-                <a:schemeClr val="bg1"/>
-              </a:buClr>
-              <a:buAutoNum type="arabicPeriod"/>
-            </a:pPr>
-            <a:r>
-              <a:rPr lang="en-US" sz="1600" dirty="0">
-                <a:solidFill>
-                  <a:schemeClr val="bg1"/>
-                </a:solidFill>
-                <a:latin typeface="Arial" panose="020B0604020202020204" pitchFamily="34" charset="0"/>
-                <a:cs typeface="Arial" panose="020B0604020202020204" pitchFamily="34" charset="0"/>
-              </a:rPr>
-              <a:t>Security</a:t>
-            </a:r>
-          </a:p>
-          <a:p>
-            <a:pPr marL="342900" indent="-342900">
-              <a:buClr>
-                <a:schemeClr val="bg1"/>
-              </a:buClr>
-              <a:buAutoNum type="arabicPeriod"/>
-            </a:pPr>
-            <a:r>
-              <a:rPr lang="en-US" sz="1600" dirty="0">
-                <a:solidFill>
-                  <a:schemeClr val="bg1"/>
-                </a:solidFill>
-                <a:latin typeface="Arial" panose="020B0604020202020204" pitchFamily="34" charset="0"/>
-                <a:cs typeface="Arial" panose="020B0604020202020204" pitchFamily="34" charset="0"/>
-              </a:rPr>
-              <a:t>Historical </a:t>
-            </a:r>
-            <a:r>
-              <a:rPr lang="en-US" sz="1600" dirty="0" smtClean="0">
-                <a:solidFill>
-                  <a:schemeClr val="bg1"/>
-                </a:solidFill>
-                <a:latin typeface="Arial" panose="020B0604020202020204" pitchFamily="34" charset="0"/>
-                <a:cs typeface="Arial" panose="020B0604020202020204" pitchFamily="34" charset="0"/>
-              </a:rPr>
-              <a:t>access</a:t>
-            </a:r>
-            <a:endParaRPr lang="en-US" sz="1600" dirty="0">
+            <a:endParaRPr lang="bg-BG" sz="1800" dirty="0">
               <a:solidFill>
                 <a:schemeClr val="bg1"/>
               </a:solidFill>
@@ -18097,152 +19628,14 @@
               <a:cs typeface="Arial" panose="020B0604020202020204" pitchFamily="34" charset="0"/>
             </a:endParaRPr>
           </a:p>
-          <a:p>
-            <a:pPr marL="342900" indent="-342900">
-              <a:buClr>
-                <a:schemeClr val="bg1"/>
-              </a:buClr>
-              <a:buAutoNum type="arabicPeriod"/>
-            </a:pPr>
-            <a:r>
-              <a:rPr lang="en-US" sz="1600" dirty="0">
-                <a:solidFill>
-                  <a:schemeClr val="bg1"/>
-                </a:solidFill>
-                <a:latin typeface="Arial" panose="020B0604020202020204" pitchFamily="34" charset="0"/>
-                <a:cs typeface="Arial" panose="020B0604020202020204" pitchFamily="34" charset="0"/>
-              </a:rPr>
-              <a:t>Alarms and </a:t>
-            </a:r>
-            <a:r>
-              <a:rPr lang="en-US" sz="1600" dirty="0" smtClean="0">
-                <a:solidFill>
-                  <a:schemeClr val="bg1"/>
-                </a:solidFill>
-                <a:latin typeface="Arial" panose="020B0604020202020204" pitchFamily="34" charset="0"/>
-                <a:cs typeface="Arial" panose="020B0604020202020204" pitchFamily="34" charset="0"/>
-              </a:rPr>
-              <a:t>Events</a:t>
-            </a:r>
-          </a:p>
-          <a:p>
-            <a:pPr marL="342900" indent="-342900">
-              <a:buClr>
-                <a:schemeClr val="bg1"/>
-              </a:buClr>
-              <a:buAutoNum type="arabicPeriod"/>
-            </a:pPr>
-            <a:r>
-              <a:rPr lang="en-US" sz="1600" dirty="0" smtClean="0">
-                <a:solidFill>
-                  <a:schemeClr val="bg1"/>
-                </a:solidFill>
-                <a:latin typeface="Arial" panose="020B0604020202020204" pitchFamily="34" charset="0"/>
-                <a:cs typeface="Arial" panose="020B0604020202020204" pitchFamily="34" charset="0"/>
-              </a:rPr>
-              <a:t>Programs</a:t>
-            </a:r>
-          </a:p>
-          <a:p>
-            <a:pPr marL="342900" indent="-342900">
-              <a:buClr>
-                <a:schemeClr val="bg1"/>
-              </a:buClr>
-              <a:buAutoNum type="arabicPeriod"/>
-            </a:pPr>
-            <a:endParaRPr lang="en-US" sz="1600" dirty="0">
-              <a:solidFill>
-                <a:schemeClr val="bg1"/>
-              </a:solidFill>
-              <a:latin typeface="Arial" panose="020B0604020202020204" pitchFamily="34" charset="0"/>
-              <a:cs typeface="Arial" panose="020B0604020202020204" pitchFamily="34" charset="0"/>
-            </a:endParaRPr>
-          </a:p>
-          <a:p>
-            <a:pPr marL="342900" indent="-342900">
-              <a:buAutoNum type="arabicPeriod"/>
-            </a:pPr>
-            <a:endParaRPr lang="en-US" dirty="0"/>
-          </a:p>
-          <a:p>
-            <a:pPr marL="342900" indent="-342900">
-              <a:buAutoNum type="arabicPeriod"/>
-            </a:pPr>
-            <a:endParaRPr lang="bg-BG" dirty="0"/>
-          </a:p>
-        </p:txBody>
-      </p:sp>
-      <p:sp>
-        <p:nvSpPr>
-          <p:cNvPr id="7" name="Текстово поле 6">
-            <a:extLst>
-              <a:ext uri="{FF2B5EF4-FFF2-40B4-BE49-F238E27FC236}">
-                <a16:creationId xmlns:a16="http://schemas.microsoft.com/office/drawing/2014/main" id="{39AB4D9C-7A19-4630-BA58-0A1479AEAAFB}"/>
-              </a:ext>
-            </a:extLst>
-          </p:cNvPr>
-          <p:cNvSpPr txBox="1"/>
-          <p:nvPr/>
-        </p:nvSpPr>
-        <p:spPr>
-          <a:xfrm>
-            <a:off x="5788058" y="2678130"/>
-            <a:ext cx="6202837" cy="369332"/>
-          </a:xfrm>
-          <a:prstGeom prst="rect">
-            <a:avLst/>
-          </a:prstGeom>
-          <a:noFill/>
-        </p:spPr>
-        <p:txBody>
-          <a:bodyPr wrap="square" rtlCol="0">
-            <a:spAutoFit/>
-          </a:bodyPr>
-          <a:lstStyle/>
-          <a:p>
-            <a:r>
-              <a:rPr lang="en-US" sz="1800" dirty="0">
-                <a:solidFill>
-                  <a:srgbClr val="A31515"/>
-                </a:solidFill>
-                <a:latin typeface="Consolas" panose="020B0609020204030204" pitchFamily="49" charset="0"/>
-              </a:rPr>
-              <a:t>"ns=2;s=/</a:t>
-            </a:r>
-            <a:r>
-              <a:rPr lang="en-US" sz="1800" dirty="0" err="1">
-                <a:solidFill>
-                  <a:srgbClr val="A31515"/>
-                </a:solidFill>
-                <a:latin typeface="Consolas" panose="020B0609020204030204" pitchFamily="49" charset="0"/>
-              </a:rPr>
-              <a:t>FloorOne</a:t>
-            </a:r>
-            <a:r>
-              <a:rPr lang="en-US" sz="1800" dirty="0">
-                <a:solidFill>
-                  <a:srgbClr val="A31515"/>
-                </a:solidFill>
-                <a:latin typeface="Consolas" panose="020B0609020204030204" pitchFamily="49" charset="0"/>
-              </a:rPr>
-              <a:t>/Machines/Pump"</a:t>
-            </a:r>
-            <a:endParaRPr lang="bg-BG" dirty="0">
-              <a:solidFill>
-                <a:schemeClr val="accent1">
-                  <a:lumMod val="50000"/>
-                </a:schemeClr>
-              </a:solidFill>
-            </a:endParaRPr>
-          </a:p>
         </p:txBody>
       </p:sp>
       <p:pic>
         <p:nvPicPr>
-          <p:cNvPr id="9" name="Картина 8">
+          <p:cNvPr id="8" name="Картина 7">
             <a:extLst>
               <a:ext uri="{FF2B5EF4-FFF2-40B4-BE49-F238E27FC236}">
-                <a16:creationId xmlns:a16="http://schemas.microsoft.com/office/drawing/2014/main" id="{06AB24CF-2966-4F17-B32E-21E0EE08D337}"/>
+                <a16:creationId xmlns:a16="http://schemas.microsoft.com/office/drawing/2014/main" id="{CB240A52-C317-4489-B730-676821015F8A}"/>
               </a:ext>
             </a:extLst>
           </p:cNvPr>
@@ -18265,8 +19658,8 @@
         </p:blipFill>
         <p:spPr>
           <a:xfrm>
-            <a:off x="6507859" y="3457009"/>
-            <a:ext cx="2774480" cy="2567870"/>
+            <a:off x="5596506" y="3668803"/>
+            <a:ext cx="4595605" cy="2585028"/>
           </a:xfrm>
           <a:prstGeom prst="rect">
             <a:avLst/>
@@ -18276,20 +19669,13 @@
     </p:spTree>
     <p:extLst>
       <p:ext uri="{BB962C8B-B14F-4D97-AF65-F5344CB8AC3E}">
-        <p14:creationId xmlns:p14="http://schemas.microsoft.com/office/powerpoint/2010/main" val="598402807"/>
+        <p14:creationId xmlns:p14="http://schemas.microsoft.com/office/powerpoint/2010/main" val="2952636599"/>
       </p:ext>
     </p:extLst>
   </p:cSld>
   <p:clrMapOvr>
     <a:masterClrMapping/>
   </p:clrMapOvr>
-  <p:timing>
-    <p:tnLst>
-      <p:par>
-        <p:cTn id="1" dur="indefinite" restart="never" nodeType="tmRoot"/>
-      </p:par>
-    </p:tnLst>
-  </p:timing>
 </p:sld>
 </file>
 
@@ -18315,7 +19701,7 @@
           <p:cNvPr id="2" name="Заглавие 1">
             <a:extLst>
               <a:ext uri="{FF2B5EF4-FFF2-40B4-BE49-F238E27FC236}">
-                <a16:creationId xmlns:a16="http://schemas.microsoft.com/office/drawing/2014/main" id="{39BDA70E-9B87-4696-B2F6-76C1B41EAEA2}"/>
+                <a16:creationId xmlns:a16="http://schemas.microsoft.com/office/drawing/2014/main" id="{43317B4A-D21E-4C75-A6E2-27AADB395689}"/>
               </a:ext>
             </a:extLst>
           </p:cNvPr>
@@ -18337,7 +19723,7 @@
                 <a:latin typeface="Arial" panose="020B0604020202020204" pitchFamily="34" charset="0"/>
                 <a:cs typeface="Arial" panose="020B0604020202020204" pitchFamily="34" charset="0"/>
               </a:rPr>
-              <a:t>Communication architectures</a:t>
+              <a:t>Smart manufacture</a:t>
             </a:r>
             <a:endParaRPr lang="bg-BG" dirty="0">
               <a:latin typeface="Arial" panose="020B0604020202020204" pitchFamily="34" charset="0"/>
@@ -18346,80 +19732,12 @@
           </a:p>
         </p:txBody>
       </p:sp>
-      <p:sp>
-        <p:nvSpPr>
-          <p:cNvPr id="3" name="Текстов контейнер 2">
+      <p:pic>
+        <p:nvPicPr>
+          <p:cNvPr id="5" name="Контейнер за съдържание 4">
             <a:extLst>
               <a:ext uri="{FF2B5EF4-FFF2-40B4-BE49-F238E27FC236}">
-                <a16:creationId xmlns:a16="http://schemas.microsoft.com/office/drawing/2014/main" id="{3B24B4E3-1B21-4C58-8F4D-F18533236479}"/>
-              </a:ext>
-            </a:extLst>
-          </p:cNvPr>
-          <p:cNvSpPr>
-            <a:spLocks noGrp="1"/>
-          </p:cNvSpPr>
-          <p:nvPr>
-            <p:ph type="body" idx="1"/>
-          </p:nvPr>
-        </p:nvSpPr>
-        <p:spPr>
-          <a:xfrm>
-            <a:off x="1459019" y="2513533"/>
-            <a:ext cx="4097790" cy="798839"/>
-          </a:xfrm>
-        </p:spPr>
-        <p:txBody>
-          <a:bodyPr/>
-          <a:lstStyle/>
-          <a:p>
-            <a:r>
-              <a:rPr lang="en-US" dirty="0"/>
-              <a:t>Pub/Sub model (notifications)</a:t>
-            </a:r>
-            <a:endParaRPr lang="bg-BG" dirty="0"/>
-          </a:p>
-        </p:txBody>
-      </p:sp>
-      <p:sp>
-        <p:nvSpPr>
-          <p:cNvPr id="5" name="Текстов контейнер 4">
-            <a:extLst>
-              <a:ext uri="{FF2B5EF4-FFF2-40B4-BE49-F238E27FC236}">
-                <a16:creationId xmlns:a16="http://schemas.microsoft.com/office/drawing/2014/main" id="{1EC8F997-478A-4F38-B1F3-0C9CFACE2C59}"/>
-              </a:ext>
-            </a:extLst>
-          </p:cNvPr>
-          <p:cNvSpPr>
-            <a:spLocks noGrp="1"/>
-          </p:cNvSpPr>
-          <p:nvPr>
-            <p:ph type="body" sz="quarter" idx="3"/>
-          </p:nvPr>
-        </p:nvSpPr>
-        <p:spPr>
-          <a:xfrm>
-            <a:off x="6362451" y="2589464"/>
-            <a:ext cx="4825159" cy="576262"/>
-          </a:xfrm>
-        </p:spPr>
-        <p:txBody>
-          <a:bodyPr/>
-          <a:lstStyle/>
-          <a:p>
-            <a:r>
-              <a:rPr lang="en-US" dirty="0"/>
-              <a:t>Client/Server model (session)</a:t>
-            </a:r>
-            <a:endParaRPr lang="bg-BG" dirty="0"/>
-          </a:p>
-        </p:txBody>
-      </p:sp>
-      <p:pic>
-        <p:nvPicPr>
-          <p:cNvPr id="10" name="Контейнер за съдържание 9">
-            <a:extLst>
-              <a:ext uri="{FF2B5EF4-FFF2-40B4-BE49-F238E27FC236}">
-                <a16:creationId xmlns:a16="http://schemas.microsoft.com/office/drawing/2014/main" id="{A0480346-C03A-41BC-9303-41B59388AD19}"/>
+                <a16:creationId xmlns:a16="http://schemas.microsoft.com/office/drawing/2014/main" id="{50B7D79F-1C0B-4D25-A726-841BCBF5948F}"/>
               </a:ext>
             </a:extLst>
           </p:cNvPr>
@@ -18427,11 +19745,11 @@
             <a:picLocks noGrp="1" noChangeAspect="1"/>
           </p:cNvPicPr>
           <p:nvPr>
-            <p:ph sz="quarter" idx="4"/>
+            <p:ph idx="1"/>
           </p:nvPr>
         </p:nvPicPr>
         <p:blipFill>
-          <a:blip r:embed="rId2" cstate="hqprint">
+          <a:blip r:embed="rId2">
             <a:extLst>
               <a:ext uri="{28A0092B-C50C-407E-A947-70E740481C1C}">
                 <a14:useLocalDpi xmlns:a14="http://schemas.microsoft.com/office/drawing/2010/main" val="0"/>
@@ -18444,717 +19762,50 @@
         </p:blipFill>
         <p:spPr>
           <a:xfrm>
-            <a:off x="3424292" y="3623648"/>
-            <a:ext cx="935914" cy="816204"/>
-          </a:xfrm>
-        </p:spPr>
-      </p:pic>
-      <p:pic>
-        <p:nvPicPr>
-          <p:cNvPr id="11" name="Контейнер за съдържание 9">
-            <a:extLst>
-              <a:ext uri="{FF2B5EF4-FFF2-40B4-BE49-F238E27FC236}">
-                <a16:creationId xmlns:a16="http://schemas.microsoft.com/office/drawing/2014/main" id="{2240FE23-443C-4F0A-8B71-5B17D3402497}"/>
-              </a:ext>
-            </a:extLst>
-          </p:cNvPr>
-          <p:cNvPicPr>
-            <a:picLocks noChangeAspect="1"/>
-          </p:cNvPicPr>
-          <p:nvPr/>
-        </p:nvPicPr>
-        <p:blipFill>
-          <a:blip r:embed="rId2" cstate="hqprint">
-            <a:extLst>
-              <a:ext uri="{28A0092B-C50C-407E-A947-70E740481C1C}">
-                <a14:useLocalDpi xmlns:a14="http://schemas.microsoft.com/office/drawing/2010/main" val="0"/>
-              </a:ext>
-            </a:extLst>
-          </a:blip>
-          <a:stretch>
-            <a:fillRect/>
-          </a:stretch>
-        </p:blipFill>
-        <p:spPr>
-          <a:xfrm>
-            <a:off x="3424292" y="5365301"/>
-            <a:ext cx="935914" cy="816204"/>
-          </a:xfrm>
-          <a:prstGeom prst="rect">
-            <a:avLst/>
+            <a:off x="2468881" y="2501900"/>
+            <a:ext cx="6990910" cy="3930468"/>
+          </a:xfrm>
+          <a:prstGeom prst="roundRect">
+            <a:avLst>
+              <a:gd name="adj" fmla="val 4167"/>
+            </a:avLst>
           </a:prstGeom>
-        </p:spPr>
-      </p:pic>
-      <p:pic>
-        <p:nvPicPr>
-          <p:cNvPr id="12" name="Контейнер за съдържание 9">
-            <a:extLst>
-              <a:ext uri="{FF2B5EF4-FFF2-40B4-BE49-F238E27FC236}">
-                <a16:creationId xmlns:a16="http://schemas.microsoft.com/office/drawing/2014/main" id="{E08D0E3A-65B2-4487-814C-5338945C4701}"/>
-              </a:ext>
-            </a:extLst>
-          </p:cNvPr>
-          <p:cNvPicPr>
-            <a:picLocks noChangeAspect="1"/>
-          </p:cNvPicPr>
-          <p:nvPr/>
-        </p:nvPicPr>
-        <p:blipFill>
-          <a:blip r:embed="rId2" cstate="hqprint">
-            <a:extLst>
-              <a:ext uri="{28A0092B-C50C-407E-A947-70E740481C1C}">
-                <a14:useLocalDpi xmlns:a14="http://schemas.microsoft.com/office/drawing/2010/main" val="0"/>
-              </a:ext>
-            </a:extLst>
-          </a:blip>
-          <a:stretch>
-            <a:fillRect/>
-          </a:stretch>
-        </p:blipFill>
-        <p:spPr>
-          <a:xfrm>
-            <a:off x="891517" y="3678239"/>
-            <a:ext cx="935914" cy="816204"/>
-          </a:xfrm>
-          <a:prstGeom prst="rect">
-            <a:avLst/>
-          </a:prstGeom>
-        </p:spPr>
-      </p:pic>
-      <p:pic>
-        <p:nvPicPr>
-          <p:cNvPr id="13" name="Контейнер за съдържание 9">
-            <a:extLst>
-              <a:ext uri="{FF2B5EF4-FFF2-40B4-BE49-F238E27FC236}">
-                <a16:creationId xmlns:a16="http://schemas.microsoft.com/office/drawing/2014/main" id="{2A415F35-308D-45C0-A048-091F832C5A19}"/>
-              </a:ext>
-            </a:extLst>
-          </p:cNvPr>
-          <p:cNvPicPr>
-            <a:picLocks noChangeAspect="1"/>
-          </p:cNvPicPr>
-          <p:nvPr/>
-        </p:nvPicPr>
-        <p:blipFill>
-          <a:blip r:embed="rId2" cstate="hqprint">
-            <a:extLst>
-              <a:ext uri="{28A0092B-C50C-407E-A947-70E740481C1C}">
-                <a14:useLocalDpi xmlns:a14="http://schemas.microsoft.com/office/drawing/2010/main" val="0"/>
-              </a:ext>
-            </a:extLst>
-          </a:blip>
-          <a:stretch>
-            <a:fillRect/>
-          </a:stretch>
-        </p:blipFill>
-        <p:spPr>
-          <a:xfrm>
-            <a:off x="891517" y="5365301"/>
-            <a:ext cx="935914" cy="816204"/>
-          </a:xfrm>
-          <a:prstGeom prst="rect">
-            <a:avLst/>
-          </a:prstGeom>
-        </p:spPr>
-      </p:pic>
-      <p:pic>
-        <p:nvPicPr>
-          <p:cNvPr id="15" name="Контейнер за съдържание 9">
-            <a:extLst>
-              <a:ext uri="{FF2B5EF4-FFF2-40B4-BE49-F238E27FC236}">
-                <a16:creationId xmlns:a16="http://schemas.microsoft.com/office/drawing/2014/main" id="{6465A873-A63D-4D1B-BAAA-6CECFD0BC527}"/>
-              </a:ext>
-            </a:extLst>
-          </p:cNvPr>
-          <p:cNvPicPr>
-            <a:picLocks noChangeAspect="1"/>
-          </p:cNvPicPr>
-          <p:nvPr/>
-        </p:nvPicPr>
-        <p:blipFill>
-          <a:blip r:embed="rId2" cstate="hqprint">
-            <a:extLst>
-              <a:ext uri="{28A0092B-C50C-407E-A947-70E740481C1C}">
-                <a14:useLocalDpi xmlns:a14="http://schemas.microsoft.com/office/drawing/2010/main" val="0"/>
-              </a:ext>
-            </a:extLst>
-          </a:blip>
-          <a:stretch>
-            <a:fillRect/>
-          </a:stretch>
-        </p:blipFill>
-        <p:spPr>
-          <a:xfrm>
-            <a:off x="6329319" y="4439852"/>
-            <a:ext cx="935914" cy="816204"/>
-          </a:xfrm>
-          <a:prstGeom prst="rect">
-            <a:avLst/>
-          </a:prstGeom>
-        </p:spPr>
-      </p:pic>
-      <p:cxnSp>
-        <p:nvCxnSpPr>
-          <p:cNvPr id="17" name="Съединител &quot;права стрелка&quot; 16">
-            <a:extLst>
-              <a:ext uri="{FF2B5EF4-FFF2-40B4-BE49-F238E27FC236}">
-                <a16:creationId xmlns:a16="http://schemas.microsoft.com/office/drawing/2014/main" id="{3C6E4FE2-AE8D-4FFE-A039-428BF2016029}"/>
-              </a:ext>
-            </a:extLst>
-          </p:cNvPr>
-          <p:cNvCxnSpPr>
-            <a:cxnSpLocks/>
-          </p:cNvCxnSpPr>
-          <p:nvPr/>
-        </p:nvCxnSpPr>
-        <p:spPr>
-          <a:xfrm flipV="1">
-            <a:off x="7258941" y="4796559"/>
-            <a:ext cx="2657426" cy="32643"/>
-          </a:xfrm>
-          <a:prstGeom prst="straightConnector1">
-            <a:avLst/>
-          </a:prstGeom>
-          <a:ln>
-            <a:tailEnd type="triangle"/>
+          <a:solidFill>
+            <a:srgbClr val="FFFFFF"/>
+          </a:solidFill>
+          <a:ln w="76200" cap="sq">
+            <a:solidFill>
+              <a:srgbClr val="EAEAEA"/>
+            </a:solidFill>
+            <a:miter lim="800000"/>
           </a:ln>
-        </p:spPr>
-        <p:style>
-          <a:lnRef idx="1">
-            <a:schemeClr val="dk1"/>
-          </a:lnRef>
-          <a:fillRef idx="0">
-            <a:schemeClr val="dk1"/>
-          </a:fillRef>
-          <a:effectRef idx="0">
-            <a:schemeClr val="dk1"/>
-          </a:effectRef>
-          <a:fontRef idx="minor">
-            <a:schemeClr val="tx1"/>
-          </a:fontRef>
-        </p:style>
-      </p:cxnSp>
-      <p:cxnSp>
-        <p:nvCxnSpPr>
-          <p:cNvPr id="20" name="Съединител &quot;права стрелка&quot; 19">
-            <a:extLst>
-              <a:ext uri="{FF2B5EF4-FFF2-40B4-BE49-F238E27FC236}">
-                <a16:creationId xmlns:a16="http://schemas.microsoft.com/office/drawing/2014/main" id="{17D8456E-B145-4919-BD5A-BCD6B2D2647F}"/>
-              </a:ext>
-            </a:extLst>
-          </p:cNvPr>
-          <p:cNvCxnSpPr/>
-          <p:nvPr/>
-        </p:nvCxnSpPr>
-        <p:spPr>
-          <a:xfrm flipV="1">
-            <a:off x="2997724" y="4182835"/>
-            <a:ext cx="448175" cy="408019"/>
-          </a:xfrm>
-          <a:prstGeom prst="straightConnector1">
-            <a:avLst/>
-          </a:prstGeom>
-          <a:ln>
-            <a:tailEnd type="triangle"/>
-          </a:ln>
-        </p:spPr>
-        <p:style>
-          <a:lnRef idx="1">
-            <a:schemeClr val="dk1"/>
-          </a:lnRef>
-          <a:fillRef idx="0">
-            <a:schemeClr val="dk1"/>
-          </a:fillRef>
-          <a:effectRef idx="0">
-            <a:schemeClr val="dk1"/>
-          </a:effectRef>
-          <a:fontRef idx="minor">
-            <a:schemeClr val="tx1"/>
-          </a:fontRef>
-        </p:style>
-      </p:cxnSp>
-      <p:cxnSp>
-        <p:nvCxnSpPr>
-          <p:cNvPr id="22" name="Съединител &quot;права стрелка&quot; 21">
-            <a:extLst>
-              <a:ext uri="{FF2B5EF4-FFF2-40B4-BE49-F238E27FC236}">
-                <a16:creationId xmlns:a16="http://schemas.microsoft.com/office/drawing/2014/main" id="{B07A168D-7486-464D-8026-A1C0FFF6444B}"/>
-              </a:ext>
-            </a:extLst>
-          </p:cNvPr>
-          <p:cNvCxnSpPr/>
-          <p:nvPr/>
-        </p:nvCxnSpPr>
-        <p:spPr>
-          <a:xfrm flipH="1" flipV="1">
-            <a:off x="1732773" y="4182835"/>
-            <a:ext cx="473897" cy="408019"/>
-          </a:xfrm>
-          <a:prstGeom prst="straightConnector1">
-            <a:avLst/>
-          </a:prstGeom>
-          <a:ln>
-            <a:tailEnd type="triangle"/>
-          </a:ln>
-        </p:spPr>
-        <p:style>
-          <a:lnRef idx="1">
-            <a:schemeClr val="dk1"/>
-          </a:lnRef>
-          <a:fillRef idx="0">
-            <a:schemeClr val="dk1"/>
-          </a:fillRef>
-          <a:effectRef idx="0">
-            <a:schemeClr val="dk1"/>
-          </a:effectRef>
-          <a:fontRef idx="minor">
-            <a:schemeClr val="tx1"/>
-          </a:fontRef>
-        </p:style>
-      </p:cxnSp>
-      <p:cxnSp>
-        <p:nvCxnSpPr>
-          <p:cNvPr id="24" name="Съединител &quot;права стрелка&quot; 23">
-            <a:extLst>
-              <a:ext uri="{FF2B5EF4-FFF2-40B4-BE49-F238E27FC236}">
-                <a16:creationId xmlns:a16="http://schemas.microsoft.com/office/drawing/2014/main" id="{6D2374B3-8DD4-4288-AB5B-2C90738CE168}"/>
-              </a:ext>
-            </a:extLst>
-          </p:cNvPr>
-          <p:cNvCxnSpPr/>
-          <p:nvPr/>
-        </p:nvCxnSpPr>
-        <p:spPr>
-          <a:xfrm>
-            <a:off x="3056668" y="5310315"/>
-            <a:ext cx="389231" cy="267875"/>
-          </a:xfrm>
-          <a:prstGeom prst="straightConnector1">
-            <a:avLst/>
-          </a:prstGeom>
-          <a:ln>
-            <a:tailEnd type="triangle"/>
-          </a:ln>
-        </p:spPr>
-        <p:style>
-          <a:lnRef idx="1">
-            <a:schemeClr val="dk1"/>
-          </a:lnRef>
-          <a:fillRef idx="0">
-            <a:schemeClr val="dk1"/>
-          </a:fillRef>
-          <a:effectRef idx="0">
-            <a:schemeClr val="dk1"/>
-          </a:effectRef>
-          <a:fontRef idx="minor">
-            <a:schemeClr val="tx1"/>
-          </a:fontRef>
-        </p:style>
-      </p:cxnSp>
-      <p:cxnSp>
-        <p:nvCxnSpPr>
-          <p:cNvPr id="26" name="Съединител &quot;права стрелка&quot; 25">
-            <a:extLst>
-              <a:ext uri="{FF2B5EF4-FFF2-40B4-BE49-F238E27FC236}">
-                <a16:creationId xmlns:a16="http://schemas.microsoft.com/office/drawing/2014/main" id="{8598BB49-63BD-49E4-8034-F31306A7B6DD}"/>
-              </a:ext>
-            </a:extLst>
-          </p:cNvPr>
-          <p:cNvCxnSpPr/>
-          <p:nvPr/>
-        </p:nvCxnSpPr>
-        <p:spPr>
-          <a:xfrm flipH="1">
-            <a:off x="1722802" y="5256056"/>
-            <a:ext cx="472253" cy="322134"/>
-          </a:xfrm>
-          <a:prstGeom prst="straightConnector1">
-            <a:avLst/>
-          </a:prstGeom>
-          <a:ln>
-            <a:tailEnd type="triangle"/>
-          </a:ln>
-        </p:spPr>
-        <p:style>
-          <a:lnRef idx="1">
-            <a:schemeClr val="dk1"/>
-          </a:lnRef>
-          <a:fillRef idx="0">
-            <a:schemeClr val="dk1"/>
-          </a:fillRef>
-          <a:effectRef idx="0">
-            <a:schemeClr val="dk1"/>
-          </a:effectRef>
-          <a:fontRef idx="minor">
-            <a:schemeClr val="tx1"/>
-          </a:fontRef>
-        </p:style>
-      </p:cxnSp>
-      <p:sp>
-        <p:nvSpPr>
-          <p:cNvPr id="27" name="Текстово поле 26">
-            <a:extLst>
-              <a:ext uri="{FF2B5EF4-FFF2-40B4-BE49-F238E27FC236}">
-                <a16:creationId xmlns:a16="http://schemas.microsoft.com/office/drawing/2014/main" id="{41741B2D-73D4-4DF0-8C7A-52EC242E390E}"/>
-              </a:ext>
-            </a:extLst>
-          </p:cNvPr>
-          <p:cNvSpPr txBox="1"/>
-          <p:nvPr/>
-        </p:nvSpPr>
-        <p:spPr>
-          <a:xfrm>
-            <a:off x="8003357" y="4386844"/>
-            <a:ext cx="1190919" cy="369332"/>
-          </a:xfrm>
-          <a:prstGeom prst="rect">
-            <a:avLst/>
-          </a:prstGeom>
-          <a:noFill/>
-        </p:spPr>
-        <p:txBody>
-          <a:bodyPr wrap="square" rtlCol="0">
-            <a:spAutoFit/>
-          </a:bodyPr>
-          <a:lstStyle/>
-          <a:p>
-            <a:r>
-              <a:rPr lang="en-US" dirty="0"/>
-              <a:t>session</a:t>
-            </a:r>
-            <a:endParaRPr lang="bg-BG" dirty="0"/>
-          </a:p>
-        </p:txBody>
-      </p:sp>
-      <p:sp>
-        <p:nvSpPr>
-          <p:cNvPr id="28" name="Текстово поле 27">
-            <a:extLst>
-              <a:ext uri="{FF2B5EF4-FFF2-40B4-BE49-F238E27FC236}">
-                <a16:creationId xmlns:a16="http://schemas.microsoft.com/office/drawing/2014/main" id="{0F863635-A51B-41DA-8731-7C47B2E0423D}"/>
-              </a:ext>
-            </a:extLst>
-          </p:cNvPr>
-          <p:cNvSpPr txBox="1"/>
-          <p:nvPr/>
-        </p:nvSpPr>
-        <p:spPr>
-          <a:xfrm>
-            <a:off x="6347696" y="4109391"/>
-            <a:ext cx="1065229" cy="338554"/>
-          </a:xfrm>
-          <a:prstGeom prst="rect">
-            <a:avLst/>
-          </a:prstGeom>
-          <a:noFill/>
-        </p:spPr>
-        <p:txBody>
-          <a:bodyPr wrap="square" rtlCol="0">
-            <a:spAutoFit/>
-          </a:bodyPr>
-          <a:lstStyle/>
-          <a:p>
-            <a:r>
-              <a:rPr lang="en-US" sz="1600" dirty="0"/>
-              <a:t>client</a:t>
-            </a:r>
-            <a:endParaRPr lang="bg-BG" sz="1600" dirty="0"/>
-          </a:p>
-        </p:txBody>
-      </p:sp>
-      <p:sp>
-        <p:nvSpPr>
-          <p:cNvPr id="29" name="Текстово поле 28">
-            <a:extLst>
-              <a:ext uri="{FF2B5EF4-FFF2-40B4-BE49-F238E27FC236}">
-                <a16:creationId xmlns:a16="http://schemas.microsoft.com/office/drawing/2014/main" id="{429B3F93-D47D-4C99-984F-41D5D98893F0}"/>
-              </a:ext>
-            </a:extLst>
-          </p:cNvPr>
-          <p:cNvSpPr txBox="1"/>
-          <p:nvPr/>
-        </p:nvSpPr>
-        <p:spPr>
-          <a:xfrm>
-            <a:off x="10105930" y="3924725"/>
-            <a:ext cx="947191" cy="338554"/>
-          </a:xfrm>
-          <a:prstGeom prst="rect">
-            <a:avLst/>
-          </a:prstGeom>
-          <a:noFill/>
-        </p:spPr>
-        <p:txBody>
-          <a:bodyPr wrap="square" rtlCol="0">
-            <a:spAutoFit/>
-          </a:bodyPr>
-          <a:lstStyle/>
-          <a:p>
-            <a:r>
-              <a:rPr lang="en-US" sz="1600" dirty="0"/>
-              <a:t>server</a:t>
-            </a:r>
-            <a:endParaRPr lang="bg-BG" sz="1600" dirty="0"/>
-          </a:p>
-        </p:txBody>
-      </p:sp>
-      <p:sp>
-        <p:nvSpPr>
-          <p:cNvPr id="30" name="Текстово поле 29">
-            <a:extLst>
-              <a:ext uri="{FF2B5EF4-FFF2-40B4-BE49-F238E27FC236}">
-                <a16:creationId xmlns:a16="http://schemas.microsoft.com/office/drawing/2014/main" id="{EB12CCFA-4AE6-4F1C-9EC2-633550A20D1F}"/>
-              </a:ext>
-            </a:extLst>
-          </p:cNvPr>
-          <p:cNvSpPr txBox="1"/>
-          <p:nvPr/>
-        </p:nvSpPr>
-        <p:spPr>
-          <a:xfrm>
-            <a:off x="2205806" y="4240430"/>
-            <a:ext cx="947191" cy="338554"/>
-          </a:xfrm>
-          <a:prstGeom prst="rect">
-            <a:avLst/>
-          </a:prstGeom>
-          <a:noFill/>
-        </p:spPr>
-        <p:txBody>
-          <a:bodyPr wrap="square" rtlCol="0">
-            <a:spAutoFit/>
-          </a:bodyPr>
-          <a:lstStyle/>
-          <a:p>
-            <a:r>
-              <a:rPr lang="en-US" sz="1600" dirty="0"/>
-              <a:t>server</a:t>
-            </a:r>
-            <a:endParaRPr lang="bg-BG" sz="1600" dirty="0"/>
-          </a:p>
-        </p:txBody>
-      </p:sp>
-      <p:sp>
-        <p:nvSpPr>
-          <p:cNvPr id="31" name="Текстово поле 30">
-            <a:extLst>
-              <a:ext uri="{FF2B5EF4-FFF2-40B4-BE49-F238E27FC236}">
-                <a16:creationId xmlns:a16="http://schemas.microsoft.com/office/drawing/2014/main" id="{2419B365-D004-4DF4-889F-62FA790A727A}"/>
-              </a:ext>
-            </a:extLst>
-          </p:cNvPr>
-          <p:cNvSpPr txBox="1"/>
-          <p:nvPr/>
-        </p:nvSpPr>
-        <p:spPr>
-          <a:xfrm>
-            <a:off x="3410701" y="3279997"/>
-            <a:ext cx="1065229" cy="338554"/>
-          </a:xfrm>
-          <a:prstGeom prst="rect">
-            <a:avLst/>
-          </a:prstGeom>
-          <a:noFill/>
-        </p:spPr>
-        <p:txBody>
-          <a:bodyPr wrap="square" rtlCol="0">
-            <a:spAutoFit/>
-          </a:bodyPr>
-          <a:lstStyle/>
-          <a:p>
-            <a:r>
-              <a:rPr lang="en-US" sz="1600" dirty="0"/>
-              <a:t>client</a:t>
-            </a:r>
-            <a:endParaRPr lang="bg-BG" sz="1600" dirty="0"/>
-          </a:p>
-        </p:txBody>
-      </p:sp>
-      <p:sp>
-        <p:nvSpPr>
-          <p:cNvPr id="32" name="Текстово поле 31">
-            <a:extLst>
-              <a:ext uri="{FF2B5EF4-FFF2-40B4-BE49-F238E27FC236}">
-                <a16:creationId xmlns:a16="http://schemas.microsoft.com/office/drawing/2014/main" id="{0AD50565-C278-4C6E-B2FB-F014B0F6E1F1}"/>
-              </a:ext>
-            </a:extLst>
-          </p:cNvPr>
-          <p:cNvSpPr txBox="1"/>
-          <p:nvPr/>
-        </p:nvSpPr>
-        <p:spPr>
-          <a:xfrm>
-            <a:off x="3570079" y="5092742"/>
-            <a:ext cx="1065229" cy="338554"/>
-          </a:xfrm>
-          <a:prstGeom prst="rect">
-            <a:avLst/>
-          </a:prstGeom>
-          <a:noFill/>
-        </p:spPr>
-        <p:txBody>
-          <a:bodyPr wrap="square" rtlCol="0">
-            <a:spAutoFit/>
-          </a:bodyPr>
-          <a:lstStyle/>
-          <a:p>
-            <a:r>
-              <a:rPr lang="en-US" sz="1600" dirty="0"/>
-              <a:t>client</a:t>
-            </a:r>
-            <a:endParaRPr lang="bg-BG" sz="1600" dirty="0"/>
-          </a:p>
-        </p:txBody>
-      </p:sp>
-      <p:sp>
-        <p:nvSpPr>
-          <p:cNvPr id="33" name="Текстово поле 32">
-            <a:extLst>
-              <a:ext uri="{FF2B5EF4-FFF2-40B4-BE49-F238E27FC236}">
-                <a16:creationId xmlns:a16="http://schemas.microsoft.com/office/drawing/2014/main" id="{7167A7A3-4E83-4DF5-A1A9-2CD965B0A9FF}"/>
-              </a:ext>
-            </a:extLst>
-          </p:cNvPr>
-          <p:cNvSpPr txBox="1"/>
-          <p:nvPr/>
-        </p:nvSpPr>
-        <p:spPr>
-          <a:xfrm>
-            <a:off x="955041" y="5058467"/>
-            <a:ext cx="1065229" cy="338554"/>
-          </a:xfrm>
-          <a:prstGeom prst="rect">
-            <a:avLst/>
-          </a:prstGeom>
-          <a:noFill/>
-        </p:spPr>
-        <p:txBody>
-          <a:bodyPr wrap="square" rtlCol="0">
-            <a:spAutoFit/>
-          </a:bodyPr>
-          <a:lstStyle/>
-          <a:p>
-            <a:r>
-              <a:rPr lang="en-US" sz="1600" dirty="0"/>
-              <a:t>client</a:t>
-            </a:r>
-            <a:endParaRPr lang="bg-BG" sz="1600" dirty="0"/>
-          </a:p>
-        </p:txBody>
-      </p:sp>
-      <p:sp>
-        <p:nvSpPr>
-          <p:cNvPr id="34" name="Текстово поле 33">
-            <a:extLst>
-              <a:ext uri="{FF2B5EF4-FFF2-40B4-BE49-F238E27FC236}">
-                <a16:creationId xmlns:a16="http://schemas.microsoft.com/office/drawing/2014/main" id="{B8098005-FFA9-41C4-BC2D-A8CF6587BB49}"/>
-              </a:ext>
-            </a:extLst>
-          </p:cNvPr>
-          <p:cNvSpPr txBox="1"/>
-          <p:nvPr/>
-        </p:nvSpPr>
-        <p:spPr>
-          <a:xfrm>
-            <a:off x="1028018" y="3334256"/>
-            <a:ext cx="1065229" cy="338554"/>
-          </a:xfrm>
-          <a:prstGeom prst="rect">
-            <a:avLst/>
-          </a:prstGeom>
-          <a:noFill/>
-        </p:spPr>
-        <p:txBody>
-          <a:bodyPr wrap="square" rtlCol="0">
-            <a:spAutoFit/>
-          </a:bodyPr>
-          <a:lstStyle/>
-          <a:p>
-            <a:r>
-              <a:rPr lang="en-US" sz="1600" dirty="0"/>
-              <a:t>client</a:t>
-            </a:r>
-            <a:endParaRPr lang="bg-BG" sz="1600" dirty="0"/>
-          </a:p>
-        </p:txBody>
-      </p:sp>
-      <p:pic>
-        <p:nvPicPr>
-          <p:cNvPr id="36" name="Picture 35"/>
-          <p:cNvPicPr>
-            <a:picLocks noChangeAspect="1"/>
-          </p:cNvPicPr>
-          <p:nvPr/>
-        </p:nvPicPr>
-        <p:blipFill>
-          <a:blip r:embed="rId3">
-            <a:extLst>
-              <a:ext uri="{28A0092B-C50C-407E-A947-70E740481C1C}">
-                <a14:useLocalDpi xmlns:a14="http://schemas.microsoft.com/office/drawing/2010/main" val="0"/>
-              </a:ext>
-            </a:extLst>
-          </a:blip>
-          <a:stretch>
-            <a:fillRect/>
-          </a:stretch>
-        </p:blipFill>
-        <p:spPr>
-          <a:xfrm>
-            <a:off x="2156397" y="4609241"/>
-            <a:ext cx="801737" cy="777122"/>
-          </a:xfrm>
-          <a:prstGeom prst="rect">
-            <a:avLst/>
-          </a:prstGeom>
-        </p:spPr>
-      </p:pic>
-      <p:pic>
-        <p:nvPicPr>
-          <p:cNvPr id="38" name="Picture 37"/>
-          <p:cNvPicPr>
-            <a:picLocks noChangeAspect="1"/>
-          </p:cNvPicPr>
-          <p:nvPr/>
-        </p:nvPicPr>
-        <p:blipFill>
-          <a:blip r:embed="rId3">
-            <a:extLst>
-              <a:ext uri="{28A0092B-C50C-407E-A947-70E740481C1C}">
-                <a14:useLocalDpi xmlns:a14="http://schemas.microsoft.com/office/drawing/2010/main" val="0"/>
-              </a:ext>
-            </a:extLst>
-          </a:blip>
-          <a:stretch>
-            <a:fillRect/>
-          </a:stretch>
-        </p:blipFill>
-        <p:spPr>
-          <a:xfrm>
-            <a:off x="10105930" y="4386844"/>
-            <a:ext cx="801737" cy="777122"/>
-          </a:xfrm>
-          <a:prstGeom prst="rect">
-            <a:avLst/>
-          </a:prstGeom>
+          <a:effectLst>
+            <a:reflection blurRad="12700" stA="33000" endPos="28000" dist="5000" dir="5400000" sy="-100000" algn="bl" rotWithShape="0"/>
+          </a:effectLst>
+          <a:scene3d>
+            <a:camera prst="orthographicFront"/>
+            <a:lightRig rig="threePt" dir="t">
+              <a:rot lat="0" lon="0" rev="2700000"/>
+            </a:lightRig>
+          </a:scene3d>
+          <a:sp3d contourW="6350">
+            <a:bevelT h="38100"/>
+            <a:contourClr>
+              <a:srgbClr val="C0C0C0"/>
+            </a:contourClr>
+          </a:sp3d>
         </p:spPr>
       </p:pic>
     </p:spTree>
     <p:extLst>
       <p:ext uri="{BB962C8B-B14F-4D97-AF65-F5344CB8AC3E}">
-        <p14:creationId xmlns:p14="http://schemas.microsoft.com/office/powerpoint/2010/main" val="1519907125"/>
+        <p14:creationId xmlns:p14="http://schemas.microsoft.com/office/powerpoint/2010/main" val="1220923656"/>
       </p:ext>
     </p:extLst>
   </p:cSld>
   <p:clrMapOvr>
     <a:masterClrMapping/>
   </p:clrMapOvr>
-  <p:timing>
-    <p:tnLst>
-      <p:par>
-        <p:cTn id="1" dur="indefinite" restart="never" nodeType="tmRoot"/>
-      </p:par>
-    </p:tnLst>
-  </p:timing>
 </p:sld>
 </file>
 

--- a/OPC UA and Industry 4.0.pptx
+++ b/OPC UA and Industry 4.0.pptx
@@ -464,7 +464,7 @@
           <a:p>
             <a:fld id="{4DE82A70-5764-42AD-AA4E-C5FC14A955B5}" type="datetimeFigureOut">
               <a:rPr lang="bg-BG" smtClean="0"/>
-              <a:t>22.11.2021 г.</a:t>
+              <a:t>23.11.2021 г.</a:t>
             </a:fld>
             <a:endParaRPr lang="bg-BG"/>
           </a:p>
@@ -1552,7 +1552,7 @@
           <a:p>
             <a:fld id="{4DE82A70-5764-42AD-AA4E-C5FC14A955B5}" type="datetimeFigureOut">
               <a:rPr lang="bg-BG" smtClean="0"/>
-              <a:t>22.11.2021 г.</a:t>
+              <a:t>23.11.2021 г.</a:t>
             </a:fld>
             <a:endParaRPr lang="bg-BG"/>
           </a:p>
@@ -2532,7 +2532,7 @@
           <a:p>
             <a:fld id="{4DE82A70-5764-42AD-AA4E-C5FC14A955B5}" type="datetimeFigureOut">
               <a:rPr lang="bg-BG" smtClean="0"/>
-              <a:t>22.11.2021 г.</a:t>
+              <a:t>23.11.2021 г.</a:t>
             </a:fld>
             <a:endParaRPr lang="bg-BG"/>
           </a:p>
@@ -3666,7 +3666,7 @@
           <a:p>
             <a:fld id="{4DE82A70-5764-42AD-AA4E-C5FC14A955B5}" type="datetimeFigureOut">
               <a:rPr lang="bg-BG" smtClean="0"/>
-              <a:t>22.11.2021 г.</a:t>
+              <a:t>23.11.2021 г.</a:t>
             </a:fld>
             <a:endParaRPr lang="bg-BG"/>
           </a:p>
@@ -4699,7 +4699,7 @@
           <a:p>
             <a:fld id="{4DE82A70-5764-42AD-AA4E-C5FC14A955B5}" type="datetimeFigureOut">
               <a:rPr lang="bg-BG" smtClean="0"/>
-              <a:t>22.11.2021 г.</a:t>
+              <a:t>23.11.2021 г.</a:t>
             </a:fld>
             <a:endParaRPr lang="bg-BG"/>
           </a:p>
@@ -5359,7 +5359,7 @@
           <a:p>
             <a:fld id="{4DE82A70-5764-42AD-AA4E-C5FC14A955B5}" type="datetimeFigureOut">
               <a:rPr lang="bg-BG" smtClean="0"/>
-              <a:t>22.11.2021 г.</a:t>
+              <a:t>23.11.2021 г.</a:t>
             </a:fld>
             <a:endParaRPr lang="bg-BG"/>
           </a:p>
@@ -6220,7 +6220,7 @@
           <a:p>
             <a:fld id="{4DE82A70-5764-42AD-AA4E-C5FC14A955B5}" type="datetimeFigureOut">
               <a:rPr lang="bg-BG" smtClean="0"/>
-              <a:t>22.11.2021 г.</a:t>
+              <a:t>23.11.2021 г.</a:t>
             </a:fld>
             <a:endParaRPr lang="bg-BG"/>
           </a:p>
@@ -6410,7 +6410,7 @@
           <a:p>
             <a:fld id="{4DE82A70-5764-42AD-AA4E-C5FC14A955B5}" type="datetimeFigureOut">
               <a:rPr lang="bg-BG" smtClean="0"/>
-              <a:t>22.11.2021 г.</a:t>
+              <a:t>23.11.2021 г.</a:t>
             </a:fld>
             <a:endParaRPr lang="bg-BG"/>
           </a:p>
@@ -7382,7 +7382,7 @@
           <a:p>
             <a:fld id="{4DE82A70-5764-42AD-AA4E-C5FC14A955B5}" type="datetimeFigureOut">
               <a:rPr lang="bg-BG" smtClean="0"/>
-              <a:t>22.11.2021 г.</a:t>
+              <a:t>23.11.2021 г.</a:t>
             </a:fld>
             <a:endParaRPr lang="bg-BG"/>
           </a:p>
@@ -7593,7 +7593,7 @@
           <a:p>
             <a:fld id="{4DE82A70-5764-42AD-AA4E-C5FC14A955B5}" type="datetimeFigureOut">
               <a:rPr lang="bg-BG" smtClean="0"/>
-              <a:t>22.11.2021 г.</a:t>
+              <a:t>23.11.2021 г.</a:t>
             </a:fld>
             <a:endParaRPr lang="bg-BG"/>
           </a:p>
@@ -8627,7 +8627,7 @@
           <a:p>
             <a:fld id="{4DE82A70-5764-42AD-AA4E-C5FC14A955B5}" type="datetimeFigureOut">
               <a:rPr lang="bg-BG" smtClean="0"/>
-              <a:t>22.11.2021 г.</a:t>
+              <a:t>23.11.2021 г.</a:t>
             </a:fld>
             <a:endParaRPr lang="bg-BG"/>
           </a:p>
@@ -8899,7 +8899,7 @@
           <a:p>
             <a:fld id="{4DE82A70-5764-42AD-AA4E-C5FC14A955B5}" type="datetimeFigureOut">
               <a:rPr lang="bg-BG" smtClean="0"/>
-              <a:t>22.11.2021 г.</a:t>
+              <a:t>23.11.2021 г.</a:t>
             </a:fld>
             <a:endParaRPr lang="bg-BG"/>
           </a:p>
@@ -9309,7 +9309,7 @@
           <a:p>
             <a:fld id="{4DE82A70-5764-42AD-AA4E-C5FC14A955B5}" type="datetimeFigureOut">
               <a:rPr lang="bg-BG" smtClean="0"/>
-              <a:t>22.11.2021 г.</a:t>
+              <a:t>23.11.2021 г.</a:t>
             </a:fld>
             <a:endParaRPr lang="bg-BG"/>
           </a:p>
@@ -9436,7 +9436,7 @@
           <a:p>
             <a:fld id="{4DE82A70-5764-42AD-AA4E-C5FC14A955B5}" type="datetimeFigureOut">
               <a:rPr lang="bg-BG" smtClean="0"/>
-              <a:t>22.11.2021 г.</a:t>
+              <a:t>23.11.2021 г.</a:t>
             </a:fld>
             <a:endParaRPr lang="bg-BG"/>
           </a:p>
@@ -9531,7 +9531,7 @@
           <a:p>
             <a:fld id="{4DE82A70-5764-42AD-AA4E-C5FC14A955B5}" type="datetimeFigureOut">
               <a:rPr lang="bg-BG" smtClean="0"/>
-              <a:t>22.11.2021 г.</a:t>
+              <a:t>23.11.2021 г.</a:t>
             </a:fld>
             <a:endParaRPr lang="bg-BG"/>
           </a:p>
@@ -10612,7 +10612,7 @@
           <a:p>
             <a:fld id="{4DE82A70-5764-42AD-AA4E-C5FC14A955B5}" type="datetimeFigureOut">
               <a:rPr lang="bg-BG" smtClean="0"/>
-              <a:t>22.11.2021 г.</a:t>
+              <a:t>23.11.2021 г.</a:t>
             </a:fld>
             <a:endParaRPr lang="bg-BG"/>
           </a:p>
@@ -11720,7 +11720,7 @@
           <a:p>
             <a:fld id="{4DE82A70-5764-42AD-AA4E-C5FC14A955B5}" type="datetimeFigureOut">
               <a:rPr lang="bg-BG" smtClean="0"/>
-              <a:t>22.11.2021 г.</a:t>
+              <a:t>23.11.2021 г.</a:t>
             </a:fld>
             <a:endParaRPr lang="bg-BG"/>
           </a:p>
@@ -12717,7 +12717,7 @@
           <a:p>
             <a:fld id="{4DE82A70-5764-42AD-AA4E-C5FC14A955B5}" type="datetimeFigureOut">
               <a:rPr lang="bg-BG" smtClean="0"/>
-              <a:t>22.11.2021 г.</a:t>
+              <a:t>23.11.2021 г.</a:t>
             </a:fld>
             <a:endParaRPr lang="bg-BG"/>
           </a:p>
@@ -17038,7 +17038,7 @@
                 <a:latin typeface="Arial" panose="020B0604020202020204" pitchFamily="34" charset="0"/>
                 <a:cs typeface="Arial" panose="020B0604020202020204" pitchFamily="34" charset="0"/>
               </a:rPr>
-              <a:t>read/write data</a:t>
+              <a:t>write data</a:t>
             </a:r>
             <a:endParaRPr lang="bg-BG" sz="1400" dirty="0">
               <a:latin typeface="Arial" panose="020B0604020202020204" pitchFamily="34" charset="0"/>
@@ -17064,47 +17064,6 @@
         <p:spPr>
           <a:xfrm flipH="1">
             <a:off x="5018090" y="4605437"/>
-            <a:ext cx="1535416" cy="3430"/>
-          </a:xfrm>
-          <a:prstGeom prst="straightConnector1">
-            <a:avLst/>
-          </a:prstGeom>
-          <a:ln>
-            <a:tailEnd type="triangle"/>
-          </a:ln>
-        </p:spPr>
-        <p:style>
-          <a:lnRef idx="1">
-            <a:schemeClr val="dk1"/>
-          </a:lnRef>
-          <a:fillRef idx="0">
-            <a:schemeClr val="dk1"/>
-          </a:fillRef>
-          <a:effectRef idx="0">
-            <a:schemeClr val="dk1"/>
-          </a:effectRef>
-          <a:fontRef idx="minor">
-            <a:schemeClr val="tx1"/>
-          </a:fontRef>
-        </p:style>
-      </p:cxnSp>
-      <p:cxnSp>
-        <p:nvCxnSpPr>
-          <p:cNvPr id="33" name="Съединител &quot;права стрелка&quot; 10">
-            <a:extLst>
-              <a:ext uri="{FF2B5EF4-FFF2-40B4-BE49-F238E27FC236}">
-                <a16:creationId xmlns:a16="http://schemas.microsoft.com/office/drawing/2014/main" id="{7928FC36-829C-421E-9AB1-B7301E06C832}"/>
-              </a:ext>
-            </a:extLst>
-          </p:cNvPr>
-          <p:cNvCxnSpPr>
-            <a:cxnSpLocks/>
-          </p:cNvCxnSpPr>
-          <p:nvPr/>
-        </p:nvCxnSpPr>
-        <p:spPr>
-          <a:xfrm flipH="1">
-            <a:off x="7739954" y="4706978"/>
             <a:ext cx="1535416" cy="3430"/>
           </a:xfrm>
           <a:prstGeom prst="straightConnector1">
@@ -17763,11 +17722,53 @@
         </p:blipFill>
         <p:spPr>
           <a:xfrm>
-            <a:off x="5530391" y="1919947"/>
-            <a:ext cx="5534754" cy="3018105"/>
+            <a:off x="5518136" y="2981659"/>
+            <a:ext cx="5534754" cy="2895599"/>
           </a:xfrm>
         </p:spPr>
       </p:pic>
+      <p:sp>
+        <p:nvSpPr>
+          <p:cNvPr id="3" name="Текстово поле 2">
+            <a:extLst>
+              <a:ext uri="{FF2B5EF4-FFF2-40B4-BE49-F238E27FC236}">
+                <a16:creationId xmlns:a16="http://schemas.microsoft.com/office/drawing/2014/main" id="{BD6A7086-23D2-4B0F-9E04-7D004D9BB514}"/>
+              </a:ext>
+            </a:extLst>
+          </p:cNvPr>
+          <p:cNvSpPr txBox="1"/>
+          <p:nvPr/>
+        </p:nvSpPr>
+        <p:spPr>
+          <a:xfrm>
+            <a:off x="5357879" y="1904441"/>
+            <a:ext cx="6151418" cy="1077218"/>
+          </a:xfrm>
+          <a:prstGeom prst="rect">
+            <a:avLst/>
+          </a:prstGeom>
+          <a:noFill/>
+        </p:spPr>
+        <p:txBody>
+          <a:bodyPr wrap="square" rtlCol="0">
+            <a:spAutoFit/>
+          </a:bodyPr>
+          <a:lstStyle/>
+          <a:p>
+            <a:r>
+              <a:rPr lang="en-US" sz="3200" dirty="0">
+                <a:latin typeface="Arial" panose="020B0604020202020204" pitchFamily="34" charset="0"/>
+                <a:cs typeface="Arial" panose="020B0604020202020204" pitchFamily="34" charset="0"/>
+              </a:rPr>
+              <a:t>Open Platform Communications Unified Architecture</a:t>
+            </a:r>
+            <a:endParaRPr lang="bg-BG" sz="3200" dirty="0">
+              <a:latin typeface="Arial" panose="020B0604020202020204" pitchFamily="34" charset="0"/>
+              <a:cs typeface="Arial" panose="020B0604020202020204" pitchFamily="34" charset="0"/>
+            </a:endParaRPr>
+          </a:p>
+        </p:txBody>
+      </p:sp>
     </p:spTree>
     <p:extLst>
       <p:ext uri="{BB962C8B-B14F-4D97-AF65-F5344CB8AC3E}">
@@ -17868,7 +17869,7 @@
         </p:blipFill>
         <p:spPr>
           <a:xfrm>
-            <a:off x="6143230" y="2450942"/>
+            <a:off x="5860426" y="2086465"/>
             <a:ext cx="1714091" cy="1479359"/>
           </a:xfrm>
         </p:spPr>
@@ -17954,7 +17955,7 @@
                 <a:latin typeface="Arial" panose="020B0604020202020204" pitchFamily="34" charset="0"/>
                 <a:cs typeface="Arial" panose="020B0604020202020204" pitchFamily="34" charset="0"/>
               </a:rPr>
-              <a:t>It works only on Windows machines and has no so rich features like OPC UA.</a:t>
+              <a:t>It works only on Windows machines and has not so rich features like OPC UA.</a:t>
             </a:r>
           </a:p>
         </p:txBody>
@@ -17987,8 +17988,8 @@
         </p:blipFill>
         <p:spPr>
           <a:xfrm>
-            <a:off x="6143230" y="4137991"/>
-            <a:ext cx="4837319" cy="2083904"/>
+            <a:off x="5767343" y="3976060"/>
+            <a:ext cx="5213206" cy="2245835"/>
           </a:xfrm>
           <a:prstGeom prst="rect">
             <a:avLst/>
@@ -18023,7 +18024,7 @@
         </p:blipFill>
         <p:spPr>
           <a:xfrm>
-            <a:off x="8575860" y="1425019"/>
+            <a:off x="8481592" y="1239080"/>
             <a:ext cx="2890698" cy="2551041"/>
           </a:xfrm>
           <a:prstGeom prst="rect">
@@ -18217,7 +18218,7 @@
                 <a:latin typeface="Arial" panose="020B0604020202020204" pitchFamily="34" charset="0"/>
                 <a:cs typeface="Arial" panose="020B0604020202020204" pitchFamily="34" charset="0"/>
               </a:rPr>
-              <a:t>It is platform independent but not only for Windows.</a:t>
+              <a:t>It is platform independent and not only for Windows.</a:t>
             </a:r>
           </a:p>
           <a:p>
@@ -19376,8 +19377,8 @@
         </p:blipFill>
         <p:spPr>
           <a:xfrm>
-            <a:off x="5483500" y="2024406"/>
-            <a:ext cx="5922539" cy="3331428"/>
+            <a:off x="5031014" y="1757617"/>
+            <a:ext cx="6827906" cy="3840697"/>
           </a:xfrm>
         </p:spPr>
       </p:pic>

--- a/OPC UA and Industry 4.0.pptx
+++ b/OPC UA and Industry 4.0.pptx
@@ -18,11 +18,13 @@
     <p:sldId id="263" r:id="rId12"/>
     <p:sldId id="264" r:id="rId13"/>
     <p:sldId id="265" r:id="rId14"/>
-    <p:sldId id="266" r:id="rId15"/>
-    <p:sldId id="267" r:id="rId16"/>
-    <p:sldId id="270" r:id="rId17"/>
-    <p:sldId id="268" r:id="rId18"/>
-    <p:sldId id="273" r:id="rId19"/>
+    <p:sldId id="275" r:id="rId15"/>
+    <p:sldId id="266" r:id="rId16"/>
+    <p:sldId id="274" r:id="rId17"/>
+    <p:sldId id="267" r:id="rId18"/>
+    <p:sldId id="270" r:id="rId19"/>
+    <p:sldId id="268" r:id="rId20"/>
+    <p:sldId id="273" r:id="rId21"/>
   </p:sldIdLst>
   <p:sldSz cx="12192000" cy="6858000"/>
   <p:notesSz cx="6858000" cy="9144000"/>
@@ -464,7 +466,7 @@
           <a:p>
             <a:fld id="{4DE82A70-5764-42AD-AA4E-C5FC14A955B5}" type="datetimeFigureOut">
               <a:rPr lang="bg-BG" smtClean="0"/>
-              <a:t>23.11.2021 г.</a:t>
+              <a:t>24.11.2021 г.</a:t>
             </a:fld>
             <a:endParaRPr lang="bg-BG"/>
           </a:p>
@@ -1552,7 +1554,7 @@
           <a:p>
             <a:fld id="{4DE82A70-5764-42AD-AA4E-C5FC14A955B5}" type="datetimeFigureOut">
               <a:rPr lang="bg-BG" smtClean="0"/>
-              <a:t>23.11.2021 г.</a:t>
+              <a:t>24.11.2021 г.</a:t>
             </a:fld>
             <a:endParaRPr lang="bg-BG"/>
           </a:p>
@@ -2532,7 +2534,7 @@
           <a:p>
             <a:fld id="{4DE82A70-5764-42AD-AA4E-C5FC14A955B5}" type="datetimeFigureOut">
               <a:rPr lang="bg-BG" smtClean="0"/>
-              <a:t>23.11.2021 г.</a:t>
+              <a:t>24.11.2021 г.</a:t>
             </a:fld>
             <a:endParaRPr lang="bg-BG"/>
           </a:p>
@@ -3666,7 +3668,7 @@
           <a:p>
             <a:fld id="{4DE82A70-5764-42AD-AA4E-C5FC14A955B5}" type="datetimeFigureOut">
               <a:rPr lang="bg-BG" smtClean="0"/>
-              <a:t>23.11.2021 г.</a:t>
+              <a:t>24.11.2021 г.</a:t>
             </a:fld>
             <a:endParaRPr lang="bg-BG"/>
           </a:p>
@@ -4699,7 +4701,7 @@
           <a:p>
             <a:fld id="{4DE82A70-5764-42AD-AA4E-C5FC14A955B5}" type="datetimeFigureOut">
               <a:rPr lang="bg-BG" smtClean="0"/>
-              <a:t>23.11.2021 г.</a:t>
+              <a:t>24.11.2021 г.</a:t>
             </a:fld>
             <a:endParaRPr lang="bg-BG"/>
           </a:p>
@@ -5359,7 +5361,7 @@
           <a:p>
             <a:fld id="{4DE82A70-5764-42AD-AA4E-C5FC14A955B5}" type="datetimeFigureOut">
               <a:rPr lang="bg-BG" smtClean="0"/>
-              <a:t>23.11.2021 г.</a:t>
+              <a:t>24.11.2021 г.</a:t>
             </a:fld>
             <a:endParaRPr lang="bg-BG"/>
           </a:p>
@@ -6220,7 +6222,7 @@
           <a:p>
             <a:fld id="{4DE82A70-5764-42AD-AA4E-C5FC14A955B5}" type="datetimeFigureOut">
               <a:rPr lang="bg-BG" smtClean="0"/>
-              <a:t>23.11.2021 г.</a:t>
+              <a:t>24.11.2021 г.</a:t>
             </a:fld>
             <a:endParaRPr lang="bg-BG"/>
           </a:p>
@@ -6410,7 +6412,7 @@
           <a:p>
             <a:fld id="{4DE82A70-5764-42AD-AA4E-C5FC14A955B5}" type="datetimeFigureOut">
               <a:rPr lang="bg-BG" smtClean="0"/>
-              <a:t>23.11.2021 г.</a:t>
+              <a:t>24.11.2021 г.</a:t>
             </a:fld>
             <a:endParaRPr lang="bg-BG"/>
           </a:p>
@@ -7382,7 +7384,7 @@
           <a:p>
             <a:fld id="{4DE82A70-5764-42AD-AA4E-C5FC14A955B5}" type="datetimeFigureOut">
               <a:rPr lang="bg-BG" smtClean="0"/>
-              <a:t>23.11.2021 г.</a:t>
+              <a:t>24.11.2021 г.</a:t>
             </a:fld>
             <a:endParaRPr lang="bg-BG"/>
           </a:p>
@@ -7593,7 +7595,7 @@
           <a:p>
             <a:fld id="{4DE82A70-5764-42AD-AA4E-C5FC14A955B5}" type="datetimeFigureOut">
               <a:rPr lang="bg-BG" smtClean="0"/>
-              <a:t>23.11.2021 г.</a:t>
+              <a:t>24.11.2021 г.</a:t>
             </a:fld>
             <a:endParaRPr lang="bg-BG"/>
           </a:p>
@@ -8627,7 +8629,7 @@
           <a:p>
             <a:fld id="{4DE82A70-5764-42AD-AA4E-C5FC14A955B5}" type="datetimeFigureOut">
               <a:rPr lang="bg-BG" smtClean="0"/>
-              <a:t>23.11.2021 г.</a:t>
+              <a:t>24.11.2021 г.</a:t>
             </a:fld>
             <a:endParaRPr lang="bg-BG"/>
           </a:p>
@@ -8899,7 +8901,7 @@
           <a:p>
             <a:fld id="{4DE82A70-5764-42AD-AA4E-C5FC14A955B5}" type="datetimeFigureOut">
               <a:rPr lang="bg-BG" smtClean="0"/>
-              <a:t>23.11.2021 г.</a:t>
+              <a:t>24.11.2021 г.</a:t>
             </a:fld>
             <a:endParaRPr lang="bg-BG"/>
           </a:p>
@@ -9309,7 +9311,7 @@
           <a:p>
             <a:fld id="{4DE82A70-5764-42AD-AA4E-C5FC14A955B5}" type="datetimeFigureOut">
               <a:rPr lang="bg-BG" smtClean="0"/>
-              <a:t>23.11.2021 г.</a:t>
+              <a:t>24.11.2021 г.</a:t>
             </a:fld>
             <a:endParaRPr lang="bg-BG"/>
           </a:p>
@@ -9436,7 +9438,7 @@
           <a:p>
             <a:fld id="{4DE82A70-5764-42AD-AA4E-C5FC14A955B5}" type="datetimeFigureOut">
               <a:rPr lang="bg-BG" smtClean="0"/>
-              <a:t>23.11.2021 г.</a:t>
+              <a:t>24.11.2021 г.</a:t>
             </a:fld>
             <a:endParaRPr lang="bg-BG"/>
           </a:p>
@@ -9531,7 +9533,7 @@
           <a:p>
             <a:fld id="{4DE82A70-5764-42AD-AA4E-C5FC14A955B5}" type="datetimeFigureOut">
               <a:rPr lang="bg-BG" smtClean="0"/>
-              <a:t>23.11.2021 г.</a:t>
+              <a:t>24.11.2021 г.</a:t>
             </a:fld>
             <a:endParaRPr lang="bg-BG"/>
           </a:p>
@@ -10612,7 +10614,7 @@
           <a:p>
             <a:fld id="{4DE82A70-5764-42AD-AA4E-C5FC14A955B5}" type="datetimeFigureOut">
               <a:rPr lang="bg-BG" smtClean="0"/>
-              <a:t>23.11.2021 г.</a:t>
+              <a:t>24.11.2021 г.</a:t>
             </a:fld>
             <a:endParaRPr lang="bg-BG"/>
           </a:p>
@@ -11720,7 +11722,7 @@
           <a:p>
             <a:fld id="{4DE82A70-5764-42AD-AA4E-C5FC14A955B5}" type="datetimeFigureOut">
               <a:rPr lang="bg-BG" smtClean="0"/>
-              <a:t>23.11.2021 г.</a:t>
+              <a:t>24.11.2021 г.</a:t>
             </a:fld>
             <a:endParaRPr lang="bg-BG"/>
           </a:p>
@@ -12717,7 +12719,7 @@
           <a:p>
             <a:fld id="{4DE82A70-5764-42AD-AA4E-C5FC14A955B5}" type="datetimeFigureOut">
               <a:rPr lang="bg-BG" smtClean="0"/>
-              <a:t>23.11.2021 г.</a:t>
+              <a:t>24.11.2021 г.</a:t>
             </a:fld>
             <a:endParaRPr lang="bg-BG"/>
           </a:p>
@@ -13292,7 +13294,7 @@
                 <a16:creationId xmlns:a16="http://schemas.microsoft.com/office/drawing/2014/main" id="{D22D1B95-2B54-43E9-85D9-B489F6C5DD0F}"/>
               </a:ext>
               <a:ext uri="{C183D7F6-B498-43B3-948B-1728B52AA6E4}">
-                <adec:decorative xmlns:adec="http://schemas.microsoft.com/office/drawing/2017/decorative" val="1"/>
+                <adec:decorative xmlns:adec="http://schemas.microsoft.com/office/drawing/2017/decorative" xmlns="" val="1"/>
               </a:ext>
             </a:extLst>
           </p:cNvPr>
@@ -13456,7 +13458,7 @@
                 <a16:creationId xmlns:a16="http://schemas.microsoft.com/office/drawing/2014/main" id="{7D0F3F6D-A49D-4406-8D61-1C4F8D792F04}"/>
               </a:ext>
               <a:ext uri="{C183D7F6-B498-43B3-948B-1728B52AA6E4}">
-                <adec:decorative xmlns:adec="http://schemas.microsoft.com/office/drawing/2017/decorative" val="1"/>
+                <adec:decorative xmlns:adec="http://schemas.microsoft.com/office/drawing/2017/decorative" xmlns="" val="1"/>
               </a:ext>
             </a:extLst>
           </p:cNvPr>
@@ -13657,7 +13659,7 @@
                 <a16:creationId xmlns:a16="http://schemas.microsoft.com/office/drawing/2014/main" id="{D953A318-DA8D-4405-9536-D889E45C5E3E}"/>
               </a:ext>
               <a:ext uri="{C183D7F6-B498-43B3-948B-1728B52AA6E4}">
-                <adec:decorative xmlns:adec="http://schemas.microsoft.com/office/drawing/2017/decorative" val="1"/>
+                <adec:decorative xmlns:adec="http://schemas.microsoft.com/office/drawing/2017/decorative" xmlns="" val="1"/>
               </a:ext>
             </a:extLst>
           </p:cNvPr>
@@ -13736,7 +13738,7 @@
                 <a16:creationId xmlns:a16="http://schemas.microsoft.com/office/drawing/2014/main" id="{9E382A3D-2F90-475C-8DF2-F666FEA3425B}"/>
               </a:ext>
               <a:ext uri="{C183D7F6-B498-43B3-948B-1728B52AA6E4}">
-                <adec:decorative xmlns:adec="http://schemas.microsoft.com/office/drawing/2017/decorative" val="1"/>
+                <adec:decorative xmlns:adec="http://schemas.microsoft.com/office/drawing/2017/decorative" xmlns="" val="1"/>
               </a:ext>
             </a:extLst>
           </p:cNvPr>
@@ -14132,7 +14134,7 @@
         </p:blipFill>
         <p:spPr>
           <a:xfrm>
-            <a:off x="5213960" y="2689103"/>
+            <a:off x="5273615" y="1203824"/>
             <a:ext cx="6211326" cy="2033725"/>
           </a:xfrm>
         </p:spPr>
@@ -14228,6 +14230,60 @@
           </a:p>
         </p:txBody>
       </p:sp>
+      <p:pic>
+        <p:nvPicPr>
+          <p:cNvPr id="3" name="Picture 2"/>
+          <p:cNvPicPr>
+            <a:picLocks noChangeAspect="1"/>
+          </p:cNvPicPr>
+          <p:nvPr/>
+        </p:nvPicPr>
+        <p:blipFill>
+          <a:blip r:embed="rId3">
+            <a:extLst>
+              <a:ext uri="{28A0092B-C50C-407E-A947-70E740481C1C}">
+                <a14:useLocalDpi xmlns:a14="http://schemas.microsoft.com/office/drawing/2010/main" val="0"/>
+              </a:ext>
+            </a:extLst>
+          </a:blip>
+          <a:stretch>
+            <a:fillRect/>
+          </a:stretch>
+        </p:blipFill>
+        <p:spPr>
+          <a:xfrm>
+            <a:off x="5970815" y="3350087"/>
+            <a:ext cx="4316186" cy="2877457"/>
+          </a:xfrm>
+          <a:prstGeom prst="roundRect">
+            <a:avLst>
+              <a:gd name="adj" fmla="val 16667"/>
+            </a:avLst>
+          </a:prstGeom>
+          <a:ln>
+            <a:noFill/>
+          </a:ln>
+          <a:effectLst>
+            <a:outerShdw blurRad="152400" dist="12000" dir="900000" sy="98000" kx="110000" ky="200000" algn="tl" rotWithShape="0">
+              <a:srgbClr val="000000">
+                <a:alpha val="30000"/>
+              </a:srgbClr>
+            </a:outerShdw>
+          </a:effectLst>
+          <a:scene3d>
+            <a:camera prst="perspectiveRelaxed">
+              <a:rot lat="19800000" lon="1200000" rev="20820000"/>
+            </a:camera>
+            <a:lightRig rig="threePt" dir="t"/>
+          </a:scene3d>
+          <a:sp3d contourW="6350" prstMaterial="matte">
+            <a:bevelT w="101600" h="101600"/>
+            <a:contourClr>
+              <a:srgbClr val="969696"/>
+            </a:contourClr>
+          </a:sp3d>
+        </p:spPr>
+      </p:pic>
     </p:spTree>
     <p:extLst>
       <p:ext uri="{BB962C8B-B14F-4D97-AF65-F5344CB8AC3E}">
@@ -14238,6 +14294,13 @@
   <p:clrMapOvr>
     <a:masterClrMapping/>
   </p:clrMapOvr>
+  <p:timing>
+    <p:tnLst>
+      <p:par>
+        <p:cTn id="1" dur="indefinite" restart="never" nodeType="tmRoot"/>
+      </p:par>
+    </p:tnLst>
+  </p:timing>
 </p:sld>
 </file>
 
@@ -15573,6 +15636,160 @@
       </p:grpSpPr>
       <p:sp>
         <p:nvSpPr>
+          <p:cNvPr id="2" name="Title 1"/>
+          <p:cNvSpPr>
+            <a:spLocks noGrp="1"/>
+          </p:cNvSpPr>
+          <p:nvPr>
+            <p:ph type="title"/>
+          </p:nvPr>
+        </p:nvSpPr>
+        <p:spPr>
+          <a:xfrm>
+            <a:off x="957310" y="1578428"/>
+            <a:ext cx="3188445" cy="1012371"/>
+          </a:xfrm>
+        </p:spPr>
+        <p:txBody>
+          <a:bodyPr/>
+          <a:lstStyle/>
+          <a:p>
+            <a:r>
+              <a:rPr lang="en-US" dirty="0" smtClean="0">
+                <a:latin typeface="Arial" panose="020B0604020202020204" pitchFamily="34" charset="0"/>
+                <a:cs typeface="Arial" panose="020B0604020202020204" pitchFamily="34" charset="0"/>
+              </a:rPr>
+              <a:t>OPC Classic to OPC UA communication</a:t>
+            </a:r>
+            <a:endParaRPr lang="en-US" dirty="0">
+              <a:latin typeface="Arial" panose="020B0604020202020204" pitchFamily="34" charset="0"/>
+              <a:cs typeface="Arial" panose="020B0604020202020204" pitchFamily="34" charset="0"/>
+            </a:endParaRPr>
+          </a:p>
+        </p:txBody>
+      </p:sp>
+      <p:pic>
+        <p:nvPicPr>
+          <p:cNvPr id="5" name="Content Placeholder 4"/>
+          <p:cNvPicPr>
+            <a:picLocks noGrp="1" noChangeAspect="1"/>
+          </p:cNvPicPr>
+          <p:nvPr>
+            <p:ph idx="1"/>
+          </p:nvPr>
+        </p:nvPicPr>
+        <p:blipFill>
+          <a:blip r:embed="rId2">
+            <a:extLst>
+              <a:ext uri="{28A0092B-C50C-407E-A947-70E740481C1C}">
+                <a14:useLocalDpi xmlns:a14="http://schemas.microsoft.com/office/drawing/2010/main" val="0"/>
+              </a:ext>
+            </a:extLst>
+          </a:blip>
+          <a:stretch>
+            <a:fillRect/>
+          </a:stretch>
+        </p:blipFill>
+        <p:spPr>
+          <a:xfrm>
+            <a:off x="5980123" y="1578428"/>
+            <a:ext cx="4509614" cy="4572000"/>
+          </a:xfrm>
+        </p:spPr>
+      </p:pic>
+      <p:sp>
+        <p:nvSpPr>
+          <p:cNvPr id="4" name="Text Placeholder 3"/>
+          <p:cNvSpPr>
+            <a:spLocks noGrp="1"/>
+          </p:cNvSpPr>
+          <p:nvPr>
+            <p:ph type="body" sz="half" idx="2"/>
+          </p:nvPr>
+        </p:nvSpPr>
+        <p:spPr>
+          <a:xfrm>
+            <a:off x="1046097" y="2846252"/>
+            <a:ext cx="2793158" cy="2895599"/>
+          </a:xfrm>
+        </p:spPr>
+        <p:txBody>
+          <a:bodyPr>
+            <a:normAutofit/>
+          </a:bodyPr>
+          <a:lstStyle/>
+          <a:p>
+            <a:r>
+              <a:rPr lang="en-US" sz="1600" dirty="0" smtClean="0">
+                <a:solidFill>
+                  <a:schemeClr val="bg1"/>
+                </a:solidFill>
+                <a:latin typeface="Arial" panose="020B0604020202020204" pitchFamily="34" charset="0"/>
+                <a:cs typeface="Arial" panose="020B0604020202020204" pitchFamily="34" charset="0"/>
+              </a:rPr>
+              <a:t>OPC Classic and OPC UA devices/software cannot communicated directly.</a:t>
+            </a:r>
+            <a:endParaRPr lang="en-US" sz="1600" dirty="0">
+              <a:solidFill>
+                <a:schemeClr val="bg1"/>
+              </a:solidFill>
+              <a:latin typeface="Arial" panose="020B0604020202020204" pitchFamily="34" charset="0"/>
+              <a:cs typeface="Arial" panose="020B0604020202020204" pitchFamily="34" charset="0"/>
+            </a:endParaRPr>
+          </a:p>
+          <a:p>
+            <a:r>
+              <a:rPr lang="en-US" sz="1600" dirty="0" smtClean="0">
+                <a:solidFill>
+                  <a:schemeClr val="bg1"/>
+                </a:solidFill>
+                <a:latin typeface="Arial" panose="020B0604020202020204" pitchFamily="34" charset="0"/>
+                <a:cs typeface="Arial" panose="020B0604020202020204" pitchFamily="34" charset="0"/>
+              </a:rPr>
+              <a:t>The integration of the new OPC UA technologies in the existing manufactories is not so easy and have to be done step by step.</a:t>
+            </a:r>
+            <a:endParaRPr lang="en-US" sz="1600" dirty="0">
+              <a:solidFill>
+                <a:schemeClr val="bg1"/>
+              </a:solidFill>
+              <a:latin typeface="Arial" panose="020B0604020202020204" pitchFamily="34" charset="0"/>
+              <a:cs typeface="Arial" panose="020B0604020202020204" pitchFamily="34" charset="0"/>
+            </a:endParaRPr>
+          </a:p>
+        </p:txBody>
+      </p:sp>
+    </p:spTree>
+    <p:extLst>
+      <p:ext uri="{BB962C8B-B14F-4D97-AF65-F5344CB8AC3E}">
+        <p14:creationId xmlns:p14="http://schemas.microsoft.com/office/powerpoint/2010/main" val="728224971"/>
+      </p:ext>
+    </p:extLst>
+  </p:cSld>
+  <p:clrMapOvr>
+    <a:masterClrMapping/>
+  </p:clrMapOvr>
+</p:sld>
+</file>
+
+<file path=ppt/slides/slide15.xml><?xml version="1.0" encoding="utf-8"?>
+<p:sld xmlns:a="http://schemas.openxmlformats.org/drawingml/2006/main" xmlns:r="http://schemas.openxmlformats.org/officeDocument/2006/relationships" xmlns:p="http://schemas.openxmlformats.org/presentationml/2006/main">
+  <p:cSld>
+    <p:spTree>
+      <p:nvGrpSpPr>
+        <p:cNvPr id="1" name=""/>
+        <p:cNvGrpSpPr/>
+        <p:nvPr/>
+      </p:nvGrpSpPr>
+      <p:grpSpPr>
+        <a:xfrm>
+          <a:off x="0" y="0"/>
+          <a:ext cx="0" cy="0"/>
+          <a:chOff x="0" y="0"/>
+          <a:chExt cx="0" cy="0"/>
+        </a:xfrm>
+      </p:grpSpPr>
+      <p:sp>
+        <p:nvSpPr>
           <p:cNvPr id="2" name="Заглавие 1">
             <a:extLst>
               <a:ext uri="{FF2B5EF4-FFF2-40B4-BE49-F238E27FC236}">
@@ -15637,11 +15854,40 @@
         </p:blipFill>
         <p:spPr>
           <a:xfrm>
-            <a:off x="1715170" y="2603500"/>
+            <a:off x="1715170" y="2381827"/>
             <a:ext cx="8201197" cy="3635850"/>
           </a:xfrm>
         </p:spPr>
       </p:pic>
+      <p:sp>
+        <p:nvSpPr>
+          <p:cNvPr id="3" name="TextBox 2"/>
+          <p:cNvSpPr txBox="1"/>
+          <p:nvPr/>
+        </p:nvSpPr>
+        <p:spPr>
+          <a:xfrm>
+            <a:off x="4276437" y="6206837"/>
+            <a:ext cx="3519054" cy="369332"/>
+          </a:xfrm>
+          <a:prstGeom prst="rect">
+            <a:avLst/>
+          </a:prstGeom>
+          <a:noFill/>
+        </p:spPr>
+        <p:txBody>
+          <a:bodyPr wrap="square" rtlCol="0">
+            <a:spAutoFit/>
+          </a:bodyPr>
+          <a:lstStyle/>
+          <a:p>
+            <a:r>
+              <a:rPr lang="en-US" dirty="0"/>
+              <a:t>https://opcua.traeger.de/en/</a:t>
+            </a:r>
+          </a:p>
+        </p:txBody>
+      </p:sp>
     </p:spTree>
     <p:extLst>
       <p:ext uri="{BB962C8B-B14F-4D97-AF65-F5344CB8AC3E}">
@@ -15655,7 +15901,241 @@
 </p:sld>
 </file>
 
-<file path=ppt/slides/slide15.xml><?xml version="1.0" encoding="utf-8"?>
+<file path=ppt/slides/slide16.xml><?xml version="1.0" encoding="utf-8"?>
+<p:sld xmlns:a="http://schemas.openxmlformats.org/drawingml/2006/main" xmlns:r="http://schemas.openxmlformats.org/officeDocument/2006/relationships" xmlns:p="http://schemas.openxmlformats.org/presentationml/2006/main">
+  <p:cSld>
+    <p:spTree>
+      <p:nvGrpSpPr>
+        <p:cNvPr id="1" name=""/>
+        <p:cNvGrpSpPr/>
+        <p:nvPr/>
+      </p:nvGrpSpPr>
+      <p:grpSpPr>
+        <a:xfrm>
+          <a:off x="0" y="0"/>
+          <a:ext cx="0" cy="0"/>
+          <a:chOff x="0" y="0"/>
+          <a:chExt cx="0" cy="0"/>
+        </a:xfrm>
+      </p:grpSpPr>
+      <p:sp>
+        <p:nvSpPr>
+          <p:cNvPr id="2" name="Title 1"/>
+          <p:cNvSpPr>
+            <a:spLocks noGrp="1"/>
+          </p:cNvSpPr>
+          <p:nvPr>
+            <p:ph type="title"/>
+          </p:nvPr>
+        </p:nvSpPr>
+        <p:spPr/>
+        <p:txBody>
+          <a:bodyPr/>
+          <a:lstStyle/>
+          <a:p>
+            <a:pPr algn="ctr"/>
+            <a:r>
+              <a:rPr lang="en-US" dirty="0" smtClean="0">
+                <a:latin typeface="Arial" panose="020B0604020202020204" pitchFamily="34" charset="0"/>
+                <a:cs typeface="Arial" panose="020B0604020202020204" pitchFamily="34" charset="0"/>
+              </a:rPr>
+              <a:t>SDKs</a:t>
+            </a:r>
+            <a:endParaRPr lang="en-US" dirty="0">
+              <a:latin typeface="Arial" panose="020B0604020202020204" pitchFamily="34" charset="0"/>
+              <a:cs typeface="Arial" panose="020B0604020202020204" pitchFamily="34" charset="0"/>
+            </a:endParaRPr>
+          </a:p>
+        </p:txBody>
+      </p:sp>
+      <p:sp>
+        <p:nvSpPr>
+          <p:cNvPr id="3" name="Text Placeholder 2"/>
+          <p:cNvSpPr>
+            <a:spLocks noGrp="1"/>
+          </p:cNvSpPr>
+          <p:nvPr>
+            <p:ph type="body" idx="1"/>
+          </p:nvPr>
+        </p:nvSpPr>
+        <p:spPr>
+          <a:xfrm>
+            <a:off x="1891668" y="2850015"/>
+            <a:ext cx="3112246" cy="411843"/>
+          </a:xfrm>
+        </p:spPr>
+        <p:txBody>
+          <a:bodyPr/>
+          <a:lstStyle/>
+          <a:p>
+            <a:r>
+              <a:rPr lang="en-US" dirty="0" smtClean="0"/>
+              <a:t>Helpful links:</a:t>
+            </a:r>
+            <a:endParaRPr lang="en-US" dirty="0"/>
+          </a:p>
+        </p:txBody>
+      </p:sp>
+      <p:sp>
+        <p:nvSpPr>
+          <p:cNvPr id="4" name="Content Placeholder 3"/>
+          <p:cNvSpPr>
+            <a:spLocks noGrp="1"/>
+          </p:cNvSpPr>
+          <p:nvPr>
+            <p:ph sz="half" idx="2"/>
+          </p:nvPr>
+        </p:nvSpPr>
+        <p:spPr>
+          <a:xfrm>
+            <a:off x="1035212" y="3508375"/>
+            <a:ext cx="4825158" cy="2840039"/>
+          </a:xfrm>
+        </p:spPr>
+        <p:txBody>
+          <a:bodyPr/>
+          <a:lstStyle/>
+          <a:p>
+            <a:r>
+              <a:rPr lang="en-US" dirty="0">
+                <a:hlinkClick r:id="rId2"/>
+              </a:rPr>
+              <a:t>https://</a:t>
+            </a:r>
+            <a:r>
+              <a:rPr lang="en-US" dirty="0" smtClean="0">
+                <a:hlinkClick r:id="rId2"/>
+              </a:rPr>
+              <a:t>www.unified-automation.com/products/server-sdk/c-ua-server-sdk.html</a:t>
+            </a:r>
+            <a:endParaRPr lang="en-US" dirty="0" smtClean="0"/>
+          </a:p>
+          <a:p>
+            <a:r>
+              <a:rPr lang="en-US" dirty="0">
+                <a:hlinkClick r:id="rId3"/>
+              </a:rPr>
+              <a:t>https://open62541.org</a:t>
+            </a:r>
+            <a:r>
+              <a:rPr lang="en-US" dirty="0" smtClean="0">
+                <a:hlinkClick r:id="rId3"/>
+              </a:rPr>
+              <a:t>/</a:t>
+            </a:r>
+            <a:endParaRPr lang="en-US" dirty="0" smtClean="0"/>
+          </a:p>
+          <a:p>
+            <a:r>
+              <a:rPr lang="en-US" dirty="0"/>
+              <a:t>https://industrial.softing.com/products/opc-ua-and-opc-classic-sdks.html</a:t>
+            </a:r>
+          </a:p>
+        </p:txBody>
+      </p:sp>
+      <p:pic>
+        <p:nvPicPr>
+          <p:cNvPr id="7" name="Content Placeholder 6"/>
+          <p:cNvPicPr>
+            <a:picLocks noGrp="1" noChangeAspect="1"/>
+          </p:cNvPicPr>
+          <p:nvPr>
+            <p:ph sz="quarter" idx="4"/>
+          </p:nvPr>
+        </p:nvPicPr>
+        <p:blipFill>
+          <a:blip r:embed="rId4">
+            <a:extLst>
+              <a:ext uri="{28A0092B-C50C-407E-A947-70E740481C1C}">
+                <a14:useLocalDpi xmlns:a14="http://schemas.microsoft.com/office/drawing/2010/main" val="0"/>
+              </a:ext>
+            </a:extLst>
+          </a:blip>
+          <a:stretch>
+            <a:fillRect/>
+          </a:stretch>
+        </p:blipFill>
+        <p:spPr>
+          <a:xfrm>
+            <a:off x="7162735" y="2850015"/>
+            <a:ext cx="3686175" cy="904875"/>
+          </a:xfrm>
+        </p:spPr>
+      </p:pic>
+      <p:pic>
+        <p:nvPicPr>
+          <p:cNvPr id="8" name="Picture 7"/>
+          <p:cNvPicPr>
+            <a:picLocks noChangeAspect="1"/>
+          </p:cNvPicPr>
+          <p:nvPr/>
+        </p:nvPicPr>
+        <p:blipFill>
+          <a:blip r:embed="rId5" cstate="hqprint">
+            <a:extLst>
+              <a:ext uri="{28A0092B-C50C-407E-A947-70E740481C1C}">
+                <a14:useLocalDpi xmlns:a14="http://schemas.microsoft.com/office/drawing/2010/main" val="0"/>
+              </a:ext>
+            </a:extLst>
+          </a:blip>
+          <a:stretch>
+            <a:fillRect/>
+          </a:stretch>
+        </p:blipFill>
+        <p:spPr>
+          <a:xfrm>
+            <a:off x="7162734" y="4122284"/>
+            <a:ext cx="3686175" cy="957488"/>
+          </a:xfrm>
+          <a:prstGeom prst="rect">
+            <a:avLst/>
+          </a:prstGeom>
+        </p:spPr>
+      </p:pic>
+      <p:pic>
+        <p:nvPicPr>
+          <p:cNvPr id="9" name="Picture 8"/>
+          <p:cNvPicPr>
+            <a:picLocks noChangeAspect="1"/>
+          </p:cNvPicPr>
+          <p:nvPr/>
+        </p:nvPicPr>
+        <p:blipFill>
+          <a:blip r:embed="rId6" cstate="hqprint">
+            <a:extLst>
+              <a:ext uri="{28A0092B-C50C-407E-A947-70E740481C1C}">
+                <a14:useLocalDpi xmlns:a14="http://schemas.microsoft.com/office/drawing/2010/main" val="0"/>
+              </a:ext>
+            </a:extLst>
+          </a:blip>
+          <a:stretch>
+            <a:fillRect/>
+          </a:stretch>
+        </p:blipFill>
+        <p:spPr>
+          <a:xfrm>
+            <a:off x="7372963" y="5221285"/>
+            <a:ext cx="3265715" cy="1261865"/>
+          </a:xfrm>
+          <a:prstGeom prst="rect">
+            <a:avLst/>
+          </a:prstGeom>
+        </p:spPr>
+      </p:pic>
+    </p:spTree>
+    <p:extLst>
+      <p:ext uri="{BB962C8B-B14F-4D97-AF65-F5344CB8AC3E}">
+        <p14:creationId xmlns:p14="http://schemas.microsoft.com/office/powerpoint/2010/main" val="3982048384"/>
+      </p:ext>
+    </p:extLst>
+  </p:cSld>
+  <p:clrMapOvr>
+    <a:masterClrMapping/>
+  </p:clrMapOvr>
+</p:sld>
+</file>
+
+<file path=ppt/slides/slide17.xml><?xml version="1.0" encoding="utf-8"?>
 <p:sld xmlns:a="http://schemas.openxmlformats.org/drawingml/2006/main" xmlns:r="http://schemas.openxmlformats.org/officeDocument/2006/relationships" xmlns:p="http://schemas.openxmlformats.org/presentationml/2006/main">
   <p:cSld>
     <p:spTree>
@@ -16384,7 +16864,7 @@
 </p:sld>
 </file>
 
-<file path=ppt/slides/slide16.xml><?xml version="1.0" encoding="utf-8"?>
+<file path=ppt/slides/slide18.xml><?xml version="1.0" encoding="utf-8"?>
 <p:sld xmlns:a="http://schemas.openxmlformats.org/drawingml/2006/main" xmlns:r="http://schemas.openxmlformats.org/officeDocument/2006/relationships" xmlns:p="http://schemas.openxmlformats.org/presentationml/2006/main">
   <p:cSld>
     <p:spTree>
@@ -16525,25 +17005,8 @@
                 <a:latin typeface="Arial" panose="020B0604020202020204" pitchFamily="34" charset="0"/>
                 <a:cs typeface="Arial" panose="020B0604020202020204" pitchFamily="34" charset="0"/>
               </a:rPr>
-              <a:t>For this purpose were developed CS WIN COM object which serves as a OPC UA client and OPC UA server which is a Windows service app that running on the same </a:t>
+              <a:t>For this purpose were developed CS WIN COM object which serves as a OPC UA client and OPC UA server which is a Windows service app that running on the same PC.</a:t>
             </a:r>
-            <a:r>
-              <a:rPr lang="en-US" sz="1600">
-                <a:solidFill>
-                  <a:schemeClr val="bg1"/>
-                </a:solidFill>
-                <a:latin typeface="Arial" panose="020B0604020202020204" pitchFamily="34" charset="0"/>
-                <a:cs typeface="Arial" panose="020B0604020202020204" pitchFamily="34" charset="0"/>
-              </a:rPr>
-              <a:t>PC.</a:t>
-            </a:r>
-            <a:endParaRPr lang="en-US" sz="1600" dirty="0">
-              <a:solidFill>
-                <a:schemeClr val="bg1"/>
-              </a:solidFill>
-              <a:latin typeface="Arial" panose="020B0604020202020204" pitchFamily="34" charset="0"/>
-              <a:cs typeface="Arial" panose="020B0604020202020204" pitchFamily="34" charset="0"/>
-            </a:endParaRPr>
           </a:p>
         </p:txBody>
       </p:sp>
@@ -16560,7 +17023,7 @@
 </p:sld>
 </file>
 
-<file path=ppt/slides/slide17.xml><?xml version="1.0" encoding="utf-8"?>
+<file path=ppt/slides/slide19.xml><?xml version="1.0" encoding="utf-8"?>
 <p:sld xmlns:a="http://schemas.openxmlformats.org/drawingml/2006/main" xmlns:r="http://schemas.openxmlformats.org/officeDocument/2006/relationships" xmlns:p="http://schemas.openxmlformats.org/presentationml/2006/main">
   <p:cSld>
     <p:spTree>
@@ -17218,121 +17681,6 @@
     <p:extLst>
       <p:ext uri="{BB962C8B-B14F-4D97-AF65-F5344CB8AC3E}">
         <p14:creationId xmlns:p14="http://schemas.microsoft.com/office/powerpoint/2010/main" val="158121558"/>
-      </p:ext>
-    </p:extLst>
-  </p:cSld>
-  <p:clrMapOvr>
-    <a:masterClrMapping/>
-  </p:clrMapOvr>
-</p:sld>
-</file>
-
-<file path=ppt/slides/slide18.xml><?xml version="1.0" encoding="utf-8"?>
-<p:sld xmlns:a="http://schemas.openxmlformats.org/drawingml/2006/main" xmlns:r="http://schemas.openxmlformats.org/officeDocument/2006/relationships" xmlns:p="http://schemas.openxmlformats.org/presentationml/2006/main">
-  <p:cSld>
-    <p:spTree>
-      <p:nvGrpSpPr>
-        <p:cNvPr id="1" name=""/>
-        <p:cNvGrpSpPr/>
-        <p:nvPr/>
-      </p:nvGrpSpPr>
-      <p:grpSpPr>
-        <a:xfrm>
-          <a:off x="0" y="0"/>
-          <a:ext cx="0" cy="0"/>
-          <a:chOff x="0" y="0"/>
-          <a:chExt cx="0" cy="0"/>
-        </a:xfrm>
-      </p:grpSpPr>
-      <p:sp>
-        <p:nvSpPr>
-          <p:cNvPr id="2" name="Заглавие 1">
-            <a:extLst>
-              <a:ext uri="{FF2B5EF4-FFF2-40B4-BE49-F238E27FC236}">
-                <a16:creationId xmlns:a16="http://schemas.microsoft.com/office/drawing/2014/main" id="{09FD8C27-7A43-41A6-8C4F-41D1F1223896}"/>
-              </a:ext>
-            </a:extLst>
-          </p:cNvPr>
-          <p:cNvSpPr>
-            <a:spLocks noGrp="1"/>
-          </p:cNvSpPr>
-          <p:nvPr>
-            <p:ph type="title"/>
-          </p:nvPr>
-        </p:nvSpPr>
-        <p:spPr>
-          <a:xfrm>
-            <a:off x="1154953" y="1734531"/>
-            <a:ext cx="8825660" cy="1318005"/>
-          </a:xfrm>
-        </p:spPr>
-        <p:txBody>
-          <a:bodyPr/>
-          <a:lstStyle/>
-          <a:p>
-            <a:pPr algn="ctr"/>
-            <a:r>
-              <a:rPr lang="en-US" sz="8000" dirty="0">
-                <a:latin typeface="Arial" panose="020B0604020202020204" pitchFamily="34" charset="0"/>
-                <a:cs typeface="Arial" panose="020B0604020202020204" pitchFamily="34" charset="0"/>
-              </a:rPr>
-              <a:t>Thank you</a:t>
-            </a:r>
-            <a:endParaRPr lang="bg-BG" sz="8000" dirty="0">
-              <a:latin typeface="Arial" panose="020B0604020202020204" pitchFamily="34" charset="0"/>
-              <a:cs typeface="Arial" panose="020B0604020202020204" pitchFamily="34" charset="0"/>
-            </a:endParaRPr>
-          </a:p>
-        </p:txBody>
-      </p:sp>
-      <p:sp>
-        <p:nvSpPr>
-          <p:cNvPr id="3" name="Текстов контейнер 2">
-            <a:extLst>
-              <a:ext uri="{FF2B5EF4-FFF2-40B4-BE49-F238E27FC236}">
-                <a16:creationId xmlns:a16="http://schemas.microsoft.com/office/drawing/2014/main" id="{2B0C83CC-0F6B-4F6F-B53F-E16FF3848847}"/>
-              </a:ext>
-            </a:extLst>
-          </p:cNvPr>
-          <p:cNvSpPr>
-            <a:spLocks noGrp="1"/>
-          </p:cNvSpPr>
-          <p:nvPr>
-            <p:ph type="body" idx="1"/>
-          </p:nvPr>
-        </p:nvSpPr>
-        <p:spPr/>
-        <p:txBody>
-          <a:bodyPr>
-            <a:normAutofit/>
-          </a:bodyPr>
-          <a:lstStyle/>
-          <a:p>
-            <a:pPr algn="ctr"/>
-            <a:r>
-              <a:rPr lang="en-US" sz="3200" dirty="0">
-                <a:solidFill>
-                  <a:schemeClr val="tx1"/>
-                </a:solidFill>
-                <a:latin typeface="Arial" panose="020B0604020202020204" pitchFamily="34" charset="0"/>
-                <a:cs typeface="Arial" panose="020B0604020202020204" pitchFamily="34" charset="0"/>
-              </a:rPr>
-              <a:t>By: Velizar Gerasimov</a:t>
-            </a:r>
-            <a:endParaRPr lang="bg-BG" sz="3200" dirty="0">
-              <a:solidFill>
-                <a:schemeClr val="tx1"/>
-              </a:solidFill>
-              <a:latin typeface="Arial" panose="020B0604020202020204" pitchFamily="34" charset="0"/>
-              <a:cs typeface="Arial" panose="020B0604020202020204" pitchFamily="34" charset="0"/>
-            </a:endParaRPr>
-          </a:p>
-        </p:txBody>
-      </p:sp>
-    </p:spTree>
-    <p:extLst>
-      <p:ext uri="{BB962C8B-B14F-4D97-AF65-F5344CB8AC3E}">
-        <p14:creationId xmlns:p14="http://schemas.microsoft.com/office/powerpoint/2010/main" val="4185196975"/>
       </p:ext>
     </p:extLst>
   </p:cSld>
@@ -17419,7 +17767,7 @@
         </p:spPr>
         <p:txBody>
           <a:bodyPr>
-            <a:normAutofit fontScale="70000" lnSpcReduction="20000"/>
+            <a:normAutofit fontScale="62500" lnSpcReduction="20000"/>
           </a:bodyPr>
           <a:lstStyle/>
           <a:p>
@@ -17509,8 +17857,28 @@
                 <a:latin typeface="Arial" panose="020B0604020202020204" pitchFamily="34" charset="0"/>
                 <a:cs typeface="Arial" panose="020B0604020202020204" pitchFamily="34" charset="0"/>
               </a:rPr>
-              <a:t>Traeger library C#</a:t>
+              <a:t>Traeger library C</a:t>
             </a:r>
+            <a:r>
+              <a:rPr lang="en-US" dirty="0" smtClean="0">
+                <a:latin typeface="Arial" panose="020B0604020202020204" pitchFamily="34" charset="0"/>
+                <a:cs typeface="Arial" panose="020B0604020202020204" pitchFamily="34" charset="0"/>
+              </a:rPr>
+              <a:t>#</a:t>
+            </a:r>
+          </a:p>
+          <a:p>
+            <a:r>
+              <a:rPr lang="en-US" dirty="0" smtClean="0">
+                <a:latin typeface="Arial" panose="020B0604020202020204" pitchFamily="34" charset="0"/>
+                <a:cs typeface="Arial" panose="020B0604020202020204" pitchFamily="34" charset="0"/>
+              </a:rPr>
+              <a:t>SDKs</a:t>
+            </a:r>
+            <a:endParaRPr lang="en-US" dirty="0">
+              <a:latin typeface="Arial" panose="020B0604020202020204" pitchFamily="34" charset="0"/>
+              <a:cs typeface="Arial" panose="020B0604020202020204" pitchFamily="34" charset="0"/>
+            </a:endParaRPr>
           </a:p>
           <a:p>
             <a:r>
@@ -17578,6 +17946,128 @@
     <p:extLst>
       <p:ext uri="{BB962C8B-B14F-4D97-AF65-F5344CB8AC3E}">
         <p14:creationId xmlns:p14="http://schemas.microsoft.com/office/powerpoint/2010/main" val="353738218"/>
+      </p:ext>
+    </p:extLst>
+  </p:cSld>
+  <p:clrMapOvr>
+    <a:masterClrMapping/>
+  </p:clrMapOvr>
+  <p:timing>
+    <p:tnLst>
+      <p:par>
+        <p:cTn id="1" dur="indefinite" restart="never" nodeType="tmRoot"/>
+      </p:par>
+    </p:tnLst>
+  </p:timing>
+</p:sld>
+</file>
+
+<file path=ppt/slides/slide20.xml><?xml version="1.0" encoding="utf-8"?>
+<p:sld xmlns:a="http://schemas.openxmlformats.org/drawingml/2006/main" xmlns:r="http://schemas.openxmlformats.org/officeDocument/2006/relationships" xmlns:p="http://schemas.openxmlformats.org/presentationml/2006/main">
+  <p:cSld>
+    <p:spTree>
+      <p:nvGrpSpPr>
+        <p:cNvPr id="1" name=""/>
+        <p:cNvGrpSpPr/>
+        <p:nvPr/>
+      </p:nvGrpSpPr>
+      <p:grpSpPr>
+        <a:xfrm>
+          <a:off x="0" y="0"/>
+          <a:ext cx="0" cy="0"/>
+          <a:chOff x="0" y="0"/>
+          <a:chExt cx="0" cy="0"/>
+        </a:xfrm>
+      </p:grpSpPr>
+      <p:sp>
+        <p:nvSpPr>
+          <p:cNvPr id="2" name="Заглавие 1">
+            <a:extLst>
+              <a:ext uri="{FF2B5EF4-FFF2-40B4-BE49-F238E27FC236}">
+                <a16:creationId xmlns:a16="http://schemas.microsoft.com/office/drawing/2014/main" id="{09FD8C27-7A43-41A6-8C4F-41D1F1223896}"/>
+              </a:ext>
+            </a:extLst>
+          </p:cNvPr>
+          <p:cNvSpPr>
+            <a:spLocks noGrp="1"/>
+          </p:cNvSpPr>
+          <p:nvPr>
+            <p:ph type="title"/>
+          </p:nvPr>
+        </p:nvSpPr>
+        <p:spPr>
+          <a:xfrm>
+            <a:off x="1154953" y="1734531"/>
+            <a:ext cx="8825660" cy="1318005"/>
+          </a:xfrm>
+        </p:spPr>
+        <p:txBody>
+          <a:bodyPr/>
+          <a:lstStyle/>
+          <a:p>
+            <a:pPr algn="ctr"/>
+            <a:r>
+              <a:rPr lang="en-US" sz="8000" dirty="0">
+                <a:latin typeface="Arial" panose="020B0604020202020204" pitchFamily="34" charset="0"/>
+                <a:cs typeface="Arial" panose="020B0604020202020204" pitchFamily="34" charset="0"/>
+              </a:rPr>
+              <a:t>Thank you</a:t>
+            </a:r>
+            <a:endParaRPr lang="bg-BG" sz="8000" dirty="0">
+              <a:latin typeface="Arial" panose="020B0604020202020204" pitchFamily="34" charset="0"/>
+              <a:cs typeface="Arial" panose="020B0604020202020204" pitchFamily="34" charset="0"/>
+            </a:endParaRPr>
+          </a:p>
+        </p:txBody>
+      </p:sp>
+      <p:sp>
+        <p:nvSpPr>
+          <p:cNvPr id="3" name="Текстов контейнер 2">
+            <a:extLst>
+              <a:ext uri="{FF2B5EF4-FFF2-40B4-BE49-F238E27FC236}">
+                <a16:creationId xmlns:a16="http://schemas.microsoft.com/office/drawing/2014/main" id="{2B0C83CC-0F6B-4F6F-B53F-E16FF3848847}"/>
+              </a:ext>
+            </a:extLst>
+          </p:cNvPr>
+          <p:cNvSpPr>
+            <a:spLocks noGrp="1"/>
+          </p:cNvSpPr>
+          <p:nvPr>
+            <p:ph type="body" idx="1"/>
+          </p:nvPr>
+        </p:nvSpPr>
+        <p:spPr/>
+        <p:txBody>
+          <a:bodyPr>
+            <a:normAutofit/>
+          </a:bodyPr>
+          <a:lstStyle/>
+          <a:p>
+            <a:pPr algn="ctr"/>
+            <a:r>
+              <a:rPr lang="en-US" sz="3200" dirty="0">
+                <a:solidFill>
+                  <a:schemeClr val="tx1"/>
+                </a:solidFill>
+                <a:latin typeface="Arial" panose="020B0604020202020204" pitchFamily="34" charset="0"/>
+                <a:cs typeface="Arial" panose="020B0604020202020204" pitchFamily="34" charset="0"/>
+              </a:rPr>
+              <a:t>By: Velizar Gerasimov</a:t>
+            </a:r>
+            <a:endParaRPr lang="bg-BG" sz="3200" dirty="0">
+              <a:solidFill>
+                <a:schemeClr val="tx1"/>
+              </a:solidFill>
+              <a:latin typeface="Arial" panose="020B0604020202020204" pitchFamily="34" charset="0"/>
+              <a:cs typeface="Arial" panose="020B0604020202020204" pitchFamily="34" charset="0"/>
+            </a:endParaRPr>
+          </a:p>
+        </p:txBody>
+      </p:sp>
+    </p:spTree>
+    <p:extLst>
+      <p:ext uri="{BB962C8B-B14F-4D97-AF65-F5344CB8AC3E}">
+        <p14:creationId xmlns:p14="http://schemas.microsoft.com/office/powerpoint/2010/main" val="4185196975"/>
       </p:ext>
     </p:extLst>
   </p:cSld>
@@ -17779,6 +18269,13 @@
   <p:clrMapOvr>
     <a:masterClrMapping/>
   </p:clrMapOvr>
+  <p:timing>
+    <p:tnLst>
+      <p:par>
+        <p:cTn id="1" dur="indefinite" restart="never" nodeType="tmRoot"/>
+      </p:par>
+    </p:tnLst>
+  </p:timing>
 </p:sld>
 </file>
 
@@ -18042,6 +18539,13 @@
   <p:clrMapOvr>
     <a:masterClrMapping/>
   </p:clrMapOvr>
+  <p:timing>
+    <p:tnLst>
+      <p:par>
+        <p:cTn id="1" dur="indefinite" restart="never" nodeType="tmRoot"/>
+      </p:par>
+    </p:tnLst>
+  </p:timing>
 </p:sld>
 </file>
 
@@ -19646,7 +20150,7 @@
           <p:nvPr/>
         </p:nvPicPr>
         <p:blipFill>
-          <a:blip r:embed="rId3">
+          <a:blip r:embed="rId3" cstate="hqprint">
             <a:extLst>
               <a:ext uri="{28A0092B-C50C-407E-A947-70E740481C1C}">
                 <a14:useLocalDpi xmlns:a14="http://schemas.microsoft.com/office/drawing/2010/main" val="0"/>

--- a/OPC UA and Industry 4.0.pptx
+++ b/OPC UA and Industry 4.0.pptx
@@ -8,23 +8,25 @@
     <p:sldId id="256" r:id="rId2"/>
     <p:sldId id="257" r:id="rId3"/>
     <p:sldId id="258" r:id="rId4"/>
-    <p:sldId id="260" r:id="rId5"/>
-    <p:sldId id="261" r:id="rId6"/>
-    <p:sldId id="259" r:id="rId7"/>
-    <p:sldId id="262" r:id="rId8"/>
-    <p:sldId id="269" r:id="rId9"/>
-    <p:sldId id="271" r:id="rId10"/>
-    <p:sldId id="272" r:id="rId11"/>
-    <p:sldId id="263" r:id="rId12"/>
-    <p:sldId id="264" r:id="rId13"/>
-    <p:sldId id="265" r:id="rId14"/>
-    <p:sldId id="275" r:id="rId15"/>
-    <p:sldId id="266" r:id="rId16"/>
-    <p:sldId id="274" r:id="rId17"/>
-    <p:sldId id="267" r:id="rId18"/>
-    <p:sldId id="270" r:id="rId19"/>
-    <p:sldId id="268" r:id="rId20"/>
-    <p:sldId id="273" r:id="rId21"/>
+    <p:sldId id="276" r:id="rId5"/>
+    <p:sldId id="277" r:id="rId6"/>
+    <p:sldId id="260" r:id="rId7"/>
+    <p:sldId id="261" r:id="rId8"/>
+    <p:sldId id="259" r:id="rId9"/>
+    <p:sldId id="262" r:id="rId10"/>
+    <p:sldId id="269" r:id="rId11"/>
+    <p:sldId id="271" r:id="rId12"/>
+    <p:sldId id="272" r:id="rId13"/>
+    <p:sldId id="263" r:id="rId14"/>
+    <p:sldId id="264" r:id="rId15"/>
+    <p:sldId id="265" r:id="rId16"/>
+    <p:sldId id="275" r:id="rId17"/>
+    <p:sldId id="266" r:id="rId18"/>
+    <p:sldId id="274" r:id="rId19"/>
+    <p:sldId id="267" r:id="rId20"/>
+    <p:sldId id="270" r:id="rId21"/>
+    <p:sldId id="268" r:id="rId22"/>
+    <p:sldId id="273" r:id="rId23"/>
   </p:sldIdLst>
   <p:sldSz cx="12192000" cy="6858000"/>
   <p:notesSz cx="6858000" cy="9144000"/>
@@ -466,7 +468,7 @@
           <a:p>
             <a:fld id="{4DE82A70-5764-42AD-AA4E-C5FC14A955B5}" type="datetimeFigureOut">
               <a:rPr lang="bg-BG" smtClean="0"/>
-              <a:t>24.11.2021 г.</a:t>
+              <a:t>26.11.2021 г.</a:t>
             </a:fld>
             <a:endParaRPr lang="bg-BG"/>
           </a:p>
@@ -1554,7 +1556,7 @@
           <a:p>
             <a:fld id="{4DE82A70-5764-42AD-AA4E-C5FC14A955B5}" type="datetimeFigureOut">
               <a:rPr lang="bg-BG" smtClean="0"/>
-              <a:t>24.11.2021 г.</a:t>
+              <a:t>26.11.2021 г.</a:t>
             </a:fld>
             <a:endParaRPr lang="bg-BG"/>
           </a:p>
@@ -2534,7 +2536,7 @@
           <a:p>
             <a:fld id="{4DE82A70-5764-42AD-AA4E-C5FC14A955B5}" type="datetimeFigureOut">
               <a:rPr lang="bg-BG" smtClean="0"/>
-              <a:t>24.11.2021 г.</a:t>
+              <a:t>26.11.2021 г.</a:t>
             </a:fld>
             <a:endParaRPr lang="bg-BG"/>
           </a:p>
@@ -3668,7 +3670,7 @@
           <a:p>
             <a:fld id="{4DE82A70-5764-42AD-AA4E-C5FC14A955B5}" type="datetimeFigureOut">
               <a:rPr lang="bg-BG" smtClean="0"/>
-              <a:t>24.11.2021 г.</a:t>
+              <a:t>26.11.2021 г.</a:t>
             </a:fld>
             <a:endParaRPr lang="bg-BG"/>
           </a:p>
@@ -4701,7 +4703,7 @@
           <a:p>
             <a:fld id="{4DE82A70-5764-42AD-AA4E-C5FC14A955B5}" type="datetimeFigureOut">
               <a:rPr lang="bg-BG" smtClean="0"/>
-              <a:t>24.11.2021 г.</a:t>
+              <a:t>26.11.2021 г.</a:t>
             </a:fld>
             <a:endParaRPr lang="bg-BG"/>
           </a:p>
@@ -5361,7 +5363,7 @@
           <a:p>
             <a:fld id="{4DE82A70-5764-42AD-AA4E-C5FC14A955B5}" type="datetimeFigureOut">
               <a:rPr lang="bg-BG" smtClean="0"/>
-              <a:t>24.11.2021 г.</a:t>
+              <a:t>26.11.2021 г.</a:t>
             </a:fld>
             <a:endParaRPr lang="bg-BG"/>
           </a:p>
@@ -6222,7 +6224,7 @@
           <a:p>
             <a:fld id="{4DE82A70-5764-42AD-AA4E-C5FC14A955B5}" type="datetimeFigureOut">
               <a:rPr lang="bg-BG" smtClean="0"/>
-              <a:t>24.11.2021 г.</a:t>
+              <a:t>26.11.2021 г.</a:t>
             </a:fld>
             <a:endParaRPr lang="bg-BG"/>
           </a:p>
@@ -6412,7 +6414,7 @@
           <a:p>
             <a:fld id="{4DE82A70-5764-42AD-AA4E-C5FC14A955B5}" type="datetimeFigureOut">
               <a:rPr lang="bg-BG" smtClean="0"/>
-              <a:t>24.11.2021 г.</a:t>
+              <a:t>26.11.2021 г.</a:t>
             </a:fld>
             <a:endParaRPr lang="bg-BG"/>
           </a:p>
@@ -7384,7 +7386,7 @@
           <a:p>
             <a:fld id="{4DE82A70-5764-42AD-AA4E-C5FC14A955B5}" type="datetimeFigureOut">
               <a:rPr lang="bg-BG" smtClean="0"/>
-              <a:t>24.11.2021 г.</a:t>
+              <a:t>26.11.2021 г.</a:t>
             </a:fld>
             <a:endParaRPr lang="bg-BG"/>
           </a:p>
@@ -7595,7 +7597,7 @@
           <a:p>
             <a:fld id="{4DE82A70-5764-42AD-AA4E-C5FC14A955B5}" type="datetimeFigureOut">
               <a:rPr lang="bg-BG" smtClean="0"/>
-              <a:t>24.11.2021 г.</a:t>
+              <a:t>26.11.2021 г.</a:t>
             </a:fld>
             <a:endParaRPr lang="bg-BG"/>
           </a:p>
@@ -8629,7 +8631,7 @@
           <a:p>
             <a:fld id="{4DE82A70-5764-42AD-AA4E-C5FC14A955B5}" type="datetimeFigureOut">
               <a:rPr lang="bg-BG" smtClean="0"/>
-              <a:t>24.11.2021 г.</a:t>
+              <a:t>26.11.2021 г.</a:t>
             </a:fld>
             <a:endParaRPr lang="bg-BG"/>
           </a:p>
@@ -8901,7 +8903,7 @@
           <a:p>
             <a:fld id="{4DE82A70-5764-42AD-AA4E-C5FC14A955B5}" type="datetimeFigureOut">
               <a:rPr lang="bg-BG" smtClean="0"/>
-              <a:t>24.11.2021 г.</a:t>
+              <a:t>26.11.2021 г.</a:t>
             </a:fld>
             <a:endParaRPr lang="bg-BG"/>
           </a:p>
@@ -9311,7 +9313,7 @@
           <a:p>
             <a:fld id="{4DE82A70-5764-42AD-AA4E-C5FC14A955B5}" type="datetimeFigureOut">
               <a:rPr lang="bg-BG" smtClean="0"/>
-              <a:t>24.11.2021 г.</a:t>
+              <a:t>26.11.2021 г.</a:t>
             </a:fld>
             <a:endParaRPr lang="bg-BG"/>
           </a:p>
@@ -9438,7 +9440,7 @@
           <a:p>
             <a:fld id="{4DE82A70-5764-42AD-AA4E-C5FC14A955B5}" type="datetimeFigureOut">
               <a:rPr lang="bg-BG" smtClean="0"/>
-              <a:t>24.11.2021 г.</a:t>
+              <a:t>26.11.2021 г.</a:t>
             </a:fld>
             <a:endParaRPr lang="bg-BG"/>
           </a:p>
@@ -9533,7 +9535,7 @@
           <a:p>
             <a:fld id="{4DE82A70-5764-42AD-AA4E-C5FC14A955B5}" type="datetimeFigureOut">
               <a:rPr lang="bg-BG" smtClean="0"/>
-              <a:t>24.11.2021 г.</a:t>
+              <a:t>26.11.2021 г.</a:t>
             </a:fld>
             <a:endParaRPr lang="bg-BG"/>
           </a:p>
@@ -10614,7 +10616,7 @@
           <a:p>
             <a:fld id="{4DE82A70-5764-42AD-AA4E-C5FC14A955B5}" type="datetimeFigureOut">
               <a:rPr lang="bg-BG" smtClean="0"/>
-              <a:t>24.11.2021 г.</a:t>
+              <a:t>26.11.2021 г.</a:t>
             </a:fld>
             <a:endParaRPr lang="bg-BG"/>
           </a:p>
@@ -11722,7 +11724,7 @@
           <a:p>
             <a:fld id="{4DE82A70-5764-42AD-AA4E-C5FC14A955B5}" type="datetimeFigureOut">
               <a:rPr lang="bg-BG" smtClean="0"/>
-              <a:t>24.11.2021 г.</a:t>
+              <a:t>26.11.2021 г.</a:t>
             </a:fld>
             <a:endParaRPr lang="bg-BG"/>
           </a:p>
@@ -12719,7 +12721,7 @@
           <a:p>
             <a:fld id="{4DE82A70-5764-42AD-AA4E-C5FC14A955B5}" type="datetimeFigureOut">
               <a:rPr lang="bg-BG" smtClean="0"/>
-              <a:t>24.11.2021 г.</a:t>
+              <a:t>26.11.2021 г.</a:t>
             </a:fld>
             <a:endParaRPr lang="bg-BG"/>
           </a:p>
@@ -13294,7 +13296,7 @@
                 <a16:creationId xmlns:a16="http://schemas.microsoft.com/office/drawing/2014/main" id="{D22D1B95-2B54-43E9-85D9-B489F6C5DD0F}"/>
               </a:ext>
               <a:ext uri="{C183D7F6-B498-43B3-948B-1728B52AA6E4}">
-                <adec:decorative xmlns:adec="http://schemas.microsoft.com/office/drawing/2017/decorative" xmlns="" val="1"/>
+                <adec:decorative xmlns="" xmlns:adec="http://schemas.microsoft.com/office/drawing/2017/decorative" val="1"/>
               </a:ext>
             </a:extLst>
           </p:cNvPr>
@@ -13458,7 +13460,7 @@
                 <a16:creationId xmlns:a16="http://schemas.microsoft.com/office/drawing/2014/main" id="{7D0F3F6D-A49D-4406-8D61-1C4F8D792F04}"/>
               </a:ext>
               <a:ext uri="{C183D7F6-B498-43B3-948B-1728B52AA6E4}">
-                <adec:decorative xmlns:adec="http://schemas.microsoft.com/office/drawing/2017/decorative" xmlns="" val="1"/>
+                <adec:decorative xmlns="" xmlns:adec="http://schemas.microsoft.com/office/drawing/2017/decorative" val="1"/>
               </a:ext>
             </a:extLst>
           </p:cNvPr>
@@ -13659,7 +13661,7 @@
                 <a16:creationId xmlns:a16="http://schemas.microsoft.com/office/drawing/2014/main" id="{D953A318-DA8D-4405-9536-D889E45C5E3E}"/>
               </a:ext>
               <a:ext uri="{C183D7F6-B498-43B3-948B-1728B52AA6E4}">
-                <adec:decorative xmlns:adec="http://schemas.microsoft.com/office/drawing/2017/decorative" xmlns="" val="1"/>
+                <adec:decorative xmlns="" xmlns:adec="http://schemas.microsoft.com/office/drawing/2017/decorative" val="1"/>
               </a:ext>
             </a:extLst>
           </p:cNvPr>
@@ -13738,7 +13740,7 @@
                 <a16:creationId xmlns:a16="http://schemas.microsoft.com/office/drawing/2014/main" id="{9E382A3D-2F90-475C-8DF2-F666FEA3425B}"/>
               </a:ext>
               <a:ext uri="{C183D7F6-B498-43B3-948B-1728B52AA6E4}">
-                <adec:decorative xmlns:adec="http://schemas.microsoft.com/office/drawing/2017/decorative" xmlns="" val="1"/>
+                <adec:decorative xmlns="" xmlns:adec="http://schemas.microsoft.com/office/drawing/2017/decorative" val="1"/>
               </a:ext>
             </a:extLst>
           </p:cNvPr>
@@ -14069,6 +14071,337 @@
           <p:cNvPr id="2" name="Заглавие 1">
             <a:extLst>
               <a:ext uri="{FF2B5EF4-FFF2-40B4-BE49-F238E27FC236}">
+                <a16:creationId xmlns:a16="http://schemas.microsoft.com/office/drawing/2014/main" id="{9E1399E8-5983-477C-B6B3-28BE668C9600}"/>
+              </a:ext>
+            </a:extLst>
+          </p:cNvPr>
+          <p:cNvSpPr>
+            <a:spLocks noGrp="1"/>
+          </p:cNvSpPr>
+          <p:nvPr>
+            <p:ph type="title"/>
+          </p:nvPr>
+        </p:nvSpPr>
+        <p:spPr>
+          <a:xfrm>
+            <a:off x="1154955" y="1295400"/>
+            <a:ext cx="2793158" cy="1183849"/>
+          </a:xfrm>
+        </p:spPr>
+        <p:txBody>
+          <a:bodyPr/>
+          <a:lstStyle/>
+          <a:p>
+            <a:r>
+              <a:rPr lang="en-US" dirty="0">
+                <a:latin typeface="Arial" panose="020B0604020202020204" pitchFamily="34" charset="0"/>
+                <a:cs typeface="Arial" panose="020B0604020202020204" pitchFamily="34" charset="0"/>
+              </a:rPr>
+              <a:t>OEE (Overall Equipment Effectiveness)</a:t>
+            </a:r>
+            <a:endParaRPr lang="bg-BG" dirty="0">
+              <a:latin typeface="Arial" panose="020B0604020202020204" pitchFamily="34" charset="0"/>
+              <a:cs typeface="Arial" panose="020B0604020202020204" pitchFamily="34" charset="0"/>
+            </a:endParaRPr>
+          </a:p>
+        </p:txBody>
+      </p:sp>
+      <p:pic>
+        <p:nvPicPr>
+          <p:cNvPr id="6" name="Контейнер за съдържание 5" descr="Картина, която съдържа текст, визитка, екранна снимка&#10;&#10;Описанието е генерирано автоматично">
+            <a:extLst>
+              <a:ext uri="{FF2B5EF4-FFF2-40B4-BE49-F238E27FC236}">
+                <a16:creationId xmlns:a16="http://schemas.microsoft.com/office/drawing/2014/main" id="{9F36048E-3532-4245-BC24-A230CDD3D910}"/>
+              </a:ext>
+            </a:extLst>
+          </p:cNvPr>
+          <p:cNvPicPr>
+            <a:picLocks noGrp="1" noChangeAspect="1"/>
+          </p:cNvPicPr>
+          <p:nvPr>
+            <p:ph idx="1"/>
+          </p:nvPr>
+        </p:nvPicPr>
+        <p:blipFill>
+          <a:blip r:embed="rId2">
+            <a:extLst>
+              <a:ext uri="{28A0092B-C50C-407E-A947-70E740481C1C}">
+                <a14:useLocalDpi xmlns:a14="http://schemas.microsoft.com/office/drawing/2010/main" val="0"/>
+              </a:ext>
+            </a:extLst>
+          </a:blip>
+          <a:stretch>
+            <a:fillRect/>
+          </a:stretch>
+        </p:blipFill>
+        <p:spPr>
+          <a:xfrm>
+            <a:off x="5513573" y="776813"/>
+            <a:ext cx="4761472" cy="2749750"/>
+          </a:xfrm>
+        </p:spPr>
+      </p:pic>
+      <p:sp>
+        <p:nvSpPr>
+          <p:cNvPr id="4" name="Текстов контейнер 3">
+            <a:extLst>
+              <a:ext uri="{FF2B5EF4-FFF2-40B4-BE49-F238E27FC236}">
+                <a16:creationId xmlns:a16="http://schemas.microsoft.com/office/drawing/2014/main" id="{91B1919B-592E-4D72-8823-6C23A08318C4}"/>
+              </a:ext>
+            </a:extLst>
+          </p:cNvPr>
+          <p:cNvSpPr>
+            <a:spLocks noGrp="1"/>
+          </p:cNvSpPr>
+          <p:nvPr>
+            <p:ph type="body" sz="half" idx="2"/>
+          </p:nvPr>
+        </p:nvSpPr>
+        <p:spPr>
+          <a:xfrm>
+            <a:off x="1154954" y="2724346"/>
+            <a:ext cx="3275644" cy="2611225"/>
+          </a:xfrm>
+        </p:spPr>
+        <p:txBody>
+          <a:bodyPr>
+            <a:normAutofit/>
+          </a:bodyPr>
+          <a:lstStyle/>
+          <a:p>
+            <a:r>
+              <a:rPr lang="en-US" sz="1800" dirty="0">
+                <a:solidFill>
+                  <a:schemeClr val="bg1"/>
+                </a:solidFill>
+                <a:latin typeface="Arial" panose="020B0604020202020204" pitchFamily="34" charset="0"/>
+                <a:cs typeface="Arial" panose="020B0604020202020204" pitchFamily="34" charset="0"/>
+              </a:rPr>
+              <a:t>It’s a gold standard for measuring manufacturing productivity.</a:t>
+            </a:r>
+          </a:p>
+          <a:p>
+            <a:r>
+              <a:rPr lang="en-US" sz="1800" dirty="0">
+                <a:solidFill>
+                  <a:schemeClr val="bg1"/>
+                </a:solidFill>
+                <a:latin typeface="Arial" panose="020B0604020202020204" pitchFamily="34" charset="0"/>
+                <a:cs typeface="Arial" panose="020B0604020202020204" pitchFamily="34" charset="0"/>
+              </a:rPr>
+              <a:t>By measuring of OEE and the underlying losses, we can get important insights on how to systematically improve our manufacturing process.</a:t>
+            </a:r>
+            <a:endParaRPr lang="bg-BG" sz="1800" dirty="0">
+              <a:solidFill>
+                <a:schemeClr val="bg1"/>
+              </a:solidFill>
+              <a:latin typeface="Arial" panose="020B0604020202020204" pitchFamily="34" charset="0"/>
+              <a:cs typeface="Arial" panose="020B0604020202020204" pitchFamily="34" charset="0"/>
+            </a:endParaRPr>
+          </a:p>
+        </p:txBody>
+      </p:sp>
+      <p:pic>
+        <p:nvPicPr>
+          <p:cNvPr id="8" name="Картина 7">
+            <a:extLst>
+              <a:ext uri="{FF2B5EF4-FFF2-40B4-BE49-F238E27FC236}">
+                <a16:creationId xmlns:a16="http://schemas.microsoft.com/office/drawing/2014/main" id="{CB240A52-C317-4489-B730-676821015F8A}"/>
+              </a:ext>
+            </a:extLst>
+          </p:cNvPr>
+          <p:cNvPicPr>
+            <a:picLocks noChangeAspect="1"/>
+          </p:cNvPicPr>
+          <p:nvPr/>
+        </p:nvPicPr>
+        <p:blipFill>
+          <a:blip r:embed="rId3" cstate="hqprint">
+            <a:extLst>
+              <a:ext uri="{28A0092B-C50C-407E-A947-70E740481C1C}">
+                <a14:useLocalDpi xmlns:a14="http://schemas.microsoft.com/office/drawing/2010/main" val="0"/>
+              </a:ext>
+            </a:extLst>
+          </a:blip>
+          <a:stretch>
+            <a:fillRect/>
+          </a:stretch>
+        </p:blipFill>
+        <p:spPr>
+          <a:xfrm>
+            <a:off x="5596506" y="3668803"/>
+            <a:ext cx="4595605" cy="2585028"/>
+          </a:xfrm>
+          <a:prstGeom prst="rect">
+            <a:avLst/>
+          </a:prstGeom>
+        </p:spPr>
+      </p:pic>
+    </p:spTree>
+    <p:extLst>
+      <p:ext uri="{BB962C8B-B14F-4D97-AF65-F5344CB8AC3E}">
+        <p14:creationId xmlns:p14="http://schemas.microsoft.com/office/powerpoint/2010/main" val="2952636599"/>
+      </p:ext>
+    </p:extLst>
+  </p:cSld>
+  <p:clrMapOvr>
+    <a:masterClrMapping/>
+  </p:clrMapOvr>
+</p:sld>
+</file>
+
+<file path=ppt/slides/slide11.xml><?xml version="1.0" encoding="utf-8"?>
+<p:sld xmlns:a="http://schemas.openxmlformats.org/drawingml/2006/main" xmlns:r="http://schemas.openxmlformats.org/officeDocument/2006/relationships" xmlns:p="http://schemas.openxmlformats.org/presentationml/2006/main">
+  <p:cSld>
+    <p:spTree>
+      <p:nvGrpSpPr>
+        <p:cNvPr id="1" name=""/>
+        <p:cNvGrpSpPr/>
+        <p:nvPr/>
+      </p:nvGrpSpPr>
+      <p:grpSpPr>
+        <a:xfrm>
+          <a:off x="0" y="0"/>
+          <a:ext cx="0" cy="0"/>
+          <a:chOff x="0" y="0"/>
+          <a:chExt cx="0" cy="0"/>
+        </a:xfrm>
+      </p:grpSpPr>
+      <p:sp>
+        <p:nvSpPr>
+          <p:cNvPr id="2" name="Заглавие 1">
+            <a:extLst>
+              <a:ext uri="{FF2B5EF4-FFF2-40B4-BE49-F238E27FC236}">
+                <a16:creationId xmlns:a16="http://schemas.microsoft.com/office/drawing/2014/main" id="{43317B4A-D21E-4C75-A6E2-27AADB395689}"/>
+              </a:ext>
+            </a:extLst>
+          </p:cNvPr>
+          <p:cNvSpPr>
+            <a:spLocks noGrp="1"/>
+          </p:cNvSpPr>
+          <p:nvPr>
+            <p:ph type="title"/>
+          </p:nvPr>
+        </p:nvSpPr>
+        <p:spPr/>
+        <p:txBody>
+          <a:bodyPr/>
+          <a:lstStyle/>
+          <a:p>
+            <a:pPr algn="ctr"/>
+            <a:r>
+              <a:rPr lang="en-US" dirty="0">
+                <a:latin typeface="Arial" panose="020B0604020202020204" pitchFamily="34" charset="0"/>
+                <a:cs typeface="Arial" panose="020B0604020202020204" pitchFamily="34" charset="0"/>
+              </a:rPr>
+              <a:t>Smart manufacture</a:t>
+            </a:r>
+            <a:endParaRPr lang="bg-BG" dirty="0">
+              <a:latin typeface="Arial" panose="020B0604020202020204" pitchFamily="34" charset="0"/>
+              <a:cs typeface="Arial" panose="020B0604020202020204" pitchFamily="34" charset="0"/>
+            </a:endParaRPr>
+          </a:p>
+        </p:txBody>
+      </p:sp>
+      <p:pic>
+        <p:nvPicPr>
+          <p:cNvPr id="5" name="Контейнер за съдържание 4">
+            <a:extLst>
+              <a:ext uri="{FF2B5EF4-FFF2-40B4-BE49-F238E27FC236}">
+                <a16:creationId xmlns:a16="http://schemas.microsoft.com/office/drawing/2014/main" id="{50B7D79F-1C0B-4D25-A726-841BCBF5948F}"/>
+              </a:ext>
+            </a:extLst>
+          </p:cNvPr>
+          <p:cNvPicPr>
+            <a:picLocks noGrp="1" noChangeAspect="1"/>
+          </p:cNvPicPr>
+          <p:nvPr>
+            <p:ph idx="1"/>
+          </p:nvPr>
+        </p:nvPicPr>
+        <p:blipFill>
+          <a:blip r:embed="rId2">
+            <a:extLst>
+              <a:ext uri="{28A0092B-C50C-407E-A947-70E740481C1C}">
+                <a14:useLocalDpi xmlns:a14="http://schemas.microsoft.com/office/drawing/2010/main" val="0"/>
+              </a:ext>
+            </a:extLst>
+          </a:blip>
+          <a:stretch>
+            <a:fillRect/>
+          </a:stretch>
+        </p:blipFill>
+        <p:spPr>
+          <a:xfrm>
+            <a:off x="2468881" y="2501900"/>
+            <a:ext cx="6990910" cy="3930468"/>
+          </a:xfrm>
+          <a:prstGeom prst="roundRect">
+            <a:avLst>
+              <a:gd name="adj" fmla="val 4167"/>
+            </a:avLst>
+          </a:prstGeom>
+          <a:solidFill>
+            <a:srgbClr val="FFFFFF"/>
+          </a:solidFill>
+          <a:ln w="76200" cap="sq">
+            <a:solidFill>
+              <a:srgbClr val="EAEAEA"/>
+            </a:solidFill>
+            <a:miter lim="800000"/>
+          </a:ln>
+          <a:effectLst>
+            <a:reflection blurRad="12700" stA="33000" endPos="28000" dist="5000" dir="5400000" sy="-100000" algn="bl" rotWithShape="0"/>
+          </a:effectLst>
+          <a:scene3d>
+            <a:camera prst="orthographicFront"/>
+            <a:lightRig rig="threePt" dir="t">
+              <a:rot lat="0" lon="0" rev="2700000"/>
+            </a:lightRig>
+          </a:scene3d>
+          <a:sp3d contourW="6350">
+            <a:bevelT h="38100"/>
+            <a:contourClr>
+              <a:srgbClr val="C0C0C0"/>
+            </a:contourClr>
+          </a:sp3d>
+        </p:spPr>
+      </p:pic>
+    </p:spTree>
+    <p:extLst>
+      <p:ext uri="{BB962C8B-B14F-4D97-AF65-F5344CB8AC3E}">
+        <p14:creationId xmlns:p14="http://schemas.microsoft.com/office/powerpoint/2010/main" val="1220923656"/>
+      </p:ext>
+    </p:extLst>
+  </p:cSld>
+  <p:clrMapOvr>
+    <a:masterClrMapping/>
+  </p:clrMapOvr>
+</p:sld>
+</file>
+
+<file path=ppt/slides/slide12.xml><?xml version="1.0" encoding="utf-8"?>
+<p:sld xmlns:a="http://schemas.openxmlformats.org/drawingml/2006/main" xmlns:r="http://schemas.openxmlformats.org/officeDocument/2006/relationships" xmlns:p="http://schemas.openxmlformats.org/presentationml/2006/main">
+  <p:cSld>
+    <p:spTree>
+      <p:nvGrpSpPr>
+        <p:cNvPr id="1" name=""/>
+        <p:cNvGrpSpPr/>
+        <p:nvPr/>
+      </p:nvGrpSpPr>
+      <p:grpSpPr>
+        <a:xfrm>
+          <a:off x="0" y="0"/>
+          <a:ext cx="0" cy="0"/>
+          <a:chOff x="0" y="0"/>
+          <a:chExt cx="0" cy="0"/>
+        </a:xfrm>
+      </p:grpSpPr>
+      <p:sp>
+        <p:nvSpPr>
+          <p:cNvPr id="2" name="Заглавие 1">
+            <a:extLst>
+              <a:ext uri="{FF2B5EF4-FFF2-40B4-BE49-F238E27FC236}">
                 <a16:creationId xmlns:a16="http://schemas.microsoft.com/office/drawing/2014/main" id="{AEB9108C-3255-495A-834E-A5961A181A0A}"/>
               </a:ext>
             </a:extLst>
@@ -14304,7 +14637,7 @@
 </p:sld>
 </file>
 
-<file path=ppt/slides/slide11.xml><?xml version="1.0" encoding="utf-8"?>
+<file path=ppt/slides/slide13.xml><?xml version="1.0" encoding="utf-8"?>
 <p:sld xmlns:a="http://schemas.openxmlformats.org/drawingml/2006/main" xmlns:r="http://schemas.openxmlformats.org/officeDocument/2006/relationships" xmlns:p="http://schemas.openxmlformats.org/presentationml/2006/main">
   <p:cSld>
     <p:spTree>
@@ -14658,7 +14991,7 @@
 </p:sld>
 </file>
 
-<file path=ppt/slides/slide12.xml><?xml version="1.0" encoding="utf-8"?>
+<file path=ppt/slides/slide14.xml><?xml version="1.0" encoding="utf-8"?>
 <p:sld xmlns:a="http://schemas.openxmlformats.org/drawingml/2006/main" xmlns:r="http://schemas.openxmlformats.org/officeDocument/2006/relationships" xmlns:p="http://schemas.openxmlformats.org/presentationml/2006/main">
   <p:cSld>
     <p:spTree>
@@ -15516,7 +15849,7 @@
 </p:sld>
 </file>
 
-<file path=ppt/slides/slide13.xml><?xml version="1.0" encoding="utf-8"?>
+<file path=ppt/slides/slide15.xml><?xml version="1.0" encoding="utf-8"?>
 <p:sld xmlns:a="http://schemas.openxmlformats.org/drawingml/2006/main" xmlns:r="http://schemas.openxmlformats.org/officeDocument/2006/relationships" xmlns:p="http://schemas.openxmlformats.org/presentationml/2006/main">
   <p:cSld>
     <p:spTree>
@@ -15617,7 +15950,7 @@
 </p:sld>
 </file>
 
-<file path=ppt/slides/slide14.xml><?xml version="1.0" encoding="utf-8"?>
+<file path=ppt/slides/slide16.xml><?xml version="1.0" encoding="utf-8"?>
 <p:sld xmlns:a="http://schemas.openxmlformats.org/drawingml/2006/main" xmlns:r="http://schemas.openxmlformats.org/officeDocument/2006/relationships" xmlns:p="http://schemas.openxmlformats.org/presentationml/2006/main">
   <p:cSld>
     <p:spTree>
@@ -15771,7 +16104,7 @@
 </p:sld>
 </file>
 
-<file path=ppt/slides/slide15.xml><?xml version="1.0" encoding="utf-8"?>
+<file path=ppt/slides/slide17.xml><?xml version="1.0" encoding="utf-8"?>
 <p:sld xmlns:a="http://schemas.openxmlformats.org/drawingml/2006/main" xmlns:r="http://schemas.openxmlformats.org/officeDocument/2006/relationships" xmlns:p="http://schemas.openxmlformats.org/presentationml/2006/main">
   <p:cSld>
     <p:spTree>
@@ -15901,7 +16234,7 @@
 </p:sld>
 </file>
 
-<file path=ppt/slides/slide16.xml><?xml version="1.0" encoding="utf-8"?>
+<file path=ppt/slides/slide18.xml><?xml version="1.0" encoding="utf-8"?>
 <p:sld xmlns:a="http://schemas.openxmlformats.org/drawingml/2006/main" xmlns:r="http://schemas.openxmlformats.org/officeDocument/2006/relationships" xmlns:p="http://schemas.openxmlformats.org/presentationml/2006/main">
   <p:cSld>
     <p:spTree>
@@ -16135,7 +16468,7 @@
 </p:sld>
 </file>
 
-<file path=ppt/slides/slide17.xml><?xml version="1.0" encoding="utf-8"?>
+<file path=ppt/slides/slide19.xml><?xml version="1.0" encoding="utf-8"?>
 <p:sld xmlns:a="http://schemas.openxmlformats.org/drawingml/2006/main" xmlns:r="http://schemas.openxmlformats.org/officeDocument/2006/relationships" xmlns:p="http://schemas.openxmlformats.org/presentationml/2006/main">
   <p:cSld>
     <p:spTree>
@@ -16855,832 +17188,6 @@
     <p:extLst>
       <p:ext uri="{BB962C8B-B14F-4D97-AF65-F5344CB8AC3E}">
         <p14:creationId xmlns:p14="http://schemas.microsoft.com/office/powerpoint/2010/main" val="3539581258"/>
-      </p:ext>
-    </p:extLst>
-  </p:cSld>
-  <p:clrMapOvr>
-    <a:masterClrMapping/>
-  </p:clrMapOvr>
-</p:sld>
-</file>
-
-<file path=ppt/slides/slide18.xml><?xml version="1.0" encoding="utf-8"?>
-<p:sld xmlns:a="http://schemas.openxmlformats.org/drawingml/2006/main" xmlns:r="http://schemas.openxmlformats.org/officeDocument/2006/relationships" xmlns:p="http://schemas.openxmlformats.org/presentationml/2006/main">
-  <p:cSld>
-    <p:spTree>
-      <p:nvGrpSpPr>
-        <p:cNvPr id="1" name=""/>
-        <p:cNvGrpSpPr/>
-        <p:nvPr/>
-      </p:nvGrpSpPr>
-      <p:grpSpPr>
-        <a:xfrm>
-          <a:off x="0" y="0"/>
-          <a:ext cx="0" cy="0"/>
-          <a:chOff x="0" y="0"/>
-          <a:chExt cx="0" cy="0"/>
-        </a:xfrm>
-      </p:grpSpPr>
-      <p:sp>
-        <p:nvSpPr>
-          <p:cNvPr id="2" name="Заглавие 1">
-            <a:extLst>
-              <a:ext uri="{FF2B5EF4-FFF2-40B4-BE49-F238E27FC236}">
-                <a16:creationId xmlns:a16="http://schemas.microsoft.com/office/drawing/2014/main" id="{DA312324-62E5-4F74-BADC-A6E6208D8789}"/>
-              </a:ext>
-            </a:extLst>
-          </p:cNvPr>
-          <p:cNvSpPr>
-            <a:spLocks noGrp="1"/>
-          </p:cNvSpPr>
-          <p:nvPr>
-            <p:ph type="title"/>
-          </p:nvPr>
-        </p:nvSpPr>
-        <p:spPr>
-          <a:xfrm>
-            <a:off x="1154955" y="1295400"/>
-            <a:ext cx="2793158" cy="967033"/>
-          </a:xfrm>
-        </p:spPr>
-        <p:txBody>
-          <a:bodyPr/>
-          <a:lstStyle/>
-          <a:p>
-            <a:pPr algn="ctr"/>
-            <a:r>
-              <a:rPr lang="en-US" dirty="0">
-                <a:latin typeface="Arial" panose="020B0604020202020204" pitchFamily="34" charset="0"/>
-                <a:cs typeface="Arial" panose="020B0604020202020204" pitchFamily="34" charset="0"/>
-              </a:rPr>
-              <a:t>Komax Connect Project</a:t>
-            </a:r>
-            <a:endParaRPr lang="bg-BG" dirty="0">
-              <a:latin typeface="Arial" panose="020B0604020202020204" pitchFamily="34" charset="0"/>
-              <a:cs typeface="Arial" panose="020B0604020202020204" pitchFamily="34" charset="0"/>
-            </a:endParaRPr>
-          </a:p>
-        </p:txBody>
-      </p:sp>
-      <p:pic>
-        <p:nvPicPr>
-          <p:cNvPr id="25" name="Контейнер за съдържание 24">
-            <a:extLst>
-              <a:ext uri="{FF2B5EF4-FFF2-40B4-BE49-F238E27FC236}">
-                <a16:creationId xmlns:a16="http://schemas.microsoft.com/office/drawing/2014/main" id="{D593F352-3381-497A-918A-13E4DA2369A8}"/>
-              </a:ext>
-            </a:extLst>
-          </p:cNvPr>
-          <p:cNvPicPr>
-            <a:picLocks noGrp="1" noChangeAspect="1"/>
-          </p:cNvPicPr>
-          <p:nvPr>
-            <p:ph idx="1"/>
-          </p:nvPr>
-        </p:nvPicPr>
-        <p:blipFill>
-          <a:blip r:embed="rId2">
-            <a:extLst>
-              <a:ext uri="{28A0092B-C50C-407E-A947-70E740481C1C}">
-                <a14:useLocalDpi xmlns:a14="http://schemas.microsoft.com/office/drawing/2010/main" val="0"/>
-              </a:ext>
-            </a:extLst>
-          </a:blip>
-          <a:stretch>
-            <a:fillRect/>
-          </a:stretch>
-        </p:blipFill>
-        <p:spPr>
-          <a:xfrm>
-            <a:off x="5518388" y="2337610"/>
-            <a:ext cx="6112887" cy="2701251"/>
-          </a:xfrm>
-        </p:spPr>
-      </p:pic>
-      <p:sp>
-        <p:nvSpPr>
-          <p:cNvPr id="4" name="Текстов контейнер 3">
-            <a:extLst>
-              <a:ext uri="{FF2B5EF4-FFF2-40B4-BE49-F238E27FC236}">
-                <a16:creationId xmlns:a16="http://schemas.microsoft.com/office/drawing/2014/main" id="{1590427F-5578-45C5-846B-BA827311EFE3}"/>
-              </a:ext>
-            </a:extLst>
-          </p:cNvPr>
-          <p:cNvSpPr>
-            <a:spLocks noGrp="1"/>
-          </p:cNvSpPr>
-          <p:nvPr>
-            <p:ph type="body" sz="half" idx="2"/>
-          </p:nvPr>
-        </p:nvSpPr>
-        <p:spPr>
-          <a:xfrm>
-            <a:off x="1154954" y="2582944"/>
-            <a:ext cx="3162522" cy="3441935"/>
-          </a:xfrm>
-        </p:spPr>
-        <p:txBody>
-          <a:bodyPr>
-            <a:noAutofit/>
-          </a:bodyPr>
-          <a:lstStyle/>
-          <a:p>
-            <a:r>
-              <a:rPr lang="en-US" sz="1600" dirty="0">
-                <a:solidFill>
-                  <a:schemeClr val="bg1"/>
-                </a:solidFill>
-                <a:latin typeface="Arial" panose="020B0604020202020204" pitchFamily="34" charset="0"/>
-                <a:cs typeface="Arial" panose="020B0604020202020204" pitchFamily="34" charset="0"/>
-              </a:rPr>
-              <a:t>We already have an initial  connection between CS WIN and the cloud KOMAX system.</a:t>
-            </a:r>
-          </a:p>
-          <a:p>
-            <a:r>
-              <a:rPr lang="en-US" sz="1600" dirty="0">
-                <a:solidFill>
-                  <a:schemeClr val="bg1"/>
-                </a:solidFill>
-                <a:latin typeface="Arial" panose="020B0604020202020204" pitchFamily="34" charset="0"/>
-                <a:cs typeface="Arial" panose="020B0604020202020204" pitchFamily="34" charset="0"/>
-              </a:rPr>
-              <a:t>For this purpose were developed CS WIN COM object which serves as a OPC UA client and OPC UA server which is a Windows service app that running on the same PC.</a:t>
-            </a:r>
-          </a:p>
-        </p:txBody>
-      </p:sp>
-    </p:spTree>
-    <p:extLst>
-      <p:ext uri="{BB962C8B-B14F-4D97-AF65-F5344CB8AC3E}">
-        <p14:creationId xmlns:p14="http://schemas.microsoft.com/office/powerpoint/2010/main" val="2705067992"/>
-      </p:ext>
-    </p:extLst>
-  </p:cSld>
-  <p:clrMapOvr>
-    <a:masterClrMapping/>
-  </p:clrMapOvr>
-</p:sld>
-</file>
-
-<file path=ppt/slides/slide19.xml><?xml version="1.0" encoding="utf-8"?>
-<p:sld xmlns:a="http://schemas.openxmlformats.org/drawingml/2006/main" xmlns:r="http://schemas.openxmlformats.org/officeDocument/2006/relationships" xmlns:p="http://schemas.openxmlformats.org/presentationml/2006/main">
-  <p:cSld>
-    <p:spTree>
-      <p:nvGrpSpPr>
-        <p:cNvPr id="1" name=""/>
-        <p:cNvGrpSpPr/>
-        <p:nvPr/>
-      </p:nvGrpSpPr>
-      <p:grpSpPr>
-        <a:xfrm>
-          <a:off x="0" y="0"/>
-          <a:ext cx="0" cy="0"/>
-          <a:chOff x="0" y="0"/>
-          <a:chExt cx="0" cy="0"/>
-        </a:xfrm>
-      </p:grpSpPr>
-      <p:sp>
-        <p:nvSpPr>
-          <p:cNvPr id="2" name="Title 1"/>
-          <p:cNvSpPr>
-            <a:spLocks noGrp="1"/>
-          </p:cNvSpPr>
-          <p:nvPr>
-            <p:ph type="title"/>
-          </p:nvPr>
-        </p:nvSpPr>
-        <p:spPr/>
-        <p:txBody>
-          <a:bodyPr/>
-          <a:lstStyle/>
-          <a:p>
-            <a:pPr algn="ctr"/>
-            <a:r>
-              <a:rPr lang="en-US" dirty="0">
-                <a:latin typeface="Arial" panose="020B0604020202020204" pitchFamily="34" charset="0"/>
-                <a:cs typeface="Arial" panose="020B0604020202020204" pitchFamily="34" charset="0"/>
-              </a:rPr>
-              <a:t>KOMAX Connect Project (demo)</a:t>
-            </a:r>
-          </a:p>
-        </p:txBody>
-      </p:sp>
-      <p:pic>
-        <p:nvPicPr>
-          <p:cNvPr id="4" name="Контейнер за съдържание 9">
-            <a:extLst>
-              <a:ext uri="{FF2B5EF4-FFF2-40B4-BE49-F238E27FC236}">
-                <a16:creationId xmlns:a16="http://schemas.microsoft.com/office/drawing/2014/main" id="{C0DD5992-5E6D-4267-87DF-67E399EB88BA}"/>
-              </a:ext>
-            </a:extLst>
-          </p:cNvPr>
-          <p:cNvPicPr>
-            <a:picLocks noGrp="1" noChangeAspect="1"/>
-          </p:cNvPicPr>
-          <p:nvPr>
-            <p:ph idx="1"/>
-          </p:nvPr>
-        </p:nvPicPr>
-        <p:blipFill>
-          <a:blip r:embed="rId2" cstate="hqprint">
-            <a:extLst>
-              <a:ext uri="{28A0092B-C50C-407E-A947-70E740481C1C}">
-                <a14:useLocalDpi xmlns:a14="http://schemas.microsoft.com/office/drawing/2010/main" val="0"/>
-              </a:ext>
-            </a:extLst>
-          </a:blip>
-          <a:stretch>
-            <a:fillRect/>
-          </a:stretch>
-        </p:blipFill>
-        <p:spPr>
-          <a:xfrm>
-            <a:off x="518728" y="4243705"/>
-            <a:ext cx="936576" cy="817426"/>
-          </a:xfrm>
-          <a:prstGeom prst="rect">
-            <a:avLst/>
-          </a:prstGeom>
-        </p:spPr>
-      </p:pic>
-      <p:pic>
-        <p:nvPicPr>
-          <p:cNvPr id="5" name="Picture 4"/>
-          <p:cNvPicPr>
-            <a:picLocks noChangeAspect="1"/>
-          </p:cNvPicPr>
-          <p:nvPr/>
-        </p:nvPicPr>
-        <p:blipFill>
-          <a:blip r:embed="rId3">
-            <a:extLst>
-              <a:ext uri="{28A0092B-C50C-407E-A947-70E740481C1C}">
-                <a14:useLocalDpi xmlns:a14="http://schemas.microsoft.com/office/drawing/2010/main" val="0"/>
-              </a:ext>
-            </a:extLst>
-          </a:blip>
-          <a:stretch>
-            <a:fillRect/>
-          </a:stretch>
-        </p:blipFill>
-        <p:spPr>
-          <a:xfrm>
-            <a:off x="9390613" y="4054358"/>
-            <a:ext cx="1564248" cy="1018449"/>
-          </a:xfrm>
-          <a:prstGeom prst="rect">
-            <a:avLst/>
-          </a:prstGeom>
-        </p:spPr>
-      </p:pic>
-      <p:pic>
-        <p:nvPicPr>
-          <p:cNvPr id="6" name="Picture 5"/>
-          <p:cNvPicPr>
-            <a:picLocks noChangeAspect="1"/>
-          </p:cNvPicPr>
-          <p:nvPr/>
-        </p:nvPicPr>
-        <p:blipFill>
-          <a:blip r:embed="rId4">
-            <a:extLst>
-              <a:ext uri="{28A0092B-C50C-407E-A947-70E740481C1C}">
-                <a14:useLocalDpi xmlns:a14="http://schemas.microsoft.com/office/drawing/2010/main" val="0"/>
-              </a:ext>
-            </a:extLst>
-          </a:blip>
-          <a:stretch>
-            <a:fillRect/>
-          </a:stretch>
-        </p:blipFill>
-        <p:spPr>
-          <a:xfrm>
-            <a:off x="4041822" y="4257786"/>
-            <a:ext cx="801737" cy="777122"/>
-          </a:xfrm>
-          <a:prstGeom prst="rect">
-            <a:avLst/>
-          </a:prstGeom>
-        </p:spPr>
-      </p:pic>
-      <p:sp>
-        <p:nvSpPr>
-          <p:cNvPr id="9" name="Текстово поле 17">
-            <a:extLst>
-              <a:ext uri="{FF2B5EF4-FFF2-40B4-BE49-F238E27FC236}">
-                <a16:creationId xmlns:a16="http://schemas.microsoft.com/office/drawing/2014/main" id="{7F5DDDB3-3F24-48C7-B9CA-C8D03CAB82D2}"/>
-              </a:ext>
-            </a:extLst>
-          </p:cNvPr>
-          <p:cNvSpPr txBox="1"/>
-          <p:nvPr/>
-        </p:nvSpPr>
-        <p:spPr>
-          <a:xfrm>
-            <a:off x="3897746" y="3734566"/>
-            <a:ext cx="1483351" cy="523220"/>
-          </a:xfrm>
-          <a:prstGeom prst="rect">
-            <a:avLst/>
-          </a:prstGeom>
-          <a:noFill/>
-        </p:spPr>
-        <p:txBody>
-          <a:bodyPr wrap="square" rtlCol="0">
-            <a:spAutoFit/>
-          </a:bodyPr>
-          <a:lstStyle/>
-          <a:p>
-            <a:r>
-              <a:rPr lang="en-US" sz="1400" dirty="0">
-                <a:latin typeface="Arial" panose="020B0604020202020204" pitchFamily="34" charset="0"/>
-                <a:cs typeface="Arial" panose="020B0604020202020204" pitchFamily="34" charset="0"/>
-              </a:rPr>
-              <a:t>OPC UA server (Win service)</a:t>
-            </a:r>
-            <a:endParaRPr lang="bg-BG" sz="1400" dirty="0">
-              <a:latin typeface="Arial" panose="020B0604020202020204" pitchFamily="34" charset="0"/>
-              <a:cs typeface="Arial" panose="020B0604020202020204" pitchFamily="34" charset="0"/>
-            </a:endParaRPr>
-          </a:p>
-        </p:txBody>
-      </p:sp>
-      <p:cxnSp>
-        <p:nvCxnSpPr>
-          <p:cNvPr id="10" name="Съединител &quot;права стрелка&quot; 10">
-            <a:extLst>
-              <a:ext uri="{FF2B5EF4-FFF2-40B4-BE49-F238E27FC236}">
-                <a16:creationId xmlns:a16="http://schemas.microsoft.com/office/drawing/2014/main" id="{7928FC36-829C-421E-9AB1-B7301E06C832}"/>
-              </a:ext>
-            </a:extLst>
-          </p:cNvPr>
-          <p:cNvCxnSpPr>
-            <a:cxnSpLocks/>
-          </p:cNvCxnSpPr>
-          <p:nvPr/>
-        </p:nvCxnSpPr>
-        <p:spPr>
-          <a:xfrm flipV="1">
-            <a:off x="1542569" y="4640006"/>
-            <a:ext cx="2347792" cy="12682"/>
-          </a:xfrm>
-          <a:prstGeom prst="straightConnector1">
-            <a:avLst/>
-          </a:prstGeom>
-          <a:ln>
-            <a:tailEnd type="triangle"/>
-          </a:ln>
-        </p:spPr>
-        <p:style>
-          <a:lnRef idx="1">
-            <a:schemeClr val="dk1"/>
-          </a:lnRef>
-          <a:fillRef idx="0">
-            <a:schemeClr val="dk1"/>
-          </a:fillRef>
-          <a:effectRef idx="0">
-            <a:schemeClr val="dk1"/>
-          </a:effectRef>
-          <a:fontRef idx="minor">
-            <a:schemeClr val="tx1"/>
-          </a:fontRef>
-        </p:style>
-      </p:cxnSp>
-      <p:sp>
-        <p:nvSpPr>
-          <p:cNvPr id="13" name="Текстово поле 17">
-            <a:extLst>
-              <a:ext uri="{FF2B5EF4-FFF2-40B4-BE49-F238E27FC236}">
-                <a16:creationId xmlns:a16="http://schemas.microsoft.com/office/drawing/2014/main" id="{7F5DDDB3-3F24-48C7-B9CA-C8D03CAB82D2}"/>
-              </a:ext>
-            </a:extLst>
-          </p:cNvPr>
-          <p:cNvSpPr txBox="1"/>
-          <p:nvPr/>
-        </p:nvSpPr>
-        <p:spPr>
-          <a:xfrm>
-            <a:off x="332925" y="3448319"/>
-            <a:ext cx="1410390" cy="738664"/>
-          </a:xfrm>
-          <a:prstGeom prst="rect">
-            <a:avLst/>
-          </a:prstGeom>
-          <a:noFill/>
-        </p:spPr>
-        <p:txBody>
-          <a:bodyPr wrap="square" rtlCol="0">
-            <a:spAutoFit/>
-          </a:bodyPr>
-          <a:lstStyle/>
-          <a:p>
-            <a:r>
-              <a:rPr lang="en-US" sz="1400" dirty="0">
-                <a:latin typeface="Arial" panose="020B0604020202020204" pitchFamily="34" charset="0"/>
-                <a:cs typeface="Arial" panose="020B0604020202020204" pitchFamily="34" charset="0"/>
-              </a:rPr>
-              <a:t>CS WIN </a:t>
-            </a:r>
-          </a:p>
-          <a:p>
-            <a:r>
-              <a:rPr lang="en-US" sz="1400" dirty="0">
-                <a:latin typeface="Arial" panose="020B0604020202020204" pitchFamily="34" charset="0"/>
-                <a:cs typeface="Arial" panose="020B0604020202020204" pitchFamily="34" charset="0"/>
-              </a:rPr>
-              <a:t>(OPC UA client</a:t>
-            </a:r>
-          </a:p>
-          <a:p>
-            <a:r>
-              <a:rPr lang="en-US" sz="1400" dirty="0">
-                <a:latin typeface="Arial" panose="020B0604020202020204" pitchFamily="34" charset="0"/>
-                <a:cs typeface="Arial" panose="020B0604020202020204" pitchFamily="34" charset="0"/>
-              </a:rPr>
-              <a:t> – COM object)</a:t>
-            </a:r>
-            <a:endParaRPr lang="bg-BG" sz="1400" dirty="0">
-              <a:latin typeface="Arial" panose="020B0604020202020204" pitchFamily="34" charset="0"/>
-              <a:cs typeface="Arial" panose="020B0604020202020204" pitchFamily="34" charset="0"/>
-            </a:endParaRPr>
-          </a:p>
-        </p:txBody>
-      </p:sp>
-      <p:pic>
-        <p:nvPicPr>
-          <p:cNvPr id="21" name="Контейнер за съдържание 7">
-            <a:extLst>
-              <a:ext uri="{FF2B5EF4-FFF2-40B4-BE49-F238E27FC236}">
-                <a16:creationId xmlns:a16="http://schemas.microsoft.com/office/drawing/2014/main" id="{E0C74E10-020B-46E3-AFAC-3A0647E97630}"/>
-              </a:ext>
-            </a:extLst>
-          </p:cNvPr>
-          <p:cNvPicPr>
-            <a:picLocks noChangeAspect="1"/>
-          </p:cNvPicPr>
-          <p:nvPr/>
-        </p:nvPicPr>
-        <p:blipFill>
-          <a:blip r:embed="rId5">
-            <a:extLst>
-              <a:ext uri="{28A0092B-C50C-407E-A947-70E740481C1C}">
-                <a14:useLocalDpi xmlns:a14="http://schemas.microsoft.com/office/drawing/2010/main" val="0"/>
-              </a:ext>
-            </a:extLst>
-          </a:blip>
-          <a:stretch>
-            <a:fillRect/>
-          </a:stretch>
-        </p:blipFill>
-        <p:spPr>
-          <a:xfrm>
-            <a:off x="6569439" y="3888839"/>
-            <a:ext cx="1264951" cy="1264951"/>
-          </a:xfrm>
-          <a:prstGeom prst="rect">
-            <a:avLst/>
-          </a:prstGeom>
-        </p:spPr>
-      </p:pic>
-      <p:sp>
-        <p:nvSpPr>
-          <p:cNvPr id="22" name="Текстово поле 17">
-            <a:extLst>
-              <a:ext uri="{FF2B5EF4-FFF2-40B4-BE49-F238E27FC236}">
-                <a16:creationId xmlns:a16="http://schemas.microsoft.com/office/drawing/2014/main" id="{7F5DDDB3-3F24-48C7-B9CA-C8D03CAB82D2}"/>
-              </a:ext>
-            </a:extLst>
-          </p:cNvPr>
-          <p:cNvSpPr txBox="1"/>
-          <p:nvPr/>
-        </p:nvSpPr>
-        <p:spPr>
-          <a:xfrm>
-            <a:off x="6443893" y="3580677"/>
-            <a:ext cx="1599417" cy="307777"/>
-          </a:xfrm>
-          <a:prstGeom prst="rect">
-            <a:avLst/>
-          </a:prstGeom>
-          <a:noFill/>
-        </p:spPr>
-        <p:txBody>
-          <a:bodyPr wrap="square" rtlCol="0">
-            <a:spAutoFit/>
-          </a:bodyPr>
-          <a:lstStyle/>
-          <a:p>
-            <a:r>
-              <a:rPr lang="en-US" sz="1400" dirty="0">
-                <a:latin typeface="Arial" panose="020B0604020202020204" pitchFamily="34" charset="0"/>
-                <a:cs typeface="Arial" panose="020B0604020202020204" pitchFamily="34" charset="0"/>
-              </a:rPr>
-              <a:t>KOMAX Gateway</a:t>
-            </a:r>
-            <a:endParaRPr lang="bg-BG" sz="1400" dirty="0">
-              <a:latin typeface="Arial" panose="020B0604020202020204" pitchFamily="34" charset="0"/>
-              <a:cs typeface="Arial" panose="020B0604020202020204" pitchFamily="34" charset="0"/>
-            </a:endParaRPr>
-          </a:p>
-        </p:txBody>
-      </p:sp>
-      <p:sp>
-        <p:nvSpPr>
-          <p:cNvPr id="23" name="Текстово поле 17">
-            <a:extLst>
-              <a:ext uri="{FF2B5EF4-FFF2-40B4-BE49-F238E27FC236}">
-                <a16:creationId xmlns:a16="http://schemas.microsoft.com/office/drawing/2014/main" id="{7F5DDDB3-3F24-48C7-B9CA-C8D03CAB82D2}"/>
-              </a:ext>
-            </a:extLst>
-          </p:cNvPr>
-          <p:cNvSpPr txBox="1"/>
-          <p:nvPr/>
-        </p:nvSpPr>
-        <p:spPr>
-          <a:xfrm>
-            <a:off x="9317959" y="3663763"/>
-            <a:ext cx="1599417" cy="307777"/>
-          </a:xfrm>
-          <a:prstGeom prst="rect">
-            <a:avLst/>
-          </a:prstGeom>
-          <a:noFill/>
-        </p:spPr>
-        <p:txBody>
-          <a:bodyPr wrap="square" rtlCol="0">
-            <a:spAutoFit/>
-          </a:bodyPr>
-          <a:lstStyle/>
-          <a:p>
-            <a:r>
-              <a:rPr lang="en-US" sz="1400" dirty="0">
-                <a:latin typeface="Arial" panose="020B0604020202020204" pitchFamily="34" charset="0"/>
-                <a:cs typeface="Arial" panose="020B0604020202020204" pitchFamily="34" charset="0"/>
-              </a:rPr>
-              <a:t>Cloud dashboard</a:t>
-            </a:r>
-            <a:endParaRPr lang="bg-BG" sz="1400" dirty="0">
-              <a:latin typeface="Arial" panose="020B0604020202020204" pitchFamily="34" charset="0"/>
-              <a:cs typeface="Arial" panose="020B0604020202020204" pitchFamily="34" charset="0"/>
-            </a:endParaRPr>
-          </a:p>
-        </p:txBody>
-      </p:sp>
-      <p:cxnSp>
-        <p:nvCxnSpPr>
-          <p:cNvPr id="24" name="Съединител &quot;права стрелка&quot; 10">
-            <a:extLst>
-              <a:ext uri="{FF2B5EF4-FFF2-40B4-BE49-F238E27FC236}">
-                <a16:creationId xmlns:a16="http://schemas.microsoft.com/office/drawing/2014/main" id="{7928FC36-829C-421E-9AB1-B7301E06C832}"/>
-              </a:ext>
-            </a:extLst>
-          </p:cNvPr>
-          <p:cNvCxnSpPr>
-            <a:cxnSpLocks/>
-          </p:cNvCxnSpPr>
-          <p:nvPr/>
-        </p:nvCxnSpPr>
-        <p:spPr>
-          <a:xfrm flipV="1">
-            <a:off x="7739955" y="4557240"/>
-            <a:ext cx="1535415" cy="12684"/>
-          </a:xfrm>
-          <a:prstGeom prst="straightConnector1">
-            <a:avLst/>
-          </a:prstGeom>
-          <a:ln>
-            <a:tailEnd type="triangle"/>
-          </a:ln>
-        </p:spPr>
-        <p:style>
-          <a:lnRef idx="1">
-            <a:schemeClr val="dk1"/>
-          </a:lnRef>
-          <a:fillRef idx="0">
-            <a:schemeClr val="dk1"/>
-          </a:fillRef>
-          <a:effectRef idx="0">
-            <a:schemeClr val="dk1"/>
-          </a:effectRef>
-          <a:fontRef idx="minor">
-            <a:schemeClr val="tx1"/>
-          </a:fontRef>
-        </p:style>
-      </p:cxnSp>
-      <p:sp>
-        <p:nvSpPr>
-          <p:cNvPr id="25" name="Текстово поле 17">
-            <a:extLst>
-              <a:ext uri="{FF2B5EF4-FFF2-40B4-BE49-F238E27FC236}">
-                <a16:creationId xmlns:a16="http://schemas.microsoft.com/office/drawing/2014/main" id="{7F5DDDB3-3F24-48C7-B9CA-C8D03CAB82D2}"/>
-              </a:ext>
-            </a:extLst>
-          </p:cNvPr>
-          <p:cNvSpPr txBox="1"/>
-          <p:nvPr/>
-        </p:nvSpPr>
-        <p:spPr>
-          <a:xfrm>
-            <a:off x="1934865" y="4233635"/>
-            <a:ext cx="1599417" cy="307777"/>
-          </a:xfrm>
-          <a:prstGeom prst="rect">
-            <a:avLst/>
-          </a:prstGeom>
-          <a:noFill/>
-        </p:spPr>
-        <p:txBody>
-          <a:bodyPr wrap="square" rtlCol="0">
-            <a:spAutoFit/>
-          </a:bodyPr>
-          <a:lstStyle/>
-          <a:p>
-            <a:r>
-              <a:rPr lang="en-US" sz="1400" dirty="0">
-                <a:latin typeface="Arial" panose="020B0604020202020204" pitchFamily="34" charset="0"/>
-                <a:cs typeface="Arial" panose="020B0604020202020204" pitchFamily="34" charset="0"/>
-              </a:rPr>
-              <a:t>write data</a:t>
-            </a:r>
-            <a:endParaRPr lang="bg-BG" sz="1400" dirty="0">
-              <a:latin typeface="Arial" panose="020B0604020202020204" pitchFamily="34" charset="0"/>
-              <a:cs typeface="Arial" panose="020B0604020202020204" pitchFamily="34" charset="0"/>
-            </a:endParaRPr>
-          </a:p>
-        </p:txBody>
-      </p:sp>
-      <p:cxnSp>
-        <p:nvCxnSpPr>
-          <p:cNvPr id="28" name="Съединител &quot;права стрелка&quot; 10">
-            <a:extLst>
-              <a:ext uri="{FF2B5EF4-FFF2-40B4-BE49-F238E27FC236}">
-                <a16:creationId xmlns:a16="http://schemas.microsoft.com/office/drawing/2014/main" id="{7928FC36-829C-421E-9AB1-B7301E06C832}"/>
-              </a:ext>
-            </a:extLst>
-          </p:cNvPr>
-          <p:cNvCxnSpPr>
-            <a:cxnSpLocks/>
-          </p:cNvCxnSpPr>
-          <p:nvPr/>
-        </p:nvCxnSpPr>
-        <p:spPr>
-          <a:xfrm flipH="1">
-            <a:off x="5018090" y="4605437"/>
-            <a:ext cx="1535416" cy="3430"/>
-          </a:xfrm>
-          <a:prstGeom prst="straightConnector1">
-            <a:avLst/>
-          </a:prstGeom>
-          <a:ln>
-            <a:tailEnd type="triangle"/>
-          </a:ln>
-        </p:spPr>
-        <p:style>
-          <a:lnRef idx="1">
-            <a:schemeClr val="dk1"/>
-          </a:lnRef>
-          <a:fillRef idx="0">
-            <a:schemeClr val="dk1"/>
-          </a:fillRef>
-          <a:effectRef idx="0">
-            <a:schemeClr val="dk1"/>
-          </a:effectRef>
-          <a:fontRef idx="minor">
-            <a:schemeClr val="tx1"/>
-          </a:fontRef>
-        </p:style>
-      </p:cxnSp>
-      <p:sp>
-        <p:nvSpPr>
-          <p:cNvPr id="34" name="Текстово поле 17">
-            <a:extLst>
-              <a:ext uri="{FF2B5EF4-FFF2-40B4-BE49-F238E27FC236}">
-                <a16:creationId xmlns:a16="http://schemas.microsoft.com/office/drawing/2014/main" id="{7F5DDDB3-3F24-48C7-B9CA-C8D03CAB82D2}"/>
-              </a:ext>
-            </a:extLst>
-          </p:cNvPr>
-          <p:cNvSpPr txBox="1"/>
-          <p:nvPr/>
-        </p:nvSpPr>
-        <p:spPr>
-          <a:xfrm>
-            <a:off x="5354951" y="4213538"/>
-            <a:ext cx="1003143" cy="307777"/>
-          </a:xfrm>
-          <a:prstGeom prst="rect">
-            <a:avLst/>
-          </a:prstGeom>
-          <a:noFill/>
-        </p:spPr>
-        <p:txBody>
-          <a:bodyPr wrap="square" rtlCol="0">
-            <a:spAutoFit/>
-          </a:bodyPr>
-          <a:lstStyle/>
-          <a:p>
-            <a:r>
-              <a:rPr lang="en-US" sz="1400" dirty="0">
-                <a:latin typeface="Arial" panose="020B0604020202020204" pitchFamily="34" charset="0"/>
-                <a:cs typeface="Arial" panose="020B0604020202020204" pitchFamily="34" charset="0"/>
-              </a:rPr>
-              <a:t>read data</a:t>
-            </a:r>
-            <a:endParaRPr lang="bg-BG" sz="1400" dirty="0">
-              <a:latin typeface="Arial" panose="020B0604020202020204" pitchFamily="34" charset="0"/>
-              <a:cs typeface="Arial" panose="020B0604020202020204" pitchFamily="34" charset="0"/>
-            </a:endParaRPr>
-          </a:p>
-        </p:txBody>
-      </p:sp>
-      <p:sp>
-        <p:nvSpPr>
-          <p:cNvPr id="35" name="Текстово поле 17">
-            <a:extLst>
-              <a:ext uri="{FF2B5EF4-FFF2-40B4-BE49-F238E27FC236}">
-                <a16:creationId xmlns:a16="http://schemas.microsoft.com/office/drawing/2014/main" id="{7F5DDDB3-3F24-48C7-B9CA-C8D03CAB82D2}"/>
-              </a:ext>
-            </a:extLst>
-          </p:cNvPr>
-          <p:cNvSpPr txBox="1"/>
-          <p:nvPr/>
-        </p:nvSpPr>
-        <p:spPr>
-          <a:xfrm>
-            <a:off x="2115766" y="4706978"/>
-            <a:ext cx="867784" cy="307777"/>
-          </a:xfrm>
-          <a:prstGeom prst="rect">
-            <a:avLst/>
-          </a:prstGeom>
-          <a:noFill/>
-        </p:spPr>
-        <p:txBody>
-          <a:bodyPr wrap="square" rtlCol="0">
-            <a:spAutoFit/>
-          </a:bodyPr>
-          <a:lstStyle/>
-          <a:p>
-            <a:r>
-              <a:rPr lang="en-US" sz="1400" dirty="0">
-                <a:latin typeface="Arial" panose="020B0604020202020204" pitchFamily="34" charset="0"/>
-                <a:cs typeface="Arial" panose="020B0604020202020204" pitchFamily="34" charset="0"/>
-              </a:rPr>
-              <a:t>OPC UA</a:t>
-            </a:r>
-            <a:endParaRPr lang="bg-BG" sz="1400" dirty="0">
-              <a:latin typeface="Arial" panose="020B0604020202020204" pitchFamily="34" charset="0"/>
-              <a:cs typeface="Arial" panose="020B0604020202020204" pitchFamily="34" charset="0"/>
-            </a:endParaRPr>
-          </a:p>
-        </p:txBody>
-      </p:sp>
-      <p:sp>
-        <p:nvSpPr>
-          <p:cNvPr id="36" name="Текстово поле 17">
-            <a:extLst>
-              <a:ext uri="{FF2B5EF4-FFF2-40B4-BE49-F238E27FC236}">
-                <a16:creationId xmlns:a16="http://schemas.microsoft.com/office/drawing/2014/main" id="{7F5DDDB3-3F24-48C7-B9CA-C8D03CAB82D2}"/>
-              </a:ext>
-            </a:extLst>
-          </p:cNvPr>
-          <p:cNvSpPr txBox="1"/>
-          <p:nvPr/>
-        </p:nvSpPr>
-        <p:spPr>
-          <a:xfrm>
-            <a:off x="5381097" y="4692989"/>
-            <a:ext cx="867784" cy="307777"/>
-          </a:xfrm>
-          <a:prstGeom prst="rect">
-            <a:avLst/>
-          </a:prstGeom>
-          <a:noFill/>
-        </p:spPr>
-        <p:txBody>
-          <a:bodyPr wrap="square" rtlCol="0">
-            <a:spAutoFit/>
-          </a:bodyPr>
-          <a:lstStyle/>
-          <a:p>
-            <a:r>
-              <a:rPr lang="en-US" sz="1400" dirty="0">
-                <a:latin typeface="Arial" panose="020B0604020202020204" pitchFamily="34" charset="0"/>
-                <a:cs typeface="Arial" panose="020B0604020202020204" pitchFamily="34" charset="0"/>
-              </a:rPr>
-              <a:t>OPC UA</a:t>
-            </a:r>
-            <a:endParaRPr lang="bg-BG" sz="1400" dirty="0">
-              <a:latin typeface="Arial" panose="020B0604020202020204" pitchFamily="34" charset="0"/>
-              <a:cs typeface="Arial" panose="020B0604020202020204" pitchFamily="34" charset="0"/>
-            </a:endParaRPr>
-          </a:p>
-        </p:txBody>
-      </p:sp>
-    </p:spTree>
-    <p:extLst>
-      <p:ext uri="{BB962C8B-B14F-4D97-AF65-F5344CB8AC3E}">
-        <p14:creationId xmlns:p14="http://schemas.microsoft.com/office/powerpoint/2010/main" val="158121558"/>
       </p:ext>
     </p:extLst>
   </p:cSld>
@@ -17963,6 +17470,832 @@
 </file>
 
 <file path=ppt/slides/slide20.xml><?xml version="1.0" encoding="utf-8"?>
+<p:sld xmlns:a="http://schemas.openxmlformats.org/drawingml/2006/main" xmlns:r="http://schemas.openxmlformats.org/officeDocument/2006/relationships" xmlns:p="http://schemas.openxmlformats.org/presentationml/2006/main">
+  <p:cSld>
+    <p:spTree>
+      <p:nvGrpSpPr>
+        <p:cNvPr id="1" name=""/>
+        <p:cNvGrpSpPr/>
+        <p:nvPr/>
+      </p:nvGrpSpPr>
+      <p:grpSpPr>
+        <a:xfrm>
+          <a:off x="0" y="0"/>
+          <a:ext cx="0" cy="0"/>
+          <a:chOff x="0" y="0"/>
+          <a:chExt cx="0" cy="0"/>
+        </a:xfrm>
+      </p:grpSpPr>
+      <p:sp>
+        <p:nvSpPr>
+          <p:cNvPr id="2" name="Заглавие 1">
+            <a:extLst>
+              <a:ext uri="{FF2B5EF4-FFF2-40B4-BE49-F238E27FC236}">
+                <a16:creationId xmlns:a16="http://schemas.microsoft.com/office/drawing/2014/main" id="{DA312324-62E5-4F74-BADC-A6E6208D8789}"/>
+              </a:ext>
+            </a:extLst>
+          </p:cNvPr>
+          <p:cNvSpPr>
+            <a:spLocks noGrp="1"/>
+          </p:cNvSpPr>
+          <p:nvPr>
+            <p:ph type="title"/>
+          </p:nvPr>
+        </p:nvSpPr>
+        <p:spPr>
+          <a:xfrm>
+            <a:off x="1154955" y="1295400"/>
+            <a:ext cx="2793158" cy="967033"/>
+          </a:xfrm>
+        </p:spPr>
+        <p:txBody>
+          <a:bodyPr/>
+          <a:lstStyle/>
+          <a:p>
+            <a:pPr algn="ctr"/>
+            <a:r>
+              <a:rPr lang="en-US" dirty="0">
+                <a:latin typeface="Arial" panose="020B0604020202020204" pitchFamily="34" charset="0"/>
+                <a:cs typeface="Arial" panose="020B0604020202020204" pitchFamily="34" charset="0"/>
+              </a:rPr>
+              <a:t>Komax Connect Project</a:t>
+            </a:r>
+            <a:endParaRPr lang="bg-BG" dirty="0">
+              <a:latin typeface="Arial" panose="020B0604020202020204" pitchFamily="34" charset="0"/>
+              <a:cs typeface="Arial" panose="020B0604020202020204" pitchFamily="34" charset="0"/>
+            </a:endParaRPr>
+          </a:p>
+        </p:txBody>
+      </p:sp>
+      <p:pic>
+        <p:nvPicPr>
+          <p:cNvPr id="25" name="Контейнер за съдържание 24">
+            <a:extLst>
+              <a:ext uri="{FF2B5EF4-FFF2-40B4-BE49-F238E27FC236}">
+                <a16:creationId xmlns:a16="http://schemas.microsoft.com/office/drawing/2014/main" id="{D593F352-3381-497A-918A-13E4DA2369A8}"/>
+              </a:ext>
+            </a:extLst>
+          </p:cNvPr>
+          <p:cNvPicPr>
+            <a:picLocks noGrp="1" noChangeAspect="1"/>
+          </p:cNvPicPr>
+          <p:nvPr>
+            <p:ph idx="1"/>
+          </p:nvPr>
+        </p:nvPicPr>
+        <p:blipFill>
+          <a:blip r:embed="rId2">
+            <a:extLst>
+              <a:ext uri="{28A0092B-C50C-407E-A947-70E740481C1C}">
+                <a14:useLocalDpi xmlns:a14="http://schemas.microsoft.com/office/drawing/2010/main" val="0"/>
+              </a:ext>
+            </a:extLst>
+          </a:blip>
+          <a:stretch>
+            <a:fillRect/>
+          </a:stretch>
+        </p:blipFill>
+        <p:spPr>
+          <a:xfrm>
+            <a:off x="5518388" y="2337610"/>
+            <a:ext cx="6112887" cy="2701251"/>
+          </a:xfrm>
+        </p:spPr>
+      </p:pic>
+      <p:sp>
+        <p:nvSpPr>
+          <p:cNvPr id="4" name="Текстов контейнер 3">
+            <a:extLst>
+              <a:ext uri="{FF2B5EF4-FFF2-40B4-BE49-F238E27FC236}">
+                <a16:creationId xmlns:a16="http://schemas.microsoft.com/office/drawing/2014/main" id="{1590427F-5578-45C5-846B-BA827311EFE3}"/>
+              </a:ext>
+            </a:extLst>
+          </p:cNvPr>
+          <p:cNvSpPr>
+            <a:spLocks noGrp="1"/>
+          </p:cNvSpPr>
+          <p:nvPr>
+            <p:ph type="body" sz="half" idx="2"/>
+          </p:nvPr>
+        </p:nvSpPr>
+        <p:spPr>
+          <a:xfrm>
+            <a:off x="1154954" y="2582944"/>
+            <a:ext cx="3162522" cy="3441935"/>
+          </a:xfrm>
+        </p:spPr>
+        <p:txBody>
+          <a:bodyPr>
+            <a:noAutofit/>
+          </a:bodyPr>
+          <a:lstStyle/>
+          <a:p>
+            <a:r>
+              <a:rPr lang="en-US" sz="1600" dirty="0">
+                <a:solidFill>
+                  <a:schemeClr val="bg1"/>
+                </a:solidFill>
+                <a:latin typeface="Arial" panose="020B0604020202020204" pitchFamily="34" charset="0"/>
+                <a:cs typeface="Arial" panose="020B0604020202020204" pitchFamily="34" charset="0"/>
+              </a:rPr>
+              <a:t>We already have an initial  connection between CS WIN and the cloud KOMAX system.</a:t>
+            </a:r>
+          </a:p>
+          <a:p>
+            <a:r>
+              <a:rPr lang="en-US" sz="1600" dirty="0">
+                <a:solidFill>
+                  <a:schemeClr val="bg1"/>
+                </a:solidFill>
+                <a:latin typeface="Arial" panose="020B0604020202020204" pitchFamily="34" charset="0"/>
+                <a:cs typeface="Arial" panose="020B0604020202020204" pitchFamily="34" charset="0"/>
+              </a:rPr>
+              <a:t>For this purpose were developed CS WIN COM object which serves as a OPC UA client and OPC UA server which is a Windows service app that running on the same PC.</a:t>
+            </a:r>
+          </a:p>
+        </p:txBody>
+      </p:sp>
+    </p:spTree>
+    <p:extLst>
+      <p:ext uri="{BB962C8B-B14F-4D97-AF65-F5344CB8AC3E}">
+        <p14:creationId xmlns:p14="http://schemas.microsoft.com/office/powerpoint/2010/main" val="2705067992"/>
+      </p:ext>
+    </p:extLst>
+  </p:cSld>
+  <p:clrMapOvr>
+    <a:masterClrMapping/>
+  </p:clrMapOvr>
+</p:sld>
+</file>
+
+<file path=ppt/slides/slide21.xml><?xml version="1.0" encoding="utf-8"?>
+<p:sld xmlns:a="http://schemas.openxmlformats.org/drawingml/2006/main" xmlns:r="http://schemas.openxmlformats.org/officeDocument/2006/relationships" xmlns:p="http://schemas.openxmlformats.org/presentationml/2006/main">
+  <p:cSld>
+    <p:spTree>
+      <p:nvGrpSpPr>
+        <p:cNvPr id="1" name=""/>
+        <p:cNvGrpSpPr/>
+        <p:nvPr/>
+      </p:nvGrpSpPr>
+      <p:grpSpPr>
+        <a:xfrm>
+          <a:off x="0" y="0"/>
+          <a:ext cx="0" cy="0"/>
+          <a:chOff x="0" y="0"/>
+          <a:chExt cx="0" cy="0"/>
+        </a:xfrm>
+      </p:grpSpPr>
+      <p:sp>
+        <p:nvSpPr>
+          <p:cNvPr id="2" name="Title 1"/>
+          <p:cNvSpPr>
+            <a:spLocks noGrp="1"/>
+          </p:cNvSpPr>
+          <p:nvPr>
+            <p:ph type="title"/>
+          </p:nvPr>
+        </p:nvSpPr>
+        <p:spPr/>
+        <p:txBody>
+          <a:bodyPr/>
+          <a:lstStyle/>
+          <a:p>
+            <a:pPr algn="ctr"/>
+            <a:r>
+              <a:rPr lang="en-US" dirty="0">
+                <a:latin typeface="Arial" panose="020B0604020202020204" pitchFamily="34" charset="0"/>
+                <a:cs typeface="Arial" panose="020B0604020202020204" pitchFamily="34" charset="0"/>
+              </a:rPr>
+              <a:t>KOMAX Connect Project (demo)</a:t>
+            </a:r>
+          </a:p>
+        </p:txBody>
+      </p:sp>
+      <p:pic>
+        <p:nvPicPr>
+          <p:cNvPr id="4" name="Контейнер за съдържание 9">
+            <a:extLst>
+              <a:ext uri="{FF2B5EF4-FFF2-40B4-BE49-F238E27FC236}">
+                <a16:creationId xmlns:a16="http://schemas.microsoft.com/office/drawing/2014/main" id="{C0DD5992-5E6D-4267-87DF-67E399EB88BA}"/>
+              </a:ext>
+            </a:extLst>
+          </p:cNvPr>
+          <p:cNvPicPr>
+            <a:picLocks noGrp="1" noChangeAspect="1"/>
+          </p:cNvPicPr>
+          <p:nvPr>
+            <p:ph idx="1"/>
+          </p:nvPr>
+        </p:nvPicPr>
+        <p:blipFill>
+          <a:blip r:embed="rId2" cstate="hqprint">
+            <a:extLst>
+              <a:ext uri="{28A0092B-C50C-407E-A947-70E740481C1C}">
+                <a14:useLocalDpi xmlns:a14="http://schemas.microsoft.com/office/drawing/2010/main" val="0"/>
+              </a:ext>
+            </a:extLst>
+          </a:blip>
+          <a:stretch>
+            <a:fillRect/>
+          </a:stretch>
+        </p:blipFill>
+        <p:spPr>
+          <a:xfrm>
+            <a:off x="518728" y="4243705"/>
+            <a:ext cx="936576" cy="817426"/>
+          </a:xfrm>
+          <a:prstGeom prst="rect">
+            <a:avLst/>
+          </a:prstGeom>
+        </p:spPr>
+      </p:pic>
+      <p:pic>
+        <p:nvPicPr>
+          <p:cNvPr id="5" name="Picture 4"/>
+          <p:cNvPicPr>
+            <a:picLocks noChangeAspect="1"/>
+          </p:cNvPicPr>
+          <p:nvPr/>
+        </p:nvPicPr>
+        <p:blipFill>
+          <a:blip r:embed="rId3">
+            <a:extLst>
+              <a:ext uri="{28A0092B-C50C-407E-A947-70E740481C1C}">
+                <a14:useLocalDpi xmlns:a14="http://schemas.microsoft.com/office/drawing/2010/main" val="0"/>
+              </a:ext>
+            </a:extLst>
+          </a:blip>
+          <a:stretch>
+            <a:fillRect/>
+          </a:stretch>
+        </p:blipFill>
+        <p:spPr>
+          <a:xfrm>
+            <a:off x="9390613" y="4054358"/>
+            <a:ext cx="1564248" cy="1018449"/>
+          </a:xfrm>
+          <a:prstGeom prst="rect">
+            <a:avLst/>
+          </a:prstGeom>
+        </p:spPr>
+      </p:pic>
+      <p:pic>
+        <p:nvPicPr>
+          <p:cNvPr id="6" name="Picture 5"/>
+          <p:cNvPicPr>
+            <a:picLocks noChangeAspect="1"/>
+          </p:cNvPicPr>
+          <p:nvPr/>
+        </p:nvPicPr>
+        <p:blipFill>
+          <a:blip r:embed="rId4">
+            <a:extLst>
+              <a:ext uri="{28A0092B-C50C-407E-A947-70E740481C1C}">
+                <a14:useLocalDpi xmlns:a14="http://schemas.microsoft.com/office/drawing/2010/main" val="0"/>
+              </a:ext>
+            </a:extLst>
+          </a:blip>
+          <a:stretch>
+            <a:fillRect/>
+          </a:stretch>
+        </p:blipFill>
+        <p:spPr>
+          <a:xfrm>
+            <a:off x="4041822" y="4257786"/>
+            <a:ext cx="801737" cy="777122"/>
+          </a:xfrm>
+          <a:prstGeom prst="rect">
+            <a:avLst/>
+          </a:prstGeom>
+        </p:spPr>
+      </p:pic>
+      <p:sp>
+        <p:nvSpPr>
+          <p:cNvPr id="9" name="Текстово поле 17">
+            <a:extLst>
+              <a:ext uri="{FF2B5EF4-FFF2-40B4-BE49-F238E27FC236}">
+                <a16:creationId xmlns:a16="http://schemas.microsoft.com/office/drawing/2014/main" id="{7F5DDDB3-3F24-48C7-B9CA-C8D03CAB82D2}"/>
+              </a:ext>
+            </a:extLst>
+          </p:cNvPr>
+          <p:cNvSpPr txBox="1"/>
+          <p:nvPr/>
+        </p:nvSpPr>
+        <p:spPr>
+          <a:xfrm>
+            <a:off x="3897746" y="3734566"/>
+            <a:ext cx="1483351" cy="523220"/>
+          </a:xfrm>
+          <a:prstGeom prst="rect">
+            <a:avLst/>
+          </a:prstGeom>
+          <a:noFill/>
+        </p:spPr>
+        <p:txBody>
+          <a:bodyPr wrap="square" rtlCol="0">
+            <a:spAutoFit/>
+          </a:bodyPr>
+          <a:lstStyle/>
+          <a:p>
+            <a:r>
+              <a:rPr lang="en-US" sz="1400" dirty="0">
+                <a:latin typeface="Arial" panose="020B0604020202020204" pitchFamily="34" charset="0"/>
+                <a:cs typeface="Arial" panose="020B0604020202020204" pitchFamily="34" charset="0"/>
+              </a:rPr>
+              <a:t>OPC UA server (Win service)</a:t>
+            </a:r>
+            <a:endParaRPr lang="bg-BG" sz="1400" dirty="0">
+              <a:latin typeface="Arial" panose="020B0604020202020204" pitchFamily="34" charset="0"/>
+              <a:cs typeface="Arial" panose="020B0604020202020204" pitchFamily="34" charset="0"/>
+            </a:endParaRPr>
+          </a:p>
+        </p:txBody>
+      </p:sp>
+      <p:cxnSp>
+        <p:nvCxnSpPr>
+          <p:cNvPr id="10" name="Съединител &quot;права стрелка&quot; 10">
+            <a:extLst>
+              <a:ext uri="{FF2B5EF4-FFF2-40B4-BE49-F238E27FC236}">
+                <a16:creationId xmlns:a16="http://schemas.microsoft.com/office/drawing/2014/main" id="{7928FC36-829C-421E-9AB1-B7301E06C832}"/>
+              </a:ext>
+            </a:extLst>
+          </p:cNvPr>
+          <p:cNvCxnSpPr>
+            <a:cxnSpLocks/>
+          </p:cNvCxnSpPr>
+          <p:nvPr/>
+        </p:nvCxnSpPr>
+        <p:spPr>
+          <a:xfrm flipV="1">
+            <a:off x="1542569" y="4640006"/>
+            <a:ext cx="2347792" cy="12682"/>
+          </a:xfrm>
+          <a:prstGeom prst="straightConnector1">
+            <a:avLst/>
+          </a:prstGeom>
+          <a:ln>
+            <a:tailEnd type="triangle"/>
+          </a:ln>
+        </p:spPr>
+        <p:style>
+          <a:lnRef idx="1">
+            <a:schemeClr val="dk1"/>
+          </a:lnRef>
+          <a:fillRef idx="0">
+            <a:schemeClr val="dk1"/>
+          </a:fillRef>
+          <a:effectRef idx="0">
+            <a:schemeClr val="dk1"/>
+          </a:effectRef>
+          <a:fontRef idx="minor">
+            <a:schemeClr val="tx1"/>
+          </a:fontRef>
+        </p:style>
+      </p:cxnSp>
+      <p:sp>
+        <p:nvSpPr>
+          <p:cNvPr id="13" name="Текстово поле 17">
+            <a:extLst>
+              <a:ext uri="{FF2B5EF4-FFF2-40B4-BE49-F238E27FC236}">
+                <a16:creationId xmlns:a16="http://schemas.microsoft.com/office/drawing/2014/main" id="{7F5DDDB3-3F24-48C7-B9CA-C8D03CAB82D2}"/>
+              </a:ext>
+            </a:extLst>
+          </p:cNvPr>
+          <p:cNvSpPr txBox="1"/>
+          <p:nvPr/>
+        </p:nvSpPr>
+        <p:spPr>
+          <a:xfrm>
+            <a:off x="332925" y="3448319"/>
+            <a:ext cx="1410390" cy="738664"/>
+          </a:xfrm>
+          <a:prstGeom prst="rect">
+            <a:avLst/>
+          </a:prstGeom>
+          <a:noFill/>
+        </p:spPr>
+        <p:txBody>
+          <a:bodyPr wrap="square" rtlCol="0">
+            <a:spAutoFit/>
+          </a:bodyPr>
+          <a:lstStyle/>
+          <a:p>
+            <a:r>
+              <a:rPr lang="en-US" sz="1400" dirty="0">
+                <a:latin typeface="Arial" panose="020B0604020202020204" pitchFamily="34" charset="0"/>
+                <a:cs typeface="Arial" panose="020B0604020202020204" pitchFamily="34" charset="0"/>
+              </a:rPr>
+              <a:t>CS WIN </a:t>
+            </a:r>
+          </a:p>
+          <a:p>
+            <a:r>
+              <a:rPr lang="en-US" sz="1400" dirty="0">
+                <a:latin typeface="Arial" panose="020B0604020202020204" pitchFamily="34" charset="0"/>
+                <a:cs typeface="Arial" panose="020B0604020202020204" pitchFamily="34" charset="0"/>
+              </a:rPr>
+              <a:t>(OPC UA client</a:t>
+            </a:r>
+          </a:p>
+          <a:p>
+            <a:r>
+              <a:rPr lang="en-US" sz="1400" dirty="0">
+                <a:latin typeface="Arial" panose="020B0604020202020204" pitchFamily="34" charset="0"/>
+                <a:cs typeface="Arial" panose="020B0604020202020204" pitchFamily="34" charset="0"/>
+              </a:rPr>
+              <a:t> – COM object)</a:t>
+            </a:r>
+            <a:endParaRPr lang="bg-BG" sz="1400" dirty="0">
+              <a:latin typeface="Arial" panose="020B0604020202020204" pitchFamily="34" charset="0"/>
+              <a:cs typeface="Arial" panose="020B0604020202020204" pitchFamily="34" charset="0"/>
+            </a:endParaRPr>
+          </a:p>
+        </p:txBody>
+      </p:sp>
+      <p:pic>
+        <p:nvPicPr>
+          <p:cNvPr id="21" name="Контейнер за съдържание 7">
+            <a:extLst>
+              <a:ext uri="{FF2B5EF4-FFF2-40B4-BE49-F238E27FC236}">
+                <a16:creationId xmlns:a16="http://schemas.microsoft.com/office/drawing/2014/main" id="{E0C74E10-020B-46E3-AFAC-3A0647E97630}"/>
+              </a:ext>
+            </a:extLst>
+          </p:cNvPr>
+          <p:cNvPicPr>
+            <a:picLocks noChangeAspect="1"/>
+          </p:cNvPicPr>
+          <p:nvPr/>
+        </p:nvPicPr>
+        <p:blipFill>
+          <a:blip r:embed="rId5">
+            <a:extLst>
+              <a:ext uri="{28A0092B-C50C-407E-A947-70E740481C1C}">
+                <a14:useLocalDpi xmlns:a14="http://schemas.microsoft.com/office/drawing/2010/main" val="0"/>
+              </a:ext>
+            </a:extLst>
+          </a:blip>
+          <a:stretch>
+            <a:fillRect/>
+          </a:stretch>
+        </p:blipFill>
+        <p:spPr>
+          <a:xfrm>
+            <a:off x="6569439" y="3888839"/>
+            <a:ext cx="1264951" cy="1264951"/>
+          </a:xfrm>
+          <a:prstGeom prst="rect">
+            <a:avLst/>
+          </a:prstGeom>
+        </p:spPr>
+      </p:pic>
+      <p:sp>
+        <p:nvSpPr>
+          <p:cNvPr id="22" name="Текстово поле 17">
+            <a:extLst>
+              <a:ext uri="{FF2B5EF4-FFF2-40B4-BE49-F238E27FC236}">
+                <a16:creationId xmlns:a16="http://schemas.microsoft.com/office/drawing/2014/main" id="{7F5DDDB3-3F24-48C7-B9CA-C8D03CAB82D2}"/>
+              </a:ext>
+            </a:extLst>
+          </p:cNvPr>
+          <p:cNvSpPr txBox="1"/>
+          <p:nvPr/>
+        </p:nvSpPr>
+        <p:spPr>
+          <a:xfrm>
+            <a:off x="6443893" y="3580677"/>
+            <a:ext cx="1599417" cy="307777"/>
+          </a:xfrm>
+          <a:prstGeom prst="rect">
+            <a:avLst/>
+          </a:prstGeom>
+          <a:noFill/>
+        </p:spPr>
+        <p:txBody>
+          <a:bodyPr wrap="square" rtlCol="0">
+            <a:spAutoFit/>
+          </a:bodyPr>
+          <a:lstStyle/>
+          <a:p>
+            <a:r>
+              <a:rPr lang="en-US" sz="1400" dirty="0">
+                <a:latin typeface="Arial" panose="020B0604020202020204" pitchFamily="34" charset="0"/>
+                <a:cs typeface="Arial" panose="020B0604020202020204" pitchFamily="34" charset="0"/>
+              </a:rPr>
+              <a:t>KOMAX Gateway</a:t>
+            </a:r>
+            <a:endParaRPr lang="bg-BG" sz="1400" dirty="0">
+              <a:latin typeface="Arial" panose="020B0604020202020204" pitchFamily="34" charset="0"/>
+              <a:cs typeface="Arial" panose="020B0604020202020204" pitchFamily="34" charset="0"/>
+            </a:endParaRPr>
+          </a:p>
+        </p:txBody>
+      </p:sp>
+      <p:sp>
+        <p:nvSpPr>
+          <p:cNvPr id="23" name="Текстово поле 17">
+            <a:extLst>
+              <a:ext uri="{FF2B5EF4-FFF2-40B4-BE49-F238E27FC236}">
+                <a16:creationId xmlns:a16="http://schemas.microsoft.com/office/drawing/2014/main" id="{7F5DDDB3-3F24-48C7-B9CA-C8D03CAB82D2}"/>
+              </a:ext>
+            </a:extLst>
+          </p:cNvPr>
+          <p:cNvSpPr txBox="1"/>
+          <p:nvPr/>
+        </p:nvSpPr>
+        <p:spPr>
+          <a:xfrm>
+            <a:off x="9317959" y="3663763"/>
+            <a:ext cx="1599417" cy="307777"/>
+          </a:xfrm>
+          <a:prstGeom prst="rect">
+            <a:avLst/>
+          </a:prstGeom>
+          <a:noFill/>
+        </p:spPr>
+        <p:txBody>
+          <a:bodyPr wrap="square" rtlCol="0">
+            <a:spAutoFit/>
+          </a:bodyPr>
+          <a:lstStyle/>
+          <a:p>
+            <a:r>
+              <a:rPr lang="en-US" sz="1400" dirty="0">
+                <a:latin typeface="Arial" panose="020B0604020202020204" pitchFamily="34" charset="0"/>
+                <a:cs typeface="Arial" panose="020B0604020202020204" pitchFamily="34" charset="0"/>
+              </a:rPr>
+              <a:t>Cloud dashboard</a:t>
+            </a:r>
+            <a:endParaRPr lang="bg-BG" sz="1400" dirty="0">
+              <a:latin typeface="Arial" panose="020B0604020202020204" pitchFamily="34" charset="0"/>
+              <a:cs typeface="Arial" panose="020B0604020202020204" pitchFamily="34" charset="0"/>
+            </a:endParaRPr>
+          </a:p>
+        </p:txBody>
+      </p:sp>
+      <p:cxnSp>
+        <p:nvCxnSpPr>
+          <p:cNvPr id="24" name="Съединител &quot;права стрелка&quot; 10">
+            <a:extLst>
+              <a:ext uri="{FF2B5EF4-FFF2-40B4-BE49-F238E27FC236}">
+                <a16:creationId xmlns:a16="http://schemas.microsoft.com/office/drawing/2014/main" id="{7928FC36-829C-421E-9AB1-B7301E06C832}"/>
+              </a:ext>
+            </a:extLst>
+          </p:cNvPr>
+          <p:cNvCxnSpPr>
+            <a:cxnSpLocks/>
+          </p:cNvCxnSpPr>
+          <p:nvPr/>
+        </p:nvCxnSpPr>
+        <p:spPr>
+          <a:xfrm flipV="1">
+            <a:off x="7739955" y="4557240"/>
+            <a:ext cx="1535415" cy="12684"/>
+          </a:xfrm>
+          <a:prstGeom prst="straightConnector1">
+            <a:avLst/>
+          </a:prstGeom>
+          <a:ln>
+            <a:tailEnd type="triangle"/>
+          </a:ln>
+        </p:spPr>
+        <p:style>
+          <a:lnRef idx="1">
+            <a:schemeClr val="dk1"/>
+          </a:lnRef>
+          <a:fillRef idx="0">
+            <a:schemeClr val="dk1"/>
+          </a:fillRef>
+          <a:effectRef idx="0">
+            <a:schemeClr val="dk1"/>
+          </a:effectRef>
+          <a:fontRef idx="minor">
+            <a:schemeClr val="tx1"/>
+          </a:fontRef>
+        </p:style>
+      </p:cxnSp>
+      <p:sp>
+        <p:nvSpPr>
+          <p:cNvPr id="25" name="Текстово поле 17">
+            <a:extLst>
+              <a:ext uri="{FF2B5EF4-FFF2-40B4-BE49-F238E27FC236}">
+                <a16:creationId xmlns:a16="http://schemas.microsoft.com/office/drawing/2014/main" id="{7F5DDDB3-3F24-48C7-B9CA-C8D03CAB82D2}"/>
+              </a:ext>
+            </a:extLst>
+          </p:cNvPr>
+          <p:cNvSpPr txBox="1"/>
+          <p:nvPr/>
+        </p:nvSpPr>
+        <p:spPr>
+          <a:xfrm>
+            <a:off x="1934865" y="4233635"/>
+            <a:ext cx="1599417" cy="307777"/>
+          </a:xfrm>
+          <a:prstGeom prst="rect">
+            <a:avLst/>
+          </a:prstGeom>
+          <a:noFill/>
+        </p:spPr>
+        <p:txBody>
+          <a:bodyPr wrap="square" rtlCol="0">
+            <a:spAutoFit/>
+          </a:bodyPr>
+          <a:lstStyle/>
+          <a:p>
+            <a:r>
+              <a:rPr lang="en-US" sz="1400" dirty="0">
+                <a:latin typeface="Arial" panose="020B0604020202020204" pitchFamily="34" charset="0"/>
+                <a:cs typeface="Arial" panose="020B0604020202020204" pitchFamily="34" charset="0"/>
+              </a:rPr>
+              <a:t>write data</a:t>
+            </a:r>
+            <a:endParaRPr lang="bg-BG" sz="1400" dirty="0">
+              <a:latin typeface="Arial" panose="020B0604020202020204" pitchFamily="34" charset="0"/>
+              <a:cs typeface="Arial" panose="020B0604020202020204" pitchFamily="34" charset="0"/>
+            </a:endParaRPr>
+          </a:p>
+        </p:txBody>
+      </p:sp>
+      <p:cxnSp>
+        <p:nvCxnSpPr>
+          <p:cNvPr id="28" name="Съединител &quot;права стрелка&quot; 10">
+            <a:extLst>
+              <a:ext uri="{FF2B5EF4-FFF2-40B4-BE49-F238E27FC236}">
+                <a16:creationId xmlns:a16="http://schemas.microsoft.com/office/drawing/2014/main" id="{7928FC36-829C-421E-9AB1-B7301E06C832}"/>
+              </a:ext>
+            </a:extLst>
+          </p:cNvPr>
+          <p:cNvCxnSpPr>
+            <a:cxnSpLocks/>
+          </p:cNvCxnSpPr>
+          <p:nvPr/>
+        </p:nvCxnSpPr>
+        <p:spPr>
+          <a:xfrm flipH="1">
+            <a:off x="5018090" y="4605437"/>
+            <a:ext cx="1535416" cy="3430"/>
+          </a:xfrm>
+          <a:prstGeom prst="straightConnector1">
+            <a:avLst/>
+          </a:prstGeom>
+          <a:ln>
+            <a:tailEnd type="triangle"/>
+          </a:ln>
+        </p:spPr>
+        <p:style>
+          <a:lnRef idx="1">
+            <a:schemeClr val="dk1"/>
+          </a:lnRef>
+          <a:fillRef idx="0">
+            <a:schemeClr val="dk1"/>
+          </a:fillRef>
+          <a:effectRef idx="0">
+            <a:schemeClr val="dk1"/>
+          </a:effectRef>
+          <a:fontRef idx="minor">
+            <a:schemeClr val="tx1"/>
+          </a:fontRef>
+        </p:style>
+      </p:cxnSp>
+      <p:sp>
+        <p:nvSpPr>
+          <p:cNvPr id="34" name="Текстово поле 17">
+            <a:extLst>
+              <a:ext uri="{FF2B5EF4-FFF2-40B4-BE49-F238E27FC236}">
+                <a16:creationId xmlns:a16="http://schemas.microsoft.com/office/drawing/2014/main" id="{7F5DDDB3-3F24-48C7-B9CA-C8D03CAB82D2}"/>
+              </a:ext>
+            </a:extLst>
+          </p:cNvPr>
+          <p:cNvSpPr txBox="1"/>
+          <p:nvPr/>
+        </p:nvSpPr>
+        <p:spPr>
+          <a:xfrm>
+            <a:off x="5354951" y="4213538"/>
+            <a:ext cx="1003143" cy="307777"/>
+          </a:xfrm>
+          <a:prstGeom prst="rect">
+            <a:avLst/>
+          </a:prstGeom>
+          <a:noFill/>
+        </p:spPr>
+        <p:txBody>
+          <a:bodyPr wrap="square" rtlCol="0">
+            <a:spAutoFit/>
+          </a:bodyPr>
+          <a:lstStyle/>
+          <a:p>
+            <a:r>
+              <a:rPr lang="en-US" sz="1400" dirty="0">
+                <a:latin typeface="Arial" panose="020B0604020202020204" pitchFamily="34" charset="0"/>
+                <a:cs typeface="Arial" panose="020B0604020202020204" pitchFamily="34" charset="0"/>
+              </a:rPr>
+              <a:t>read data</a:t>
+            </a:r>
+            <a:endParaRPr lang="bg-BG" sz="1400" dirty="0">
+              <a:latin typeface="Arial" panose="020B0604020202020204" pitchFamily="34" charset="0"/>
+              <a:cs typeface="Arial" panose="020B0604020202020204" pitchFamily="34" charset="0"/>
+            </a:endParaRPr>
+          </a:p>
+        </p:txBody>
+      </p:sp>
+      <p:sp>
+        <p:nvSpPr>
+          <p:cNvPr id="35" name="Текстово поле 17">
+            <a:extLst>
+              <a:ext uri="{FF2B5EF4-FFF2-40B4-BE49-F238E27FC236}">
+                <a16:creationId xmlns:a16="http://schemas.microsoft.com/office/drawing/2014/main" id="{7F5DDDB3-3F24-48C7-B9CA-C8D03CAB82D2}"/>
+              </a:ext>
+            </a:extLst>
+          </p:cNvPr>
+          <p:cNvSpPr txBox="1"/>
+          <p:nvPr/>
+        </p:nvSpPr>
+        <p:spPr>
+          <a:xfrm>
+            <a:off x="2115766" y="4706978"/>
+            <a:ext cx="867784" cy="307777"/>
+          </a:xfrm>
+          <a:prstGeom prst="rect">
+            <a:avLst/>
+          </a:prstGeom>
+          <a:noFill/>
+        </p:spPr>
+        <p:txBody>
+          <a:bodyPr wrap="square" rtlCol="0">
+            <a:spAutoFit/>
+          </a:bodyPr>
+          <a:lstStyle/>
+          <a:p>
+            <a:r>
+              <a:rPr lang="en-US" sz="1400" dirty="0">
+                <a:latin typeface="Arial" panose="020B0604020202020204" pitchFamily="34" charset="0"/>
+                <a:cs typeface="Arial" panose="020B0604020202020204" pitchFamily="34" charset="0"/>
+              </a:rPr>
+              <a:t>OPC UA</a:t>
+            </a:r>
+            <a:endParaRPr lang="bg-BG" sz="1400" dirty="0">
+              <a:latin typeface="Arial" panose="020B0604020202020204" pitchFamily="34" charset="0"/>
+              <a:cs typeface="Arial" panose="020B0604020202020204" pitchFamily="34" charset="0"/>
+            </a:endParaRPr>
+          </a:p>
+        </p:txBody>
+      </p:sp>
+      <p:sp>
+        <p:nvSpPr>
+          <p:cNvPr id="36" name="Текстово поле 17">
+            <a:extLst>
+              <a:ext uri="{FF2B5EF4-FFF2-40B4-BE49-F238E27FC236}">
+                <a16:creationId xmlns:a16="http://schemas.microsoft.com/office/drawing/2014/main" id="{7F5DDDB3-3F24-48C7-B9CA-C8D03CAB82D2}"/>
+              </a:ext>
+            </a:extLst>
+          </p:cNvPr>
+          <p:cNvSpPr txBox="1"/>
+          <p:nvPr/>
+        </p:nvSpPr>
+        <p:spPr>
+          <a:xfrm>
+            <a:off x="5381097" y="4692989"/>
+            <a:ext cx="867784" cy="307777"/>
+          </a:xfrm>
+          <a:prstGeom prst="rect">
+            <a:avLst/>
+          </a:prstGeom>
+          <a:noFill/>
+        </p:spPr>
+        <p:txBody>
+          <a:bodyPr wrap="square" rtlCol="0">
+            <a:spAutoFit/>
+          </a:bodyPr>
+          <a:lstStyle/>
+          <a:p>
+            <a:r>
+              <a:rPr lang="en-US" sz="1400" dirty="0">
+                <a:latin typeface="Arial" panose="020B0604020202020204" pitchFamily="34" charset="0"/>
+                <a:cs typeface="Arial" panose="020B0604020202020204" pitchFamily="34" charset="0"/>
+              </a:rPr>
+              <a:t>OPC UA</a:t>
+            </a:r>
+            <a:endParaRPr lang="bg-BG" sz="1400" dirty="0">
+              <a:latin typeface="Arial" panose="020B0604020202020204" pitchFamily="34" charset="0"/>
+              <a:cs typeface="Arial" panose="020B0604020202020204" pitchFamily="34" charset="0"/>
+            </a:endParaRPr>
+          </a:p>
+        </p:txBody>
+      </p:sp>
+    </p:spTree>
+    <p:extLst>
+      <p:ext uri="{BB962C8B-B14F-4D97-AF65-F5344CB8AC3E}">
+        <p14:creationId xmlns:p14="http://schemas.microsoft.com/office/powerpoint/2010/main" val="158121558"/>
+      </p:ext>
+    </p:extLst>
+  </p:cSld>
+  <p:clrMapOvr>
+    <a:masterClrMapping/>
+  </p:clrMapOvr>
+</p:sld>
+</file>
+
+<file path=ppt/slides/slide22.xml><?xml version="1.0" encoding="utf-8"?>
 <p:sld xmlns:a="http://schemas.openxmlformats.org/drawingml/2006/main" xmlns:r="http://schemas.openxmlformats.org/officeDocument/2006/relationships" xmlns:p="http://schemas.openxmlformats.org/presentationml/2006/main">
   <p:cSld>
     <p:spTree>
@@ -18298,6 +18631,342 @@
       </p:grpSpPr>
       <p:sp>
         <p:nvSpPr>
+          <p:cNvPr id="2" name="Title 1"/>
+          <p:cNvSpPr>
+            <a:spLocks noGrp="1"/>
+          </p:cNvSpPr>
+          <p:nvPr>
+            <p:ph type="title"/>
+          </p:nvPr>
+        </p:nvSpPr>
+        <p:spPr>
+          <a:xfrm>
+            <a:off x="1154954" y="1646516"/>
+            <a:ext cx="2793158" cy="528647"/>
+          </a:xfrm>
+        </p:spPr>
+        <p:txBody>
+          <a:bodyPr/>
+          <a:lstStyle/>
+          <a:p>
+            <a:pPr algn="ctr"/>
+            <a:r>
+              <a:rPr lang="en-US" dirty="0" smtClean="0">
+                <a:latin typeface="Arial" panose="020B0604020202020204" pitchFamily="34" charset="0"/>
+                <a:cs typeface="Arial" panose="020B0604020202020204" pitchFamily="34" charset="0"/>
+              </a:rPr>
+              <a:t>Before OPC </a:t>
+            </a:r>
+            <a:endParaRPr lang="en-US" dirty="0">
+              <a:latin typeface="Arial" panose="020B0604020202020204" pitchFamily="34" charset="0"/>
+              <a:cs typeface="Arial" panose="020B0604020202020204" pitchFamily="34" charset="0"/>
+            </a:endParaRPr>
+          </a:p>
+        </p:txBody>
+      </p:sp>
+      <p:pic>
+        <p:nvPicPr>
+          <p:cNvPr id="6" name="Content Placeholder 5"/>
+          <p:cNvPicPr>
+            <a:picLocks noGrp="1" noChangeAspect="1"/>
+          </p:cNvPicPr>
+          <p:nvPr>
+            <p:ph idx="1"/>
+          </p:nvPr>
+        </p:nvPicPr>
+        <p:blipFill>
+          <a:blip r:embed="rId2">
+            <a:extLst>
+              <a:ext uri="{28A0092B-C50C-407E-A947-70E740481C1C}">
+                <a14:useLocalDpi xmlns:a14="http://schemas.microsoft.com/office/drawing/2010/main" val="0"/>
+              </a:ext>
+            </a:extLst>
+          </a:blip>
+          <a:stretch>
+            <a:fillRect/>
+          </a:stretch>
+        </p:blipFill>
+        <p:spPr>
+          <a:xfrm>
+            <a:off x="5289522" y="1907309"/>
+            <a:ext cx="6513865" cy="3431310"/>
+          </a:xfrm>
+        </p:spPr>
+      </p:pic>
+      <p:sp>
+        <p:nvSpPr>
+          <p:cNvPr id="7" name="Text Placeholder 6"/>
+          <p:cNvSpPr>
+            <a:spLocks noGrp="1"/>
+          </p:cNvSpPr>
+          <p:nvPr>
+            <p:ph type="body" sz="half" idx="2"/>
+          </p:nvPr>
+        </p:nvSpPr>
+        <p:spPr>
+          <a:xfrm>
+            <a:off x="1154954" y="2521528"/>
+            <a:ext cx="2793158" cy="3503352"/>
+          </a:xfrm>
+        </p:spPr>
+        <p:txBody>
+          <a:bodyPr/>
+          <a:lstStyle/>
+          <a:p>
+            <a:pPr marL="285750" indent="-285750">
+              <a:buClr>
+                <a:schemeClr val="bg1"/>
+              </a:buClr>
+              <a:buFont typeface="Arial" panose="020B0604020202020204" pitchFamily="34" charset="0"/>
+              <a:buChar char="•"/>
+            </a:pPr>
+            <a:r>
+              <a:rPr lang="en-US" sz="1600" dirty="0" smtClean="0">
+                <a:solidFill>
+                  <a:schemeClr val="bg1"/>
+                </a:solidFill>
+                <a:latin typeface="Arial" panose="020B0604020202020204" pitchFamily="34" charset="0"/>
+                <a:cs typeface="Arial" panose="020B0604020202020204" pitchFamily="34" charset="0"/>
+              </a:rPr>
+              <a:t>We have a driver diversity problems. </a:t>
+            </a:r>
+          </a:p>
+          <a:p>
+            <a:pPr marL="285750" indent="-285750">
+              <a:buClr>
+                <a:schemeClr val="bg1"/>
+              </a:buClr>
+              <a:buFont typeface="Arial" panose="020B0604020202020204" pitchFamily="34" charset="0"/>
+              <a:buChar char="•"/>
+            </a:pPr>
+            <a:r>
+              <a:rPr lang="en-US" sz="1600" dirty="0" smtClean="0">
+                <a:solidFill>
+                  <a:schemeClr val="bg1"/>
+                </a:solidFill>
+                <a:latin typeface="Arial" panose="020B0604020202020204" pitchFamily="34" charset="0"/>
+                <a:cs typeface="Arial" panose="020B0604020202020204" pitchFamily="34" charset="0"/>
+              </a:rPr>
+              <a:t>Our Windows OS system must have installed a bunch of drivers for the communication with all diversity of PLC devices.</a:t>
+            </a:r>
+          </a:p>
+          <a:p>
+            <a:pPr marL="285750" indent="-285750">
+              <a:buClr>
+                <a:schemeClr val="bg1"/>
+              </a:buClr>
+              <a:buFont typeface="Arial" panose="020B0604020202020204" pitchFamily="34" charset="0"/>
+              <a:buChar char="•"/>
+            </a:pPr>
+            <a:r>
+              <a:rPr lang="en-US" sz="1600" dirty="0" smtClean="0">
+                <a:solidFill>
+                  <a:schemeClr val="bg1"/>
+                </a:solidFill>
+                <a:latin typeface="Arial" panose="020B0604020202020204" pitchFamily="34" charset="0"/>
+                <a:cs typeface="Arial" panose="020B0604020202020204" pitchFamily="34" charset="0"/>
+              </a:rPr>
+              <a:t>Data is not easily passed to high level applications</a:t>
+            </a:r>
+          </a:p>
+          <a:p>
+            <a:endParaRPr lang="en-US" dirty="0" smtClean="0"/>
+          </a:p>
+        </p:txBody>
+      </p:sp>
+    </p:spTree>
+    <p:extLst>
+      <p:ext uri="{BB962C8B-B14F-4D97-AF65-F5344CB8AC3E}">
+        <p14:creationId xmlns:p14="http://schemas.microsoft.com/office/powerpoint/2010/main" val="2986647502"/>
+      </p:ext>
+    </p:extLst>
+  </p:cSld>
+  <p:clrMapOvr>
+    <a:masterClrMapping/>
+  </p:clrMapOvr>
+</p:sld>
+</file>
+
+<file path=ppt/slides/slide5.xml><?xml version="1.0" encoding="utf-8"?>
+<p:sld xmlns:a="http://schemas.openxmlformats.org/drawingml/2006/main" xmlns:r="http://schemas.openxmlformats.org/officeDocument/2006/relationships" xmlns:p="http://schemas.openxmlformats.org/presentationml/2006/main">
+  <p:cSld>
+    <p:spTree>
+      <p:nvGrpSpPr>
+        <p:cNvPr id="1" name=""/>
+        <p:cNvGrpSpPr/>
+        <p:nvPr/>
+      </p:nvGrpSpPr>
+      <p:grpSpPr>
+        <a:xfrm>
+          <a:off x="0" y="0"/>
+          <a:ext cx="0" cy="0"/>
+          <a:chOff x="0" y="0"/>
+          <a:chExt cx="0" cy="0"/>
+        </a:xfrm>
+      </p:grpSpPr>
+      <p:sp>
+        <p:nvSpPr>
+          <p:cNvPr id="2" name="Title 1"/>
+          <p:cNvSpPr>
+            <a:spLocks noGrp="1"/>
+          </p:cNvSpPr>
+          <p:nvPr>
+            <p:ph type="title"/>
+          </p:nvPr>
+        </p:nvSpPr>
+        <p:spPr>
+          <a:xfrm>
+            <a:off x="1302736" y="1463713"/>
+            <a:ext cx="2793158" cy="457200"/>
+          </a:xfrm>
+        </p:spPr>
+        <p:txBody>
+          <a:bodyPr/>
+          <a:lstStyle/>
+          <a:p>
+            <a:r>
+              <a:rPr lang="en-US" dirty="0" smtClean="0">
+                <a:latin typeface="Arial" panose="020B0604020202020204" pitchFamily="34" charset="0"/>
+                <a:cs typeface="Arial" panose="020B0604020202020204" pitchFamily="34" charset="0"/>
+              </a:rPr>
+              <a:t>Classic OPC</a:t>
+            </a:r>
+            <a:endParaRPr lang="en-US" dirty="0">
+              <a:latin typeface="Arial" panose="020B0604020202020204" pitchFamily="34" charset="0"/>
+              <a:cs typeface="Arial" panose="020B0604020202020204" pitchFamily="34" charset="0"/>
+            </a:endParaRPr>
+          </a:p>
+        </p:txBody>
+      </p:sp>
+      <p:pic>
+        <p:nvPicPr>
+          <p:cNvPr id="5" name="Content Placeholder 4"/>
+          <p:cNvPicPr>
+            <a:picLocks noGrp="1" noChangeAspect="1"/>
+          </p:cNvPicPr>
+          <p:nvPr>
+            <p:ph idx="1"/>
+          </p:nvPr>
+        </p:nvPicPr>
+        <p:blipFill>
+          <a:blip r:embed="rId2">
+            <a:extLst>
+              <a:ext uri="{28A0092B-C50C-407E-A947-70E740481C1C}">
+                <a14:useLocalDpi xmlns:a14="http://schemas.microsoft.com/office/drawing/2010/main" val="0"/>
+              </a:ext>
+            </a:extLst>
+          </a:blip>
+          <a:stretch>
+            <a:fillRect/>
+          </a:stretch>
+        </p:blipFill>
+        <p:spPr>
+          <a:xfrm>
+            <a:off x="5096587" y="1920913"/>
+            <a:ext cx="6812147" cy="3547014"/>
+          </a:xfrm>
+        </p:spPr>
+      </p:pic>
+      <p:sp>
+        <p:nvSpPr>
+          <p:cNvPr id="4" name="Text Placeholder 3"/>
+          <p:cNvSpPr>
+            <a:spLocks noGrp="1"/>
+          </p:cNvSpPr>
+          <p:nvPr>
+            <p:ph type="body" sz="half" idx="2"/>
+          </p:nvPr>
+        </p:nvSpPr>
+        <p:spPr>
+          <a:xfrm>
+            <a:off x="1002121" y="2179784"/>
+            <a:ext cx="2945991" cy="2927926"/>
+          </a:xfrm>
+        </p:spPr>
+        <p:txBody>
+          <a:bodyPr>
+            <a:normAutofit/>
+          </a:bodyPr>
+          <a:lstStyle/>
+          <a:p>
+            <a:pPr marL="285750" indent="-285750">
+              <a:buClr>
+                <a:schemeClr val="bg1"/>
+              </a:buClr>
+              <a:buFont typeface="Arial" panose="020B0604020202020204" pitchFamily="34" charset="0"/>
+              <a:buChar char="•"/>
+            </a:pPr>
+            <a:r>
+              <a:rPr lang="en-US" sz="1600" dirty="0" smtClean="0">
+                <a:solidFill>
+                  <a:schemeClr val="bg1"/>
+                </a:solidFill>
+                <a:latin typeface="Arial" panose="020B0604020202020204" pitchFamily="34" charset="0"/>
+                <a:cs typeface="Arial" panose="020B0604020202020204" pitchFamily="34" charset="0"/>
+              </a:rPr>
+              <a:t>Idea is to have a central standard interface (OPC Server) which can be accessed via OPC Clients.</a:t>
+            </a:r>
+          </a:p>
+          <a:p>
+            <a:pPr marL="285750" indent="-285750">
+              <a:buClr>
+                <a:schemeClr val="bg1"/>
+              </a:buClr>
+              <a:buFont typeface="Arial" panose="020B0604020202020204" pitchFamily="34" charset="0"/>
+              <a:buChar char="•"/>
+            </a:pPr>
+            <a:r>
+              <a:rPr lang="en-US" sz="1600" dirty="0" smtClean="0">
+                <a:solidFill>
+                  <a:schemeClr val="bg1"/>
+                </a:solidFill>
+                <a:latin typeface="Arial" panose="020B0604020202020204" pitchFamily="34" charset="0"/>
+                <a:cs typeface="Arial" panose="020B0604020202020204" pitchFamily="34" charset="0"/>
+              </a:rPr>
+              <a:t>On this way all PLC devices can upload there data on this OPC server and the same data can be accessed directly by OPC Clients.</a:t>
+            </a:r>
+            <a:endParaRPr lang="en-US" sz="1600" dirty="0">
+              <a:solidFill>
+                <a:schemeClr val="bg1"/>
+              </a:solidFill>
+              <a:latin typeface="Arial" panose="020B0604020202020204" pitchFamily="34" charset="0"/>
+              <a:cs typeface="Arial" panose="020B0604020202020204" pitchFamily="34" charset="0"/>
+            </a:endParaRPr>
+          </a:p>
+        </p:txBody>
+      </p:sp>
+    </p:spTree>
+    <p:extLst>
+      <p:ext uri="{BB962C8B-B14F-4D97-AF65-F5344CB8AC3E}">
+        <p14:creationId xmlns:p14="http://schemas.microsoft.com/office/powerpoint/2010/main" val="2537613998"/>
+      </p:ext>
+    </p:extLst>
+  </p:cSld>
+  <p:clrMapOvr>
+    <a:masterClrMapping/>
+  </p:clrMapOvr>
+</p:sld>
+</file>
+
+<file path=ppt/slides/slide6.xml><?xml version="1.0" encoding="utf-8"?>
+<p:sld xmlns:a="http://schemas.openxmlformats.org/drawingml/2006/main" xmlns:r="http://schemas.openxmlformats.org/officeDocument/2006/relationships" xmlns:p="http://schemas.openxmlformats.org/presentationml/2006/main">
+  <p:cSld>
+    <p:spTree>
+      <p:nvGrpSpPr>
+        <p:cNvPr id="1" name=""/>
+        <p:cNvGrpSpPr/>
+        <p:nvPr/>
+      </p:nvGrpSpPr>
+      <p:grpSpPr>
+        <a:xfrm>
+          <a:off x="0" y="0"/>
+          <a:ext cx="0" cy="0"/>
+          <a:chOff x="0" y="0"/>
+          <a:chExt cx="0" cy="0"/>
+        </a:xfrm>
+      </p:grpSpPr>
+      <p:sp>
+        <p:nvSpPr>
           <p:cNvPr id="2" name="Заглавие 1">
             <a:extLst>
               <a:ext uri="{FF2B5EF4-FFF2-40B4-BE49-F238E27FC236}">
@@ -18549,7 +19218,7 @@
 </p:sld>
 </file>
 
-<file path=ppt/slides/slide5.xml><?xml version="1.0" encoding="utf-8"?>
+<file path=ppt/slides/slide7.xml><?xml version="1.0" encoding="utf-8"?>
 <p:sld xmlns:a="http://schemas.openxmlformats.org/drawingml/2006/main" xmlns:r="http://schemas.openxmlformats.org/officeDocument/2006/relationships" xmlns:p="http://schemas.openxmlformats.org/presentationml/2006/main">
   <p:cSld>
     <p:spTree>
@@ -19272,7 +19941,7 @@
 </p:sld>
 </file>
 
-<file path=ppt/slides/slide6.xml><?xml version="1.0" encoding="utf-8"?>
+<file path=ppt/slides/slide8.xml><?xml version="1.0" encoding="utf-8"?>
 <p:sld xmlns:a="http://schemas.openxmlformats.org/drawingml/2006/main" xmlns:r="http://schemas.openxmlformats.org/officeDocument/2006/relationships" xmlns:p="http://schemas.openxmlformats.org/presentationml/2006/main">
   <p:cSld>
     <p:spTree>
@@ -19794,7 +20463,7 @@
 </p:sld>
 </file>
 
-<file path=ppt/slides/slide7.xml><?xml version="1.0" encoding="utf-8"?>
+<file path=ppt/slides/slide9.xml><?xml version="1.0" encoding="utf-8"?>
 <p:sld xmlns:a="http://schemas.openxmlformats.org/drawingml/2006/main" xmlns:r="http://schemas.openxmlformats.org/officeDocument/2006/relationships" xmlns:p="http://schemas.openxmlformats.org/presentationml/2006/main">
   <p:cSld>
     <p:spTree>
@@ -19974,337 +20643,6 @@
     <p:extLst>
       <p:ext uri="{BB962C8B-B14F-4D97-AF65-F5344CB8AC3E}">
         <p14:creationId xmlns:p14="http://schemas.microsoft.com/office/powerpoint/2010/main" val="1853153136"/>
-      </p:ext>
-    </p:extLst>
-  </p:cSld>
-  <p:clrMapOvr>
-    <a:masterClrMapping/>
-  </p:clrMapOvr>
-</p:sld>
-</file>
-
-<file path=ppt/slides/slide8.xml><?xml version="1.0" encoding="utf-8"?>
-<p:sld xmlns:a="http://schemas.openxmlformats.org/drawingml/2006/main" xmlns:r="http://schemas.openxmlformats.org/officeDocument/2006/relationships" xmlns:p="http://schemas.openxmlformats.org/presentationml/2006/main">
-  <p:cSld>
-    <p:spTree>
-      <p:nvGrpSpPr>
-        <p:cNvPr id="1" name=""/>
-        <p:cNvGrpSpPr/>
-        <p:nvPr/>
-      </p:nvGrpSpPr>
-      <p:grpSpPr>
-        <a:xfrm>
-          <a:off x="0" y="0"/>
-          <a:ext cx="0" cy="0"/>
-          <a:chOff x="0" y="0"/>
-          <a:chExt cx="0" cy="0"/>
-        </a:xfrm>
-      </p:grpSpPr>
-      <p:sp>
-        <p:nvSpPr>
-          <p:cNvPr id="2" name="Заглавие 1">
-            <a:extLst>
-              <a:ext uri="{FF2B5EF4-FFF2-40B4-BE49-F238E27FC236}">
-                <a16:creationId xmlns:a16="http://schemas.microsoft.com/office/drawing/2014/main" id="{9E1399E8-5983-477C-B6B3-28BE668C9600}"/>
-              </a:ext>
-            </a:extLst>
-          </p:cNvPr>
-          <p:cNvSpPr>
-            <a:spLocks noGrp="1"/>
-          </p:cNvSpPr>
-          <p:nvPr>
-            <p:ph type="title"/>
-          </p:nvPr>
-        </p:nvSpPr>
-        <p:spPr>
-          <a:xfrm>
-            <a:off x="1154955" y="1295400"/>
-            <a:ext cx="2793158" cy="1183849"/>
-          </a:xfrm>
-        </p:spPr>
-        <p:txBody>
-          <a:bodyPr/>
-          <a:lstStyle/>
-          <a:p>
-            <a:r>
-              <a:rPr lang="en-US" dirty="0">
-                <a:latin typeface="Arial" panose="020B0604020202020204" pitchFamily="34" charset="0"/>
-                <a:cs typeface="Arial" panose="020B0604020202020204" pitchFamily="34" charset="0"/>
-              </a:rPr>
-              <a:t>OEE (Overall Equipment Effectiveness)</a:t>
-            </a:r>
-            <a:endParaRPr lang="bg-BG" dirty="0">
-              <a:latin typeface="Arial" panose="020B0604020202020204" pitchFamily="34" charset="0"/>
-              <a:cs typeface="Arial" panose="020B0604020202020204" pitchFamily="34" charset="0"/>
-            </a:endParaRPr>
-          </a:p>
-        </p:txBody>
-      </p:sp>
-      <p:pic>
-        <p:nvPicPr>
-          <p:cNvPr id="6" name="Контейнер за съдържание 5" descr="Картина, която съдържа текст, визитка, екранна снимка&#10;&#10;Описанието е генерирано автоматично">
-            <a:extLst>
-              <a:ext uri="{FF2B5EF4-FFF2-40B4-BE49-F238E27FC236}">
-                <a16:creationId xmlns:a16="http://schemas.microsoft.com/office/drawing/2014/main" id="{9F36048E-3532-4245-BC24-A230CDD3D910}"/>
-              </a:ext>
-            </a:extLst>
-          </p:cNvPr>
-          <p:cNvPicPr>
-            <a:picLocks noGrp="1" noChangeAspect="1"/>
-          </p:cNvPicPr>
-          <p:nvPr>
-            <p:ph idx="1"/>
-          </p:nvPr>
-        </p:nvPicPr>
-        <p:blipFill>
-          <a:blip r:embed="rId2">
-            <a:extLst>
-              <a:ext uri="{28A0092B-C50C-407E-A947-70E740481C1C}">
-                <a14:useLocalDpi xmlns:a14="http://schemas.microsoft.com/office/drawing/2010/main" val="0"/>
-              </a:ext>
-            </a:extLst>
-          </a:blip>
-          <a:stretch>
-            <a:fillRect/>
-          </a:stretch>
-        </p:blipFill>
-        <p:spPr>
-          <a:xfrm>
-            <a:off x="5513573" y="776813"/>
-            <a:ext cx="4761472" cy="2749750"/>
-          </a:xfrm>
-        </p:spPr>
-      </p:pic>
-      <p:sp>
-        <p:nvSpPr>
-          <p:cNvPr id="4" name="Текстов контейнер 3">
-            <a:extLst>
-              <a:ext uri="{FF2B5EF4-FFF2-40B4-BE49-F238E27FC236}">
-                <a16:creationId xmlns:a16="http://schemas.microsoft.com/office/drawing/2014/main" id="{91B1919B-592E-4D72-8823-6C23A08318C4}"/>
-              </a:ext>
-            </a:extLst>
-          </p:cNvPr>
-          <p:cNvSpPr>
-            <a:spLocks noGrp="1"/>
-          </p:cNvSpPr>
-          <p:nvPr>
-            <p:ph type="body" sz="half" idx="2"/>
-          </p:nvPr>
-        </p:nvSpPr>
-        <p:spPr>
-          <a:xfrm>
-            <a:off x="1154954" y="2724346"/>
-            <a:ext cx="3275644" cy="2611225"/>
-          </a:xfrm>
-        </p:spPr>
-        <p:txBody>
-          <a:bodyPr>
-            <a:normAutofit/>
-          </a:bodyPr>
-          <a:lstStyle/>
-          <a:p>
-            <a:r>
-              <a:rPr lang="en-US" sz="1800" dirty="0">
-                <a:solidFill>
-                  <a:schemeClr val="bg1"/>
-                </a:solidFill>
-                <a:latin typeface="Arial" panose="020B0604020202020204" pitchFamily="34" charset="0"/>
-                <a:cs typeface="Arial" panose="020B0604020202020204" pitchFamily="34" charset="0"/>
-              </a:rPr>
-              <a:t>It’s a gold standard for measuring manufacturing productivity.</a:t>
-            </a:r>
-          </a:p>
-          <a:p>
-            <a:r>
-              <a:rPr lang="en-US" sz="1800" dirty="0">
-                <a:solidFill>
-                  <a:schemeClr val="bg1"/>
-                </a:solidFill>
-                <a:latin typeface="Arial" panose="020B0604020202020204" pitchFamily="34" charset="0"/>
-                <a:cs typeface="Arial" panose="020B0604020202020204" pitchFamily="34" charset="0"/>
-              </a:rPr>
-              <a:t>By measuring of OEE and the underlying losses, we can get important insights on how to systematically improve our manufacturing process.</a:t>
-            </a:r>
-            <a:endParaRPr lang="bg-BG" sz="1800" dirty="0">
-              <a:solidFill>
-                <a:schemeClr val="bg1"/>
-              </a:solidFill>
-              <a:latin typeface="Arial" panose="020B0604020202020204" pitchFamily="34" charset="0"/>
-              <a:cs typeface="Arial" panose="020B0604020202020204" pitchFamily="34" charset="0"/>
-            </a:endParaRPr>
-          </a:p>
-        </p:txBody>
-      </p:sp>
-      <p:pic>
-        <p:nvPicPr>
-          <p:cNvPr id="8" name="Картина 7">
-            <a:extLst>
-              <a:ext uri="{FF2B5EF4-FFF2-40B4-BE49-F238E27FC236}">
-                <a16:creationId xmlns:a16="http://schemas.microsoft.com/office/drawing/2014/main" id="{CB240A52-C317-4489-B730-676821015F8A}"/>
-              </a:ext>
-            </a:extLst>
-          </p:cNvPr>
-          <p:cNvPicPr>
-            <a:picLocks noChangeAspect="1"/>
-          </p:cNvPicPr>
-          <p:nvPr/>
-        </p:nvPicPr>
-        <p:blipFill>
-          <a:blip r:embed="rId3" cstate="hqprint">
-            <a:extLst>
-              <a:ext uri="{28A0092B-C50C-407E-A947-70E740481C1C}">
-                <a14:useLocalDpi xmlns:a14="http://schemas.microsoft.com/office/drawing/2010/main" val="0"/>
-              </a:ext>
-            </a:extLst>
-          </a:blip>
-          <a:stretch>
-            <a:fillRect/>
-          </a:stretch>
-        </p:blipFill>
-        <p:spPr>
-          <a:xfrm>
-            <a:off x="5596506" y="3668803"/>
-            <a:ext cx="4595605" cy="2585028"/>
-          </a:xfrm>
-          <a:prstGeom prst="rect">
-            <a:avLst/>
-          </a:prstGeom>
-        </p:spPr>
-      </p:pic>
-    </p:spTree>
-    <p:extLst>
-      <p:ext uri="{BB962C8B-B14F-4D97-AF65-F5344CB8AC3E}">
-        <p14:creationId xmlns:p14="http://schemas.microsoft.com/office/powerpoint/2010/main" val="2952636599"/>
-      </p:ext>
-    </p:extLst>
-  </p:cSld>
-  <p:clrMapOvr>
-    <a:masterClrMapping/>
-  </p:clrMapOvr>
-</p:sld>
-</file>
-
-<file path=ppt/slides/slide9.xml><?xml version="1.0" encoding="utf-8"?>
-<p:sld xmlns:a="http://schemas.openxmlformats.org/drawingml/2006/main" xmlns:r="http://schemas.openxmlformats.org/officeDocument/2006/relationships" xmlns:p="http://schemas.openxmlformats.org/presentationml/2006/main">
-  <p:cSld>
-    <p:spTree>
-      <p:nvGrpSpPr>
-        <p:cNvPr id="1" name=""/>
-        <p:cNvGrpSpPr/>
-        <p:nvPr/>
-      </p:nvGrpSpPr>
-      <p:grpSpPr>
-        <a:xfrm>
-          <a:off x="0" y="0"/>
-          <a:ext cx="0" cy="0"/>
-          <a:chOff x="0" y="0"/>
-          <a:chExt cx="0" cy="0"/>
-        </a:xfrm>
-      </p:grpSpPr>
-      <p:sp>
-        <p:nvSpPr>
-          <p:cNvPr id="2" name="Заглавие 1">
-            <a:extLst>
-              <a:ext uri="{FF2B5EF4-FFF2-40B4-BE49-F238E27FC236}">
-                <a16:creationId xmlns:a16="http://schemas.microsoft.com/office/drawing/2014/main" id="{43317B4A-D21E-4C75-A6E2-27AADB395689}"/>
-              </a:ext>
-            </a:extLst>
-          </p:cNvPr>
-          <p:cNvSpPr>
-            <a:spLocks noGrp="1"/>
-          </p:cNvSpPr>
-          <p:nvPr>
-            <p:ph type="title"/>
-          </p:nvPr>
-        </p:nvSpPr>
-        <p:spPr/>
-        <p:txBody>
-          <a:bodyPr/>
-          <a:lstStyle/>
-          <a:p>
-            <a:pPr algn="ctr"/>
-            <a:r>
-              <a:rPr lang="en-US" dirty="0">
-                <a:latin typeface="Arial" panose="020B0604020202020204" pitchFamily="34" charset="0"/>
-                <a:cs typeface="Arial" panose="020B0604020202020204" pitchFamily="34" charset="0"/>
-              </a:rPr>
-              <a:t>Smart manufacture</a:t>
-            </a:r>
-            <a:endParaRPr lang="bg-BG" dirty="0">
-              <a:latin typeface="Arial" panose="020B0604020202020204" pitchFamily="34" charset="0"/>
-              <a:cs typeface="Arial" panose="020B0604020202020204" pitchFamily="34" charset="0"/>
-            </a:endParaRPr>
-          </a:p>
-        </p:txBody>
-      </p:sp>
-      <p:pic>
-        <p:nvPicPr>
-          <p:cNvPr id="5" name="Контейнер за съдържание 4">
-            <a:extLst>
-              <a:ext uri="{FF2B5EF4-FFF2-40B4-BE49-F238E27FC236}">
-                <a16:creationId xmlns:a16="http://schemas.microsoft.com/office/drawing/2014/main" id="{50B7D79F-1C0B-4D25-A726-841BCBF5948F}"/>
-              </a:ext>
-            </a:extLst>
-          </p:cNvPr>
-          <p:cNvPicPr>
-            <a:picLocks noGrp="1" noChangeAspect="1"/>
-          </p:cNvPicPr>
-          <p:nvPr>
-            <p:ph idx="1"/>
-          </p:nvPr>
-        </p:nvPicPr>
-        <p:blipFill>
-          <a:blip r:embed="rId2">
-            <a:extLst>
-              <a:ext uri="{28A0092B-C50C-407E-A947-70E740481C1C}">
-                <a14:useLocalDpi xmlns:a14="http://schemas.microsoft.com/office/drawing/2010/main" val="0"/>
-              </a:ext>
-            </a:extLst>
-          </a:blip>
-          <a:stretch>
-            <a:fillRect/>
-          </a:stretch>
-        </p:blipFill>
-        <p:spPr>
-          <a:xfrm>
-            <a:off x="2468881" y="2501900"/>
-            <a:ext cx="6990910" cy="3930468"/>
-          </a:xfrm>
-          <a:prstGeom prst="roundRect">
-            <a:avLst>
-              <a:gd name="adj" fmla="val 4167"/>
-            </a:avLst>
-          </a:prstGeom>
-          <a:solidFill>
-            <a:srgbClr val="FFFFFF"/>
-          </a:solidFill>
-          <a:ln w="76200" cap="sq">
-            <a:solidFill>
-              <a:srgbClr val="EAEAEA"/>
-            </a:solidFill>
-            <a:miter lim="800000"/>
-          </a:ln>
-          <a:effectLst>
-            <a:reflection blurRad="12700" stA="33000" endPos="28000" dist="5000" dir="5400000" sy="-100000" algn="bl" rotWithShape="0"/>
-          </a:effectLst>
-          <a:scene3d>
-            <a:camera prst="orthographicFront"/>
-            <a:lightRig rig="threePt" dir="t">
-              <a:rot lat="0" lon="0" rev="2700000"/>
-            </a:lightRig>
-          </a:scene3d>
-          <a:sp3d contourW="6350">
-            <a:bevelT h="38100"/>
-            <a:contourClr>
-              <a:srgbClr val="C0C0C0"/>
-            </a:contourClr>
-          </a:sp3d>
-        </p:spPr>
-      </p:pic>
-    </p:spTree>
-    <p:extLst>
-      <p:ext uri="{BB962C8B-B14F-4D97-AF65-F5344CB8AC3E}">
-        <p14:creationId xmlns:p14="http://schemas.microsoft.com/office/powerpoint/2010/main" val="1220923656"/>
       </p:ext>
     </p:extLst>
   </p:cSld>
